--- a/media/PrismDemo.pptx
+++ b/media/PrismDemo.pptx
@@ -5,7 +5,7 @@
     <p:sldMasterId id="2147483660" r:id="rId1"/>
   </p:sldMasterIdLst>
   <p:notesMasterIdLst>
-    <p:notesMasterId r:id="rId30"/>
+    <p:notesMasterId r:id="rId32"/>
   </p:notesMasterIdLst>
   <p:sldIdLst>
     <p:sldId id="283" r:id="rId2"/>
@@ -35,7 +35,9 @@
     <p:sldId id="422" r:id="rId26"/>
     <p:sldId id="423" r:id="rId27"/>
     <p:sldId id="424" r:id="rId28"/>
-    <p:sldId id="398" r:id="rId29"/>
+    <p:sldId id="425" r:id="rId29"/>
+    <p:sldId id="426" r:id="rId30"/>
+    <p:sldId id="398" r:id="rId31"/>
   </p:sldIdLst>
   <p:sldSz cx="12192000" cy="6858000"/>
   <p:notesSz cx="6858000" cy="9144000"/>
@@ -3736,6 +3738,330 @@
               <a:rPr lang="en-US" smtClean="0"/>
               <a:pPr/>
               <a:t>28</a:t>
+            </a:fld>
+            <a:endParaRPr lang="en-US" dirty="0"/>
+          </a:p>
+        </p:txBody>
+      </p:sp>
+    </p:spTree>
+    <p:extLst>
+      <p:ext uri="{BB962C8B-B14F-4D97-AF65-F5344CB8AC3E}">
+        <p14:creationId xmlns:p14="http://schemas.microsoft.com/office/powerpoint/2010/main" val="3600176301"/>
+      </p:ext>
+    </p:extLst>
+  </p:cSld>
+  <p:clrMapOvr>
+    <a:masterClrMapping/>
+  </p:clrMapOvr>
+</p:notes>
+</file>
+
+<file path=ppt/notesSlides/notesSlide28.xml><?xml version="1.0" encoding="utf-8"?>
+<p:notes xmlns:a="http://schemas.openxmlformats.org/drawingml/2006/main" xmlns:r="http://schemas.openxmlformats.org/officeDocument/2006/relationships" xmlns:p="http://schemas.openxmlformats.org/presentationml/2006/main">
+  <p:cSld>
+    <p:spTree>
+      <p:nvGrpSpPr>
+        <p:cNvPr id="1" name=""/>
+        <p:cNvGrpSpPr/>
+        <p:nvPr/>
+      </p:nvGrpSpPr>
+      <p:grpSpPr>
+        <a:xfrm>
+          <a:off x="0" y="0"/>
+          <a:ext cx="0" cy="0"/>
+          <a:chOff x="0" y="0"/>
+          <a:chExt cx="0" cy="0"/>
+        </a:xfrm>
+      </p:grpSpPr>
+      <p:sp>
+        <p:nvSpPr>
+          <p:cNvPr id="2" name="Slide Image Placeholder 1"/>
+          <p:cNvSpPr>
+            <a:spLocks noGrp="1" noRot="1" noChangeAspect="1"/>
+          </p:cNvSpPr>
+          <p:nvPr>
+            <p:ph type="sldImg"/>
+          </p:nvPr>
+        </p:nvSpPr>
+        <p:spPr/>
+      </p:sp>
+      <p:sp>
+        <p:nvSpPr>
+          <p:cNvPr id="3" name="Notes Placeholder 2"/>
+          <p:cNvSpPr>
+            <a:spLocks noGrp="1"/>
+          </p:cNvSpPr>
+          <p:nvPr>
+            <p:ph type="body" idx="1"/>
+          </p:nvPr>
+        </p:nvSpPr>
+        <p:spPr/>
+        <p:txBody>
+          <a:bodyPr/>
+          <a:lstStyle/>
+          <a:p>
+            <a:endParaRPr lang="en-US" dirty="0"/>
+          </a:p>
+        </p:txBody>
+      </p:sp>
+      <p:sp>
+        <p:nvSpPr>
+          <p:cNvPr id="4" name="Footer Placeholder 3"/>
+          <p:cNvSpPr>
+            <a:spLocks noGrp="1"/>
+          </p:cNvSpPr>
+          <p:nvPr>
+            <p:ph type="ftr" sz="quarter" idx="10"/>
+          </p:nvPr>
+        </p:nvSpPr>
+        <p:spPr/>
+        <p:txBody>
+          <a:bodyPr/>
+          <a:lstStyle/>
+          <a:p>
+            <a:pPr defTabSz="914099" eaLnBrk="0" hangingPunct="0"/>
+            <a:r>
+              <a:rPr lang="en-US" sz="400">
+                <a:gradFill>
+                  <a:gsLst>
+                    <a:gs pos="0">
+                      <a:prstClr val="black"/>
+                    </a:gs>
+                    <a:gs pos="100000">
+                      <a:prstClr val="black"/>
+                    </a:gs>
+                  </a:gsLst>
+                  <a:lin ang="5400000" scaled="0"/>
+                </a:gradFill>
+                <a:latin typeface="Segoe UI" pitchFamily="34" charset="0"/>
+                <a:ea typeface="Segoe UI" pitchFamily="34" charset="0"/>
+                <a:cs typeface="Segoe UI" pitchFamily="34" charset="0"/>
+              </a:rPr>
+              <a:t>© 2014 Microsoft Corporation. All rights reserved. Microsoft, Windows, and other product names are or may be registered trademarks and/or trademarks in the U.S. and/or other countries. The information herein is for informational purposes only and represents the current view of Microsoft Corporation as of the date of this presentation.  Because Microsoft must respond to changing market conditions, it should not be interpreted to be a commitment on the part of Microsoft, and Microsoft cannot guarantee the accuracy of any information provided after the date of this presentation.  MICROSOFT MAKES NO WARRANTIES, EXPRESS, IMPLIED OR STATUTORY, AS TO THE INFORMATION IN THIS PRESENTATION.</a:t>
+            </a:r>
+            <a:endParaRPr lang="en-US" sz="400" dirty="0">
+              <a:gradFill>
+                <a:gsLst>
+                  <a:gs pos="0">
+                    <a:prstClr val="black"/>
+                  </a:gs>
+                  <a:gs pos="100000">
+                    <a:prstClr val="black"/>
+                  </a:gs>
+                </a:gsLst>
+                <a:lin ang="5400000" scaled="0"/>
+              </a:gradFill>
+              <a:latin typeface="Segoe UI" pitchFamily="34" charset="0"/>
+              <a:ea typeface="Segoe UI" pitchFamily="34" charset="0"/>
+              <a:cs typeface="Segoe UI" pitchFamily="34" charset="0"/>
+            </a:endParaRPr>
+          </a:p>
+        </p:txBody>
+      </p:sp>
+      <p:sp>
+        <p:nvSpPr>
+          <p:cNvPr id="5" name="Date Placeholder 4"/>
+          <p:cNvSpPr>
+            <a:spLocks noGrp="1"/>
+          </p:cNvSpPr>
+          <p:nvPr>
+            <p:ph type="dt" idx="11"/>
+          </p:nvPr>
+        </p:nvSpPr>
+        <p:spPr/>
+        <p:txBody>
+          <a:bodyPr/>
+          <a:lstStyle/>
+          <a:p>
+            <a:fld id="{E74353ED-ACB2-44BF-A903-985B0AF962B7}" type="datetime1">
+              <a:rPr lang="en-US" smtClean="0"/>
+              <a:t>12/7/2016</a:t>
+            </a:fld>
+            <a:endParaRPr lang="en-US" dirty="0"/>
+          </a:p>
+        </p:txBody>
+      </p:sp>
+      <p:sp>
+        <p:nvSpPr>
+          <p:cNvPr id="6" name="Slide Number Placeholder 5"/>
+          <p:cNvSpPr>
+            <a:spLocks noGrp="1"/>
+          </p:cNvSpPr>
+          <p:nvPr>
+            <p:ph type="sldNum" sz="quarter" idx="12"/>
+          </p:nvPr>
+        </p:nvSpPr>
+        <p:spPr/>
+        <p:txBody>
+          <a:bodyPr/>
+          <a:lstStyle/>
+          <a:p>
+            <a:fld id="{B4008EB6-D09E-4580-8CD6-DDB14511944F}" type="slidenum">
+              <a:rPr lang="en-US" smtClean="0"/>
+              <a:pPr/>
+              <a:t>29</a:t>
+            </a:fld>
+            <a:endParaRPr lang="en-US" dirty="0"/>
+          </a:p>
+        </p:txBody>
+      </p:sp>
+    </p:spTree>
+    <p:extLst>
+      <p:ext uri="{BB962C8B-B14F-4D97-AF65-F5344CB8AC3E}">
+        <p14:creationId xmlns:p14="http://schemas.microsoft.com/office/powerpoint/2010/main" val="504084480"/>
+      </p:ext>
+    </p:extLst>
+  </p:cSld>
+  <p:clrMapOvr>
+    <a:masterClrMapping/>
+  </p:clrMapOvr>
+</p:notes>
+</file>
+
+<file path=ppt/notesSlides/notesSlide29.xml><?xml version="1.0" encoding="utf-8"?>
+<p:notes xmlns:a="http://schemas.openxmlformats.org/drawingml/2006/main" xmlns:r="http://schemas.openxmlformats.org/officeDocument/2006/relationships" xmlns:p="http://schemas.openxmlformats.org/presentationml/2006/main">
+  <p:cSld>
+    <p:spTree>
+      <p:nvGrpSpPr>
+        <p:cNvPr id="1" name=""/>
+        <p:cNvGrpSpPr/>
+        <p:nvPr/>
+      </p:nvGrpSpPr>
+      <p:grpSpPr>
+        <a:xfrm>
+          <a:off x="0" y="0"/>
+          <a:ext cx="0" cy="0"/>
+          <a:chOff x="0" y="0"/>
+          <a:chExt cx="0" cy="0"/>
+        </a:xfrm>
+      </p:grpSpPr>
+      <p:sp>
+        <p:nvSpPr>
+          <p:cNvPr id="2" name="Slide Image Placeholder 1"/>
+          <p:cNvSpPr>
+            <a:spLocks noGrp="1" noRot="1" noChangeAspect="1"/>
+          </p:cNvSpPr>
+          <p:nvPr>
+            <p:ph type="sldImg"/>
+          </p:nvPr>
+        </p:nvSpPr>
+        <p:spPr/>
+      </p:sp>
+      <p:sp>
+        <p:nvSpPr>
+          <p:cNvPr id="3" name="Notes Placeholder 2"/>
+          <p:cNvSpPr>
+            <a:spLocks noGrp="1"/>
+          </p:cNvSpPr>
+          <p:nvPr>
+            <p:ph type="body" idx="1"/>
+          </p:nvPr>
+        </p:nvSpPr>
+        <p:spPr/>
+        <p:txBody>
+          <a:bodyPr/>
+          <a:lstStyle/>
+          <a:p>
+            <a:endParaRPr lang="en-US" dirty="0"/>
+          </a:p>
+        </p:txBody>
+      </p:sp>
+      <p:sp>
+        <p:nvSpPr>
+          <p:cNvPr id="4" name="Footer Placeholder 3"/>
+          <p:cNvSpPr>
+            <a:spLocks noGrp="1"/>
+          </p:cNvSpPr>
+          <p:nvPr>
+            <p:ph type="ftr" sz="quarter" idx="10"/>
+          </p:nvPr>
+        </p:nvSpPr>
+        <p:spPr/>
+        <p:txBody>
+          <a:bodyPr/>
+          <a:lstStyle/>
+          <a:p>
+            <a:pPr defTabSz="914099" eaLnBrk="0" hangingPunct="0"/>
+            <a:r>
+              <a:rPr lang="en-US" sz="400">
+                <a:gradFill>
+                  <a:gsLst>
+                    <a:gs pos="0">
+                      <a:prstClr val="black"/>
+                    </a:gs>
+                    <a:gs pos="100000">
+                      <a:prstClr val="black"/>
+                    </a:gs>
+                  </a:gsLst>
+                  <a:lin ang="5400000" scaled="0"/>
+                </a:gradFill>
+                <a:latin typeface="Segoe UI" pitchFamily="34" charset="0"/>
+                <a:ea typeface="Segoe UI" pitchFamily="34" charset="0"/>
+                <a:cs typeface="Segoe UI" pitchFamily="34" charset="0"/>
+              </a:rPr>
+              <a:t>© 2014 Microsoft Corporation. All rights reserved. Microsoft, Windows, and other product names are or may be registered trademarks and/or trademarks in the U.S. and/or other countries. The information herein is for informational purposes only and represents the current view of Microsoft Corporation as of the date of this presentation.  Because Microsoft must respond to changing market conditions, it should not be interpreted to be a commitment on the part of Microsoft, and Microsoft cannot guarantee the accuracy of any information provided after the date of this presentation.  MICROSOFT MAKES NO WARRANTIES, EXPRESS, IMPLIED OR STATUTORY, AS TO THE INFORMATION IN THIS PRESENTATION.</a:t>
+            </a:r>
+            <a:endParaRPr lang="en-US" sz="400" dirty="0">
+              <a:gradFill>
+                <a:gsLst>
+                  <a:gs pos="0">
+                    <a:prstClr val="black"/>
+                  </a:gs>
+                  <a:gs pos="100000">
+                    <a:prstClr val="black"/>
+                  </a:gs>
+                </a:gsLst>
+                <a:lin ang="5400000" scaled="0"/>
+              </a:gradFill>
+              <a:latin typeface="Segoe UI" pitchFamily="34" charset="0"/>
+              <a:ea typeface="Segoe UI" pitchFamily="34" charset="0"/>
+              <a:cs typeface="Segoe UI" pitchFamily="34" charset="0"/>
+            </a:endParaRPr>
+          </a:p>
+        </p:txBody>
+      </p:sp>
+      <p:sp>
+        <p:nvSpPr>
+          <p:cNvPr id="5" name="Date Placeholder 4"/>
+          <p:cNvSpPr>
+            <a:spLocks noGrp="1"/>
+          </p:cNvSpPr>
+          <p:nvPr>
+            <p:ph type="dt" idx="11"/>
+          </p:nvPr>
+        </p:nvSpPr>
+        <p:spPr/>
+        <p:txBody>
+          <a:bodyPr/>
+          <a:lstStyle/>
+          <a:p>
+            <a:fld id="{E74353ED-ACB2-44BF-A903-985B0AF962B7}" type="datetime1">
+              <a:rPr lang="en-US" smtClean="0"/>
+              <a:t>12/7/2016</a:t>
+            </a:fld>
+            <a:endParaRPr lang="en-US" dirty="0"/>
+          </a:p>
+        </p:txBody>
+      </p:sp>
+      <p:sp>
+        <p:nvSpPr>
+          <p:cNvPr id="6" name="Slide Number Placeholder 5"/>
+          <p:cNvSpPr>
+            <a:spLocks noGrp="1"/>
+          </p:cNvSpPr>
+          <p:nvPr>
+            <p:ph type="sldNum" sz="quarter" idx="12"/>
+          </p:nvPr>
+        </p:nvSpPr>
+        <p:spPr/>
+        <p:txBody>
+          <a:bodyPr/>
+          <a:lstStyle/>
+          <a:p>
+            <a:fld id="{B4008EB6-D09E-4580-8CD6-DDB14511944F}" type="slidenum">
+              <a:rPr lang="en-US" smtClean="0"/>
+              <a:pPr/>
+              <a:t>30</a:t>
             </a:fld>
             <a:endParaRPr lang="en-US" dirty="0"/>
           </a:p>
@@ -10809,9 +11135,6 @@
               </a:rPr>
               <a:t> </a:t>
             </a:r>
-            <a:endParaRPr lang="en-US" sz="4000" dirty="0">
-              <a:sym typeface="Wingdings" panose="05000000000000000000" pitchFamily="2" charset="2"/>
-            </a:endParaRPr>
           </a:p>
           <a:p>
             <a:pPr marL="571500" indent="-571500">
@@ -16738,13 +17061,8 @@
           <a:p>
             <a:r>
               <a:rPr lang="en-US" sz="5000" dirty="0"/>
-              <a:t>Navigation With </a:t>
-            </a:r>
-            <a:r>
-              <a:rPr lang="en-US" sz="5000"/>
               <a:t>Deep Linking</a:t>
             </a:r>
-            <a:endParaRPr lang="en-US" sz="5000" dirty="0"/>
           </a:p>
         </p:txBody>
       </p:sp>
@@ -16758,8 +17076,8 @@
         </p:nvSpPr>
         <p:spPr>
           <a:xfrm>
-            <a:off x="316423" y="1270688"/>
-            <a:ext cx="11724199" cy="5587312"/>
+            <a:off x="316423" y="1534575"/>
+            <a:ext cx="11724199" cy="4841677"/>
           </a:xfrm>
           <a:prstGeom prst="rect">
             <a:avLst/>
@@ -16801,8 +17119,64 @@
           <a:p>
             <a:r>
               <a:rPr lang="en-GB" sz="2800" dirty="0"/>
-              <a:t>Retrieve</a:t>
-            </a:r>
+              <a:t> Prism Support complex queries as parameters of the </a:t>
+            </a:r>
+            <a:r>
+              <a:rPr lang="en-GB" sz="2800" b="1" dirty="0" err="1"/>
+              <a:t>NavigateAsync</a:t>
+            </a:r>
+            <a:r>
+              <a:rPr lang="en-GB" sz="2800" b="1" dirty="0"/>
+              <a:t>() </a:t>
+            </a:r>
+            <a:r>
+              <a:rPr lang="en-GB" sz="2800" dirty="0"/>
+              <a:t>method</a:t>
+            </a:r>
+          </a:p>
+          <a:p>
+            <a:endParaRPr lang="en-GB" sz="2800" dirty="0"/>
+          </a:p>
+          <a:p>
+            <a:r>
+              <a:rPr lang="en-GB" sz="2800" dirty="0"/>
+              <a:t>Supports queries like “</a:t>
+            </a:r>
+            <a:r>
+              <a:rPr lang="en-GB" sz="2800" b="1" dirty="0" err="1"/>
+              <a:t>MainPage</a:t>
+            </a:r>
+            <a:r>
+              <a:rPr lang="en-GB" sz="2800" b="1" dirty="0"/>
+              <a:t>/</a:t>
+            </a:r>
+            <a:r>
+              <a:rPr lang="en-GB" sz="2800" b="1" dirty="0" err="1"/>
+              <a:t>DetailPage?id</a:t>
+            </a:r>
+            <a:r>
+              <a:rPr lang="en-GB" sz="2800" b="1" dirty="0"/>
+              <a:t>=1</a:t>
+            </a:r>
+            <a:r>
+              <a:rPr lang="en-GB" sz="2800" dirty="0"/>
+              <a:t>” to navigate directly to the detail page of the app and, at the same time, passing a parameter called id with value 1</a:t>
+            </a:r>
+          </a:p>
+          <a:p>
+            <a:endParaRPr lang="en-GB" sz="2800" dirty="0"/>
+          </a:p>
+          <a:p>
+            <a:r>
+              <a:rPr lang="en-GB" sz="2800" dirty="0"/>
+              <a:t>Example: link a specific application page from another application, a website or a section of your app</a:t>
+            </a:r>
+          </a:p>
+          <a:p>
+            <a:endParaRPr lang="en-GB" sz="2800" dirty="0"/>
+          </a:p>
+          <a:p>
+            <a:endParaRPr lang="en-GB" sz="2800" dirty="0"/>
           </a:p>
           <a:p>
             <a:endParaRPr lang="en-GB" sz="2800" dirty="0"/>
@@ -16854,6 +17228,906 @@
 </file>
 
 <file path=ppt/slides/slide28.xml><?xml version="1.0" encoding="utf-8"?>
+<p:sld xmlns:a="http://schemas.openxmlformats.org/drawingml/2006/main" xmlns:r="http://schemas.openxmlformats.org/officeDocument/2006/relationships" xmlns:p="http://schemas.openxmlformats.org/presentationml/2006/main">
+  <p:cSld>
+    <p:bg>
+      <p:bgPr>
+        <a:blipFill dpi="0" rotWithShape="1">
+          <a:blip r:embed="rId3">
+            <a:alphaModFix amt="12000"/>
+            <a:lum/>
+          </a:blip>
+          <a:srcRect/>
+          <a:stretch>
+            <a:fillRect l="-45000" t="-39000" r="45000" b="-39000"/>
+          </a:stretch>
+        </a:blipFill>
+        <a:effectLst/>
+      </p:bgPr>
+    </p:bg>
+    <p:spTree>
+      <p:nvGrpSpPr>
+        <p:cNvPr id="1" name=""/>
+        <p:cNvGrpSpPr/>
+        <p:nvPr/>
+      </p:nvGrpSpPr>
+      <p:grpSpPr>
+        <a:xfrm>
+          <a:off x="0" y="0"/>
+          <a:ext cx="0" cy="0"/>
+          <a:chOff x="0" y="0"/>
+          <a:chExt cx="0" cy="0"/>
+        </a:xfrm>
+      </p:grpSpPr>
+      <p:sp>
+        <p:nvSpPr>
+          <p:cNvPr id="8" name="TextBox 7"/>
+          <p:cNvSpPr txBox="1"/>
+          <p:nvPr/>
+        </p:nvSpPr>
+        <p:spPr>
+          <a:xfrm>
+            <a:off x="4145965" y="-846623"/>
+            <a:ext cx="362072" cy="621556"/>
+          </a:xfrm>
+          <a:prstGeom prst="rect">
+            <a:avLst/>
+          </a:prstGeom>
+          <a:noFill/>
+        </p:spPr>
+        <p:txBody>
+          <a:bodyPr wrap="none" lIns="179285" tIns="143428" rIns="179285" bIns="143428" rtlCol="0">
+            <a:spAutoFit/>
+          </a:bodyPr>
+          <a:lstStyle/>
+          <a:p>
+            <a:pPr>
+              <a:lnSpc>
+                <a:spcPct val="90000"/>
+              </a:lnSpc>
+              <a:spcAft>
+                <a:spcPts val="588"/>
+              </a:spcAft>
+            </a:pPr>
+            <a:endParaRPr lang="en-US" sz="2353" dirty="0" err="1">
+              <a:gradFill>
+                <a:gsLst>
+                  <a:gs pos="2917">
+                    <a:schemeClr val="tx1"/>
+                  </a:gs>
+                  <a:gs pos="30000">
+                    <a:schemeClr val="tx1"/>
+                  </a:gs>
+                </a:gsLst>
+                <a:lin ang="5400000" scaled="0"/>
+              </a:gradFill>
+            </a:endParaRPr>
+          </a:p>
+        </p:txBody>
+      </p:sp>
+      <p:pic>
+        <p:nvPicPr>
+          <p:cNvPr id="6" name="Picture 5"/>
+          <p:cNvPicPr>
+            <a:picLocks noChangeAspect="1"/>
+          </p:cNvPicPr>
+          <p:nvPr/>
+        </p:nvPicPr>
+        <p:blipFill>
+          <a:blip r:embed="rId4"/>
+          <a:stretch>
+            <a:fillRect/>
+          </a:stretch>
+        </p:blipFill>
+        <p:spPr>
+          <a:xfrm>
+            <a:off x="8386354" y="301617"/>
+            <a:ext cx="3564922" cy="440924"/>
+          </a:xfrm>
+          <a:prstGeom prst="rect">
+            <a:avLst/>
+          </a:prstGeom>
+        </p:spPr>
+      </p:pic>
+      <p:sp>
+        <p:nvSpPr>
+          <p:cNvPr id="9" name="Title 2"/>
+          <p:cNvSpPr txBox="1">
+            <a:spLocks/>
+          </p:cNvSpPr>
+          <p:nvPr/>
+        </p:nvSpPr>
+        <p:spPr>
+          <a:xfrm>
+            <a:off x="226484" y="129039"/>
+            <a:ext cx="8414596" cy="786080"/>
+          </a:xfrm>
+          <a:prstGeom prst="rect">
+            <a:avLst/>
+          </a:prstGeom>
+        </p:spPr>
+        <p:txBody>
+          <a:bodyPr/>
+          <a:lstStyle>
+            <a:lvl1pPr algn="l" defTabSz="914367" rtl="0" eaLnBrk="1" latinLnBrk="0" hangingPunct="1">
+              <a:lnSpc>
+                <a:spcPct val="90000"/>
+              </a:lnSpc>
+              <a:spcBef>
+                <a:spcPct val="0"/>
+              </a:spcBef>
+              <a:buNone/>
+              <a:defRPr lang="en-US" sz="4705" b="0" kern="1200" cap="none" spc="-100" baseline="0" dirty="0" smtClean="0">
+                <a:ln w="3175">
+                  <a:noFill/>
+                </a:ln>
+                <a:gradFill>
+                  <a:gsLst>
+                    <a:gs pos="1250">
+                      <a:schemeClr val="tx1"/>
+                    </a:gs>
+                    <a:gs pos="100000">
+                      <a:schemeClr val="tx1"/>
+                    </a:gs>
+                  </a:gsLst>
+                  <a:lin ang="5400000" scaled="0"/>
+                </a:gradFill>
+                <a:effectLst/>
+                <a:latin typeface="+mj-lt"/>
+                <a:ea typeface="+mn-ea"/>
+                <a:cs typeface="Segoe UI" pitchFamily="34" charset="0"/>
+              </a:defRPr>
+            </a:lvl1pPr>
+          </a:lstStyle>
+          <a:p>
+            <a:r>
+              <a:rPr lang="en-US" sz="5000" dirty="0"/>
+              <a:t>Deep Linking: Navigation Page</a:t>
+            </a:r>
+          </a:p>
+        </p:txBody>
+      </p:sp>
+      <p:sp>
+        <p:nvSpPr>
+          <p:cNvPr id="10" name="Title 2"/>
+          <p:cNvSpPr txBox="1">
+            <a:spLocks/>
+          </p:cNvSpPr>
+          <p:nvPr/>
+        </p:nvSpPr>
+        <p:spPr>
+          <a:xfrm>
+            <a:off x="316423" y="1270688"/>
+            <a:ext cx="11724199" cy="5587312"/>
+          </a:xfrm>
+          <a:prstGeom prst="rect">
+            <a:avLst/>
+          </a:prstGeom>
+        </p:spPr>
+        <p:txBody>
+          <a:bodyPr/>
+          <a:lstStyle>
+            <a:lvl1pPr algn="l" defTabSz="914367" rtl="0" eaLnBrk="1" latinLnBrk="0" hangingPunct="1">
+              <a:lnSpc>
+                <a:spcPct val="90000"/>
+              </a:lnSpc>
+              <a:spcBef>
+                <a:spcPct val="0"/>
+              </a:spcBef>
+              <a:buNone/>
+              <a:defRPr lang="en-US" sz="4705" b="0" kern="1200" cap="none" spc="-100" baseline="0" dirty="0" smtClean="0">
+                <a:ln w="3175">
+                  <a:noFill/>
+                </a:ln>
+                <a:gradFill>
+                  <a:gsLst>
+                    <a:gs pos="1250">
+                      <a:schemeClr val="tx1"/>
+                    </a:gs>
+                    <a:gs pos="100000">
+                      <a:schemeClr val="tx1"/>
+                    </a:gs>
+                  </a:gsLst>
+                  <a:lin ang="5400000" scaled="0"/>
+                </a:gradFill>
+                <a:effectLst/>
+                <a:latin typeface="+mj-lt"/>
+                <a:ea typeface="+mn-ea"/>
+                <a:cs typeface="Segoe UI" pitchFamily="34" charset="0"/>
+              </a:defRPr>
+            </a:lvl1pPr>
+          </a:lstStyle>
+          <a:p>
+            <a:pPr marL="457200" indent="-457200">
+              <a:buFont typeface="Arial" panose="020B0604020202020204" pitchFamily="34" charset="0"/>
+              <a:buChar char="•"/>
+            </a:pPr>
+            <a:r>
+              <a:rPr lang="en-GB" sz="2800" dirty="0"/>
+              <a:t>R</a:t>
+            </a:r>
+            <a:r>
+              <a:rPr lang="en-GB" sz="2800" dirty="0"/>
+              <a:t>egister the base </a:t>
+            </a:r>
+            <a:r>
+              <a:rPr lang="en-GB" sz="2800" b="1" dirty="0" err="1"/>
+              <a:t>NavigationPage</a:t>
+            </a:r>
+            <a:r>
+              <a:rPr lang="en-GB" sz="2800" dirty="0"/>
+              <a:t> type included in </a:t>
+            </a:r>
+            <a:r>
+              <a:rPr lang="en-GB" sz="2800" dirty="0" err="1"/>
+              <a:t>Xamarin.Forms</a:t>
+            </a:r>
+            <a:r>
+              <a:rPr lang="en-GB" sz="2800" dirty="0"/>
+              <a:t> as a type for navigation in the </a:t>
+            </a:r>
+            <a:r>
+              <a:rPr lang="en-GB" sz="2800" b="1" dirty="0"/>
+              <a:t>Container</a:t>
+            </a:r>
+          </a:p>
+          <a:p>
+            <a:pPr marL="457200" indent="-457200">
+              <a:buFont typeface="Arial" panose="020B0604020202020204" pitchFamily="34" charset="0"/>
+              <a:buChar char="•"/>
+            </a:pPr>
+            <a:endParaRPr lang="en-GB" sz="2800" b="1" dirty="0"/>
+          </a:p>
+          <a:p>
+            <a:pPr marL="457200" indent="-457200">
+              <a:buFont typeface="Arial" panose="020B0604020202020204" pitchFamily="34" charset="0"/>
+              <a:buChar char="•"/>
+            </a:pPr>
+            <a:r>
+              <a:rPr lang="en-GB" sz="2800" dirty="0"/>
+              <a:t>use the query “</a:t>
+            </a:r>
+            <a:r>
+              <a:rPr lang="en-GB" sz="2800" b="1" dirty="0" err="1"/>
+              <a:t>NavigationPage</a:t>
+            </a:r>
+            <a:r>
+              <a:rPr lang="en-GB" sz="2800" b="1" dirty="0"/>
+              <a:t>/</a:t>
+            </a:r>
+            <a:r>
+              <a:rPr lang="en-GB" sz="2800" b="1" dirty="0" err="1"/>
+              <a:t>MainPage</a:t>
+            </a:r>
+            <a:r>
+              <a:rPr lang="en-GB" sz="2800" dirty="0"/>
+              <a:t>” to tell to the </a:t>
+            </a:r>
+            <a:r>
+              <a:rPr lang="en-GB" sz="2800" b="1" dirty="0" err="1"/>
+              <a:t>NavigationService</a:t>
+            </a:r>
+            <a:r>
+              <a:rPr lang="en-GB" sz="2800" dirty="0"/>
+              <a:t> that we need to navigate first to the page identified by the </a:t>
+            </a:r>
+            <a:r>
+              <a:rPr lang="en-GB" sz="2800" b="1" dirty="0" err="1"/>
+              <a:t>NavigationPage</a:t>
+            </a:r>
+            <a:r>
+              <a:rPr lang="en-GB" sz="2800" dirty="0"/>
+              <a:t> key and then to the one identified by the </a:t>
+            </a:r>
+            <a:r>
+              <a:rPr lang="en-GB" sz="2800" b="1" dirty="0" err="1"/>
+              <a:t>MainPage</a:t>
+            </a:r>
+            <a:r>
+              <a:rPr lang="en-GB" sz="2800" dirty="0"/>
+              <a:t> key</a:t>
+            </a:r>
+          </a:p>
+          <a:p>
+            <a:pPr marL="457200" indent="-457200">
+              <a:buFont typeface="Arial" panose="020B0604020202020204" pitchFamily="34" charset="0"/>
+              <a:buChar char="•"/>
+            </a:pPr>
+            <a:endParaRPr lang="en-GB" sz="2800" dirty="0"/>
+          </a:p>
+          <a:p>
+            <a:pPr marL="457200" indent="-457200">
+              <a:buFont typeface="Arial" panose="020B0604020202020204" pitchFamily="34" charset="0"/>
+              <a:buChar char="•"/>
+            </a:pPr>
+            <a:r>
+              <a:rPr lang="en-GB" sz="2800" dirty="0"/>
+              <a:t>As </a:t>
+            </a:r>
+            <a:r>
+              <a:rPr lang="en-GB" sz="2800" b="1" dirty="0" err="1"/>
+              <a:t>NavigationPage</a:t>
+            </a:r>
+            <a:r>
+              <a:rPr lang="en-GB" sz="2800" dirty="0"/>
+              <a:t> is just a container,</a:t>
+            </a:r>
+          </a:p>
+          <a:p>
+            <a:r>
+              <a:rPr lang="en-GB" sz="2800" dirty="0"/>
+              <a:t> the </a:t>
+            </a:r>
+            <a:r>
+              <a:rPr lang="en-GB" sz="2800" b="1" dirty="0" err="1"/>
+              <a:t>MainPage</a:t>
+            </a:r>
+            <a:r>
+              <a:rPr lang="en-GB" sz="2800" dirty="0"/>
+              <a:t> (and every consequent page</a:t>
+            </a:r>
+          </a:p>
+          <a:p>
+            <a:r>
+              <a:rPr lang="en-GB" sz="2800" dirty="0"/>
+              <a:t> in the navigation flow) will be embedded</a:t>
+            </a:r>
+          </a:p>
+          <a:p>
+            <a:r>
+              <a:rPr lang="en-GB" sz="2800" dirty="0"/>
+              <a:t> into a </a:t>
+            </a:r>
+            <a:r>
+              <a:rPr lang="en-GB" sz="2800" b="1" dirty="0" err="1"/>
+              <a:t>NavigationPage</a:t>
+            </a:r>
+            <a:endParaRPr lang="en-GB" sz="2800" dirty="0"/>
+          </a:p>
+          <a:p>
+            <a:endParaRPr lang="en-GB" sz="2800" dirty="0"/>
+          </a:p>
+          <a:p>
+            <a:endParaRPr lang="en-GB" sz="2800" dirty="0"/>
+          </a:p>
+          <a:p>
+            <a:pPr marL="571500" indent="-571500">
+              <a:buFont typeface="Arial" panose="020B0604020202020204" pitchFamily="34" charset="0"/>
+              <a:buChar char="•"/>
+            </a:pPr>
+            <a:endParaRPr lang="en-GB" sz="3600" dirty="0"/>
+          </a:p>
+          <a:p>
+            <a:endParaRPr lang="en-GB" sz="3600" b="1" dirty="0"/>
+          </a:p>
+          <a:p>
+            <a:endParaRPr lang="en-GB" sz="3600" b="1" dirty="0"/>
+          </a:p>
+          <a:p>
+            <a:endParaRPr lang="en-GB" sz="3600" b="1" dirty="0"/>
+          </a:p>
+          <a:p>
+            <a:endParaRPr lang="en-GB" sz="3600" b="1" dirty="0"/>
+          </a:p>
+          <a:p>
+            <a:r>
+              <a:rPr lang="en-GB" sz="3600" b="1" dirty="0"/>
+              <a:t>`</a:t>
+            </a:r>
+          </a:p>
+        </p:txBody>
+      </p:sp>
+      <p:pic>
+        <p:nvPicPr>
+          <p:cNvPr id="3" name="Picture 2"/>
+          <p:cNvPicPr>
+            <a:picLocks noChangeAspect="1"/>
+          </p:cNvPicPr>
+          <p:nvPr/>
+        </p:nvPicPr>
+        <p:blipFill>
+          <a:blip r:embed="rId5"/>
+          <a:stretch>
+            <a:fillRect/>
+          </a:stretch>
+        </p:blipFill>
+        <p:spPr>
+          <a:xfrm>
+            <a:off x="7075861" y="3661914"/>
+            <a:ext cx="5071796" cy="3096265"/>
+          </a:xfrm>
+          <a:prstGeom prst="rect">
+            <a:avLst/>
+          </a:prstGeom>
+          <a:ln>
+            <a:noFill/>
+          </a:ln>
+          <a:effectLst>
+            <a:outerShdw blurRad="292100" dist="139700" dir="2700000" algn="tl" rotWithShape="0">
+              <a:srgbClr val="333333">
+                <a:alpha val="65000"/>
+              </a:srgbClr>
+            </a:outerShdw>
+          </a:effectLst>
+        </p:spPr>
+      </p:pic>
+    </p:spTree>
+    <p:extLst>
+      <p:ext uri="{BB962C8B-B14F-4D97-AF65-F5344CB8AC3E}">
+        <p14:creationId xmlns:p14="http://schemas.microsoft.com/office/powerpoint/2010/main" val="140695217"/>
+      </p:ext>
+    </p:extLst>
+  </p:cSld>
+  <p:clrMapOvr>
+    <a:masterClrMapping/>
+  </p:clrMapOvr>
+  <p:transition>
+    <p:fade/>
+  </p:transition>
+</p:sld>
+</file>
+
+<file path=ppt/slides/slide29.xml><?xml version="1.0" encoding="utf-8"?>
+<p:sld xmlns:a="http://schemas.openxmlformats.org/drawingml/2006/main" xmlns:r="http://schemas.openxmlformats.org/officeDocument/2006/relationships" xmlns:p="http://schemas.openxmlformats.org/presentationml/2006/main">
+  <p:cSld>
+    <p:bg>
+      <p:bgPr>
+        <a:blipFill dpi="0" rotWithShape="1">
+          <a:blip r:embed="rId3">
+            <a:alphaModFix amt="12000"/>
+            <a:lum/>
+          </a:blip>
+          <a:srcRect/>
+          <a:stretch>
+            <a:fillRect l="-45000" t="-39000" r="45000" b="-39000"/>
+          </a:stretch>
+        </a:blipFill>
+        <a:effectLst/>
+      </p:bgPr>
+    </p:bg>
+    <p:spTree>
+      <p:nvGrpSpPr>
+        <p:cNvPr id="1" name=""/>
+        <p:cNvGrpSpPr/>
+        <p:nvPr/>
+      </p:nvGrpSpPr>
+      <p:grpSpPr>
+        <a:xfrm>
+          <a:off x="0" y="0"/>
+          <a:ext cx="0" cy="0"/>
+          <a:chOff x="0" y="0"/>
+          <a:chExt cx="0" cy="0"/>
+        </a:xfrm>
+      </p:grpSpPr>
+      <p:sp>
+        <p:nvSpPr>
+          <p:cNvPr id="8" name="TextBox 7"/>
+          <p:cNvSpPr txBox="1"/>
+          <p:nvPr/>
+        </p:nvSpPr>
+        <p:spPr>
+          <a:xfrm>
+            <a:off x="4145965" y="-846623"/>
+            <a:ext cx="362072" cy="621556"/>
+          </a:xfrm>
+          <a:prstGeom prst="rect">
+            <a:avLst/>
+          </a:prstGeom>
+          <a:noFill/>
+        </p:spPr>
+        <p:txBody>
+          <a:bodyPr wrap="none" lIns="179285" tIns="143428" rIns="179285" bIns="143428" rtlCol="0">
+            <a:spAutoFit/>
+          </a:bodyPr>
+          <a:lstStyle/>
+          <a:p>
+            <a:pPr>
+              <a:lnSpc>
+                <a:spcPct val="90000"/>
+              </a:lnSpc>
+              <a:spcAft>
+                <a:spcPts val="588"/>
+              </a:spcAft>
+            </a:pPr>
+            <a:endParaRPr lang="en-US" sz="2353" dirty="0" err="1">
+              <a:gradFill>
+                <a:gsLst>
+                  <a:gs pos="2917">
+                    <a:schemeClr val="tx1"/>
+                  </a:gs>
+                  <a:gs pos="30000">
+                    <a:schemeClr val="tx1"/>
+                  </a:gs>
+                </a:gsLst>
+                <a:lin ang="5400000" scaled="0"/>
+              </a:gradFill>
+            </a:endParaRPr>
+          </a:p>
+        </p:txBody>
+      </p:sp>
+      <p:pic>
+        <p:nvPicPr>
+          <p:cNvPr id="6" name="Picture 5"/>
+          <p:cNvPicPr>
+            <a:picLocks noChangeAspect="1"/>
+          </p:cNvPicPr>
+          <p:nvPr/>
+        </p:nvPicPr>
+        <p:blipFill>
+          <a:blip r:embed="rId4"/>
+          <a:stretch>
+            <a:fillRect/>
+          </a:stretch>
+        </p:blipFill>
+        <p:spPr>
+          <a:xfrm>
+            <a:off x="8386354" y="301617"/>
+            <a:ext cx="3564922" cy="440924"/>
+          </a:xfrm>
+          <a:prstGeom prst="rect">
+            <a:avLst/>
+          </a:prstGeom>
+        </p:spPr>
+      </p:pic>
+      <p:sp>
+        <p:nvSpPr>
+          <p:cNvPr id="9" name="Title 2"/>
+          <p:cNvSpPr txBox="1">
+            <a:spLocks/>
+          </p:cNvSpPr>
+          <p:nvPr/>
+        </p:nvSpPr>
+        <p:spPr>
+          <a:xfrm>
+            <a:off x="226484" y="129039"/>
+            <a:ext cx="8414596" cy="786080"/>
+          </a:xfrm>
+          <a:prstGeom prst="rect">
+            <a:avLst/>
+          </a:prstGeom>
+        </p:spPr>
+        <p:txBody>
+          <a:bodyPr/>
+          <a:lstStyle>
+            <a:lvl1pPr algn="l" defTabSz="914367" rtl="0" eaLnBrk="1" latinLnBrk="0" hangingPunct="1">
+              <a:lnSpc>
+                <a:spcPct val="90000"/>
+              </a:lnSpc>
+              <a:spcBef>
+                <a:spcPct val="0"/>
+              </a:spcBef>
+              <a:buNone/>
+              <a:defRPr lang="en-US" sz="4705" b="0" kern="1200" cap="none" spc="-100" baseline="0" dirty="0" smtClean="0">
+                <a:ln w="3175">
+                  <a:noFill/>
+                </a:ln>
+                <a:gradFill>
+                  <a:gsLst>
+                    <a:gs pos="1250">
+                      <a:schemeClr val="tx1"/>
+                    </a:gs>
+                    <a:gs pos="100000">
+                      <a:schemeClr val="tx1"/>
+                    </a:gs>
+                  </a:gsLst>
+                  <a:lin ang="5400000" scaled="0"/>
+                </a:gradFill>
+                <a:effectLst/>
+                <a:latin typeface="+mj-lt"/>
+                <a:ea typeface="+mn-ea"/>
+                <a:cs typeface="Segoe UI" pitchFamily="34" charset="0"/>
+              </a:defRPr>
+            </a:lvl1pPr>
+          </a:lstStyle>
+          <a:p>
+            <a:r>
+              <a:rPr lang="en-US" sz="4200" dirty="0"/>
+              <a:t>Deep Linking: </a:t>
+            </a:r>
+            <a:r>
+              <a:rPr lang="en-US" sz="4200" dirty="0" err="1"/>
+              <a:t>NavigationParameters</a:t>
+            </a:r>
+            <a:endParaRPr lang="en-US" sz="4200" dirty="0"/>
+          </a:p>
+        </p:txBody>
+      </p:sp>
+      <p:sp>
+        <p:nvSpPr>
+          <p:cNvPr id="10" name="Title 2"/>
+          <p:cNvSpPr txBox="1">
+            <a:spLocks/>
+          </p:cNvSpPr>
+          <p:nvPr/>
+        </p:nvSpPr>
+        <p:spPr>
+          <a:xfrm>
+            <a:off x="316423" y="1270688"/>
+            <a:ext cx="11724199" cy="5587312"/>
+          </a:xfrm>
+          <a:prstGeom prst="rect">
+            <a:avLst/>
+          </a:prstGeom>
+        </p:spPr>
+        <p:txBody>
+          <a:bodyPr/>
+          <a:lstStyle>
+            <a:lvl1pPr algn="l" defTabSz="914367" rtl="0" eaLnBrk="1" latinLnBrk="0" hangingPunct="1">
+              <a:lnSpc>
+                <a:spcPct val="90000"/>
+              </a:lnSpc>
+              <a:spcBef>
+                <a:spcPct val="0"/>
+              </a:spcBef>
+              <a:buNone/>
+              <a:defRPr lang="en-US" sz="4705" b="0" kern="1200" cap="none" spc="-100" baseline="0" dirty="0" smtClean="0">
+                <a:ln w="3175">
+                  <a:noFill/>
+                </a:ln>
+                <a:gradFill>
+                  <a:gsLst>
+                    <a:gs pos="1250">
+                      <a:schemeClr val="tx1"/>
+                    </a:gs>
+                    <a:gs pos="100000">
+                      <a:schemeClr val="tx1"/>
+                    </a:gs>
+                  </a:gsLst>
+                  <a:lin ang="5400000" scaled="0"/>
+                </a:gradFill>
+                <a:effectLst/>
+                <a:latin typeface="+mj-lt"/>
+                <a:ea typeface="+mn-ea"/>
+                <a:cs typeface="Segoe UI" pitchFamily="34" charset="0"/>
+              </a:defRPr>
+            </a:lvl1pPr>
+          </a:lstStyle>
+          <a:p>
+            <a:pPr marL="457200" indent="-457200">
+              <a:buFont typeface="Arial" panose="020B0604020202020204" pitchFamily="34" charset="0"/>
+              <a:buChar char="•"/>
+            </a:pPr>
+            <a:r>
+              <a:rPr lang="en-GB" sz="2800" dirty="0"/>
+              <a:t>Deep linking allows </a:t>
+            </a:r>
+            <a:r>
+              <a:rPr lang="en-GB" sz="2800" dirty="0" err="1"/>
+              <a:t>QueryString</a:t>
+            </a:r>
+            <a:r>
+              <a:rPr lang="en-GB" sz="2800" dirty="0"/>
+              <a:t> </a:t>
+            </a:r>
+            <a:r>
+              <a:rPr lang="en-GB" sz="2800" dirty="0" err="1"/>
+              <a:t>NavigationParameters</a:t>
+            </a:r>
+            <a:r>
+              <a:rPr lang="en-GB" sz="2800" dirty="0"/>
+              <a:t> in queries:</a:t>
+            </a:r>
+          </a:p>
+          <a:p>
+            <a:pPr marL="571500" indent="-571500">
+              <a:buFont typeface="Arial" panose="020B0604020202020204" pitchFamily="34" charset="0"/>
+              <a:buChar char="•"/>
+            </a:pPr>
+            <a:endParaRPr lang="en-GB" sz="3600" dirty="0"/>
+          </a:p>
+          <a:p>
+            <a:endParaRPr lang="en-GB" sz="3600" b="1" dirty="0"/>
+          </a:p>
+          <a:p>
+            <a:endParaRPr lang="en-GB" sz="3600" b="1" dirty="0"/>
+          </a:p>
+          <a:p>
+            <a:endParaRPr lang="en-GB" sz="3600" b="1" dirty="0"/>
+          </a:p>
+          <a:p>
+            <a:endParaRPr lang="en-GB" sz="3600" b="1" dirty="0"/>
+          </a:p>
+          <a:p>
+            <a:r>
+              <a:rPr lang="en-GB" sz="3600" b="1" dirty="0"/>
+              <a:t>`</a:t>
+            </a:r>
+          </a:p>
+        </p:txBody>
+      </p:sp>
+    </p:spTree>
+    <p:extLst>
+      <p:ext uri="{BB962C8B-B14F-4D97-AF65-F5344CB8AC3E}">
+        <p14:creationId xmlns:p14="http://schemas.microsoft.com/office/powerpoint/2010/main" val="3783005650"/>
+      </p:ext>
+    </p:extLst>
+  </p:cSld>
+  <p:clrMapOvr>
+    <a:masterClrMapping/>
+  </p:clrMapOvr>
+  <p:transition>
+    <p:fade/>
+  </p:transition>
+</p:sld>
+</file>
+
+<file path=ppt/slides/slide3.xml><?xml version="1.0" encoding="utf-8"?>
+<p:sld xmlns:a="http://schemas.openxmlformats.org/drawingml/2006/main" xmlns:r="http://schemas.openxmlformats.org/officeDocument/2006/relationships" xmlns:p="http://schemas.openxmlformats.org/presentationml/2006/main">
+  <p:cSld>
+    <p:bg>
+      <p:bgPr>
+        <a:blipFill dpi="0" rotWithShape="1">
+          <a:blip r:embed="rId3">
+            <a:alphaModFix amt="12000"/>
+            <a:lum/>
+          </a:blip>
+          <a:srcRect/>
+          <a:stretch>
+            <a:fillRect l="-45000" t="-39000" r="45000" b="-39000"/>
+          </a:stretch>
+        </a:blipFill>
+        <a:effectLst/>
+      </p:bgPr>
+    </p:bg>
+    <p:spTree>
+      <p:nvGrpSpPr>
+        <p:cNvPr id="1" name=""/>
+        <p:cNvGrpSpPr/>
+        <p:nvPr/>
+      </p:nvGrpSpPr>
+      <p:grpSpPr>
+        <a:xfrm>
+          <a:off x="0" y="0"/>
+          <a:ext cx="0" cy="0"/>
+          <a:chOff x="0" y="0"/>
+          <a:chExt cx="0" cy="0"/>
+        </a:xfrm>
+      </p:grpSpPr>
+      <p:sp>
+        <p:nvSpPr>
+          <p:cNvPr id="8" name="TextBox 7"/>
+          <p:cNvSpPr txBox="1"/>
+          <p:nvPr/>
+        </p:nvSpPr>
+        <p:spPr>
+          <a:xfrm>
+            <a:off x="4145965" y="-846623"/>
+            <a:ext cx="362072" cy="621556"/>
+          </a:xfrm>
+          <a:prstGeom prst="rect">
+            <a:avLst/>
+          </a:prstGeom>
+          <a:noFill/>
+        </p:spPr>
+        <p:txBody>
+          <a:bodyPr wrap="none" lIns="179285" tIns="143428" rIns="179285" bIns="143428" rtlCol="0">
+            <a:spAutoFit/>
+          </a:bodyPr>
+          <a:lstStyle/>
+          <a:p>
+            <a:pPr>
+              <a:lnSpc>
+                <a:spcPct val="90000"/>
+              </a:lnSpc>
+              <a:spcAft>
+                <a:spcPts val="588"/>
+              </a:spcAft>
+            </a:pPr>
+            <a:endParaRPr lang="en-US" sz="2353" dirty="0" err="1">
+              <a:gradFill>
+                <a:gsLst>
+                  <a:gs pos="2917">
+                    <a:schemeClr val="tx1"/>
+                  </a:gs>
+                  <a:gs pos="30000">
+                    <a:schemeClr val="tx1"/>
+                  </a:gs>
+                </a:gsLst>
+                <a:lin ang="5400000" scaled="0"/>
+              </a:gradFill>
+            </a:endParaRPr>
+          </a:p>
+        </p:txBody>
+      </p:sp>
+      <p:pic>
+        <p:nvPicPr>
+          <p:cNvPr id="6" name="Picture 5"/>
+          <p:cNvPicPr>
+            <a:picLocks noChangeAspect="1"/>
+          </p:cNvPicPr>
+          <p:nvPr/>
+        </p:nvPicPr>
+        <p:blipFill>
+          <a:blip r:embed="rId4"/>
+          <a:stretch>
+            <a:fillRect/>
+          </a:stretch>
+        </p:blipFill>
+        <p:spPr>
+          <a:xfrm>
+            <a:off x="8386354" y="301617"/>
+            <a:ext cx="3564922" cy="440924"/>
+          </a:xfrm>
+          <a:prstGeom prst="rect">
+            <a:avLst/>
+          </a:prstGeom>
+        </p:spPr>
+      </p:pic>
+      <p:sp>
+        <p:nvSpPr>
+          <p:cNvPr id="9" name="Title 2"/>
+          <p:cNvSpPr txBox="1">
+            <a:spLocks/>
+          </p:cNvSpPr>
+          <p:nvPr/>
+        </p:nvSpPr>
+        <p:spPr>
+          <a:xfrm>
+            <a:off x="192073" y="129039"/>
+            <a:ext cx="3953892" cy="786080"/>
+          </a:xfrm>
+          <a:prstGeom prst="rect">
+            <a:avLst/>
+          </a:prstGeom>
+        </p:spPr>
+        <p:txBody>
+          <a:bodyPr/>
+          <a:lstStyle>
+            <a:lvl1pPr algn="l" defTabSz="914367" rtl="0" eaLnBrk="1" latinLnBrk="0" hangingPunct="1">
+              <a:lnSpc>
+                <a:spcPct val="90000"/>
+              </a:lnSpc>
+              <a:spcBef>
+                <a:spcPct val="0"/>
+              </a:spcBef>
+              <a:buNone/>
+              <a:defRPr lang="en-US" sz="4705" b="0" kern="1200" cap="none" spc="-100" baseline="0" dirty="0" smtClean="0">
+                <a:ln w="3175">
+                  <a:noFill/>
+                </a:ln>
+                <a:gradFill>
+                  <a:gsLst>
+                    <a:gs pos="1250">
+                      <a:schemeClr val="tx1"/>
+                    </a:gs>
+                    <a:gs pos="100000">
+                      <a:schemeClr val="tx1"/>
+                    </a:gs>
+                  </a:gsLst>
+                  <a:lin ang="5400000" scaled="0"/>
+                </a:gradFill>
+                <a:effectLst/>
+                <a:latin typeface="+mj-lt"/>
+                <a:ea typeface="+mn-ea"/>
+                <a:cs typeface="Segoe UI" pitchFamily="34" charset="0"/>
+              </a:defRPr>
+            </a:lvl1pPr>
+          </a:lstStyle>
+          <a:p>
+            <a:r>
+              <a:rPr lang="en-US" sz="6000" dirty="0"/>
+              <a:t>Prism : Now</a:t>
+            </a:r>
+          </a:p>
+        </p:txBody>
+      </p:sp>
+    </p:spTree>
+    <p:extLst>
+      <p:ext uri="{BB962C8B-B14F-4D97-AF65-F5344CB8AC3E}">
+        <p14:creationId xmlns:p14="http://schemas.microsoft.com/office/powerpoint/2010/main" val="2215208283"/>
+      </p:ext>
+    </p:extLst>
+  </p:cSld>
+  <p:clrMapOvr>
+    <a:masterClrMapping/>
+  </p:clrMapOvr>
+  <p:transition>
+    <p:fade/>
+  </p:transition>
+</p:sld>
+</file>
+
+<file path=ppt/slides/slide30.xml><?xml version="1.0" encoding="utf-8"?>
 <p:sld xmlns:a="http://schemas.openxmlformats.org/drawingml/2006/main" xmlns:r="http://schemas.openxmlformats.org/officeDocument/2006/relationships" xmlns:p="http://schemas.openxmlformats.org/presentationml/2006/main">
   <p:cSld>
     <p:bg>
@@ -17503,182 +18777,6 @@
       <p:bldP spid="27" grpId="0"/>
     </p:bldLst>
   </p:timing>
-</p:sld>
-</file>
-
-<file path=ppt/slides/slide3.xml><?xml version="1.0" encoding="utf-8"?>
-<p:sld xmlns:a="http://schemas.openxmlformats.org/drawingml/2006/main" xmlns:r="http://schemas.openxmlformats.org/officeDocument/2006/relationships" xmlns:p="http://schemas.openxmlformats.org/presentationml/2006/main">
-  <p:cSld>
-    <p:bg>
-      <p:bgPr>
-        <a:blipFill dpi="0" rotWithShape="1">
-          <a:blip r:embed="rId3">
-            <a:alphaModFix amt="12000"/>
-            <a:lum/>
-          </a:blip>
-          <a:srcRect/>
-          <a:stretch>
-            <a:fillRect l="-45000" t="-39000" r="45000" b="-39000"/>
-          </a:stretch>
-        </a:blipFill>
-        <a:effectLst/>
-      </p:bgPr>
-    </p:bg>
-    <p:spTree>
-      <p:nvGrpSpPr>
-        <p:cNvPr id="1" name=""/>
-        <p:cNvGrpSpPr/>
-        <p:nvPr/>
-      </p:nvGrpSpPr>
-      <p:grpSpPr>
-        <a:xfrm>
-          <a:off x="0" y="0"/>
-          <a:ext cx="0" cy="0"/>
-          <a:chOff x="0" y="0"/>
-          <a:chExt cx="0" cy="0"/>
-        </a:xfrm>
-      </p:grpSpPr>
-      <p:sp>
-        <p:nvSpPr>
-          <p:cNvPr id="8" name="TextBox 7"/>
-          <p:cNvSpPr txBox="1"/>
-          <p:nvPr/>
-        </p:nvSpPr>
-        <p:spPr>
-          <a:xfrm>
-            <a:off x="4145965" y="-846623"/>
-            <a:ext cx="362072" cy="621556"/>
-          </a:xfrm>
-          <a:prstGeom prst="rect">
-            <a:avLst/>
-          </a:prstGeom>
-          <a:noFill/>
-        </p:spPr>
-        <p:txBody>
-          <a:bodyPr wrap="none" lIns="179285" tIns="143428" rIns="179285" bIns="143428" rtlCol="0">
-            <a:spAutoFit/>
-          </a:bodyPr>
-          <a:lstStyle/>
-          <a:p>
-            <a:pPr>
-              <a:lnSpc>
-                <a:spcPct val="90000"/>
-              </a:lnSpc>
-              <a:spcAft>
-                <a:spcPts val="588"/>
-              </a:spcAft>
-            </a:pPr>
-            <a:endParaRPr lang="en-US" sz="2353" dirty="0" err="1">
-              <a:gradFill>
-                <a:gsLst>
-                  <a:gs pos="2917">
-                    <a:schemeClr val="tx1"/>
-                  </a:gs>
-                  <a:gs pos="30000">
-                    <a:schemeClr val="tx1"/>
-                  </a:gs>
-                </a:gsLst>
-                <a:lin ang="5400000" scaled="0"/>
-              </a:gradFill>
-            </a:endParaRPr>
-          </a:p>
-        </p:txBody>
-      </p:sp>
-      <p:pic>
-        <p:nvPicPr>
-          <p:cNvPr id="6" name="Picture 5"/>
-          <p:cNvPicPr>
-            <a:picLocks noChangeAspect="1"/>
-          </p:cNvPicPr>
-          <p:nvPr/>
-        </p:nvPicPr>
-        <p:blipFill>
-          <a:blip r:embed="rId4"/>
-          <a:stretch>
-            <a:fillRect/>
-          </a:stretch>
-        </p:blipFill>
-        <p:spPr>
-          <a:xfrm>
-            <a:off x="8386354" y="301617"/>
-            <a:ext cx="3564922" cy="440924"/>
-          </a:xfrm>
-          <a:prstGeom prst="rect">
-            <a:avLst/>
-          </a:prstGeom>
-        </p:spPr>
-      </p:pic>
-      <p:sp>
-        <p:nvSpPr>
-          <p:cNvPr id="9" name="Title 2"/>
-          <p:cNvSpPr txBox="1">
-            <a:spLocks/>
-          </p:cNvSpPr>
-          <p:nvPr/>
-        </p:nvSpPr>
-        <p:spPr>
-          <a:xfrm>
-            <a:off x="192073" y="129039"/>
-            <a:ext cx="3953892" cy="786080"/>
-          </a:xfrm>
-          <a:prstGeom prst="rect">
-            <a:avLst/>
-          </a:prstGeom>
-        </p:spPr>
-        <p:txBody>
-          <a:bodyPr/>
-          <a:lstStyle>
-            <a:lvl1pPr algn="l" defTabSz="914367" rtl="0" eaLnBrk="1" latinLnBrk="0" hangingPunct="1">
-              <a:lnSpc>
-                <a:spcPct val="90000"/>
-              </a:lnSpc>
-              <a:spcBef>
-                <a:spcPct val="0"/>
-              </a:spcBef>
-              <a:buNone/>
-              <a:defRPr lang="en-US" sz="4705" b="0" kern="1200" cap="none" spc="-100" baseline="0" dirty="0" smtClean="0">
-                <a:ln w="3175">
-                  <a:noFill/>
-                </a:ln>
-                <a:gradFill>
-                  <a:gsLst>
-                    <a:gs pos="1250">
-                      <a:schemeClr val="tx1"/>
-                    </a:gs>
-                    <a:gs pos="100000">
-                      <a:schemeClr val="tx1"/>
-                    </a:gs>
-                  </a:gsLst>
-                  <a:lin ang="5400000" scaled="0"/>
-                </a:gradFill>
-                <a:effectLst/>
-                <a:latin typeface="+mj-lt"/>
-                <a:ea typeface="+mn-ea"/>
-                <a:cs typeface="Segoe UI" pitchFamily="34" charset="0"/>
-              </a:defRPr>
-            </a:lvl1pPr>
-          </a:lstStyle>
-          <a:p>
-            <a:r>
-              <a:rPr lang="en-US" sz="6000" dirty="0"/>
-              <a:t>Prism : Now</a:t>
-            </a:r>
-          </a:p>
-        </p:txBody>
-      </p:sp>
-    </p:spTree>
-    <p:extLst>
-      <p:ext uri="{BB962C8B-B14F-4D97-AF65-F5344CB8AC3E}">
-        <p14:creationId xmlns:p14="http://schemas.microsoft.com/office/powerpoint/2010/main" val="2215208283"/>
-      </p:ext>
-    </p:extLst>
-  </p:cSld>
-  <p:clrMapOvr>
-    <a:masterClrMapping/>
-  </p:clrMapOvr>
-  <p:transition>
-    <p:fade/>
-  </p:transition>
 </p:sld>
 </file>
 

--- a/media/PrismDemo.pptx
+++ b/media/PrismDemo.pptx
@@ -5,39 +5,42 @@
     <p:sldMasterId id="2147483660" r:id="rId1"/>
   </p:sldMasterIdLst>
   <p:notesMasterIdLst>
-    <p:notesMasterId r:id="rId32"/>
+    <p:notesMasterId r:id="rId35"/>
   </p:notesMasterIdLst>
   <p:sldIdLst>
     <p:sldId id="283" r:id="rId2"/>
     <p:sldId id="399" r:id="rId3"/>
-    <p:sldId id="400" r:id="rId4"/>
-    <p:sldId id="401" r:id="rId5"/>
-    <p:sldId id="402" r:id="rId6"/>
-    <p:sldId id="403" r:id="rId7"/>
-    <p:sldId id="405" r:id="rId8"/>
-    <p:sldId id="406" r:id="rId9"/>
-    <p:sldId id="404" r:id="rId10"/>
-    <p:sldId id="407" r:id="rId11"/>
-    <p:sldId id="408" r:id="rId12"/>
-    <p:sldId id="409" r:id="rId13"/>
-    <p:sldId id="410" r:id="rId14"/>
-    <p:sldId id="411" r:id="rId15"/>
-    <p:sldId id="412" r:id="rId16"/>
-    <p:sldId id="414" r:id="rId17"/>
-    <p:sldId id="413" r:id="rId18"/>
-    <p:sldId id="416" r:id="rId19"/>
-    <p:sldId id="415" r:id="rId20"/>
-    <p:sldId id="417" r:id="rId21"/>
-    <p:sldId id="418" r:id="rId22"/>
-    <p:sldId id="419" r:id="rId23"/>
-    <p:sldId id="420" r:id="rId24"/>
-    <p:sldId id="421" r:id="rId25"/>
-    <p:sldId id="422" r:id="rId26"/>
-    <p:sldId id="423" r:id="rId27"/>
-    <p:sldId id="424" r:id="rId28"/>
-    <p:sldId id="425" r:id="rId29"/>
-    <p:sldId id="426" r:id="rId30"/>
-    <p:sldId id="398" r:id="rId31"/>
+    <p:sldId id="401" r:id="rId4"/>
+    <p:sldId id="402" r:id="rId5"/>
+    <p:sldId id="403" r:id="rId6"/>
+    <p:sldId id="405" r:id="rId7"/>
+    <p:sldId id="406" r:id="rId8"/>
+    <p:sldId id="404" r:id="rId9"/>
+    <p:sldId id="407" r:id="rId10"/>
+    <p:sldId id="408" r:id="rId11"/>
+    <p:sldId id="409" r:id="rId12"/>
+    <p:sldId id="410" r:id="rId13"/>
+    <p:sldId id="411" r:id="rId14"/>
+    <p:sldId id="412" r:id="rId15"/>
+    <p:sldId id="414" r:id="rId16"/>
+    <p:sldId id="413" r:id="rId17"/>
+    <p:sldId id="416" r:id="rId18"/>
+    <p:sldId id="415" r:id="rId19"/>
+    <p:sldId id="417" r:id="rId20"/>
+    <p:sldId id="418" r:id="rId21"/>
+    <p:sldId id="419" r:id="rId22"/>
+    <p:sldId id="420" r:id="rId23"/>
+    <p:sldId id="421" r:id="rId24"/>
+    <p:sldId id="422" r:id="rId25"/>
+    <p:sldId id="423" r:id="rId26"/>
+    <p:sldId id="424" r:id="rId27"/>
+    <p:sldId id="425" r:id="rId28"/>
+    <p:sldId id="426" r:id="rId29"/>
+    <p:sldId id="428" r:id="rId30"/>
+    <p:sldId id="429" r:id="rId31"/>
+    <p:sldId id="430" r:id="rId32"/>
+    <p:sldId id="427" r:id="rId33"/>
+    <p:sldId id="398" r:id="rId34"/>
   </p:sldIdLst>
   <p:sldSz cx="12192000" cy="6858000"/>
   <p:notesSz cx="6858000" cy="9144000"/>
@@ -830,7 +833,7 @@
     </p:spTree>
     <p:extLst>
       <p:ext uri="{BB962C8B-B14F-4D97-AF65-F5344CB8AC3E}">
-        <p14:creationId xmlns:p14="http://schemas.microsoft.com/office/powerpoint/2010/main" val="1543092986"/>
+        <p14:creationId xmlns:p14="http://schemas.microsoft.com/office/powerpoint/2010/main" val="3329705295"/>
       </p:ext>
     </p:extLst>
   </p:cSld>
@@ -992,7 +995,7 @@
     </p:spTree>
     <p:extLst>
       <p:ext uri="{BB962C8B-B14F-4D97-AF65-F5344CB8AC3E}">
-        <p14:creationId xmlns:p14="http://schemas.microsoft.com/office/powerpoint/2010/main" val="3329705295"/>
+        <p14:creationId xmlns:p14="http://schemas.microsoft.com/office/powerpoint/2010/main" val="913750612"/>
       </p:ext>
     </p:extLst>
   </p:cSld>
@@ -1154,7 +1157,7 @@
     </p:spTree>
     <p:extLst>
       <p:ext uri="{BB962C8B-B14F-4D97-AF65-F5344CB8AC3E}">
-        <p14:creationId xmlns:p14="http://schemas.microsoft.com/office/powerpoint/2010/main" val="913750612"/>
+        <p14:creationId xmlns:p14="http://schemas.microsoft.com/office/powerpoint/2010/main" val="662814614"/>
       </p:ext>
     </p:extLst>
   </p:cSld>
@@ -1316,7 +1319,7 @@
     </p:spTree>
     <p:extLst>
       <p:ext uri="{BB962C8B-B14F-4D97-AF65-F5344CB8AC3E}">
-        <p14:creationId xmlns:p14="http://schemas.microsoft.com/office/powerpoint/2010/main" val="662814614"/>
+        <p14:creationId xmlns:p14="http://schemas.microsoft.com/office/powerpoint/2010/main" val="2702963971"/>
       </p:ext>
     </p:extLst>
   </p:cSld>
@@ -1478,7 +1481,7 @@
     </p:spTree>
     <p:extLst>
       <p:ext uri="{BB962C8B-B14F-4D97-AF65-F5344CB8AC3E}">
-        <p14:creationId xmlns:p14="http://schemas.microsoft.com/office/powerpoint/2010/main" val="2702963971"/>
+        <p14:creationId xmlns:p14="http://schemas.microsoft.com/office/powerpoint/2010/main" val="2920782650"/>
       </p:ext>
     </p:extLst>
   </p:cSld>
@@ -1640,7 +1643,7 @@
     </p:spTree>
     <p:extLst>
       <p:ext uri="{BB962C8B-B14F-4D97-AF65-F5344CB8AC3E}">
-        <p14:creationId xmlns:p14="http://schemas.microsoft.com/office/powerpoint/2010/main" val="2920782650"/>
+        <p14:creationId xmlns:p14="http://schemas.microsoft.com/office/powerpoint/2010/main" val="1422427446"/>
       </p:ext>
     </p:extLst>
   </p:cSld>
@@ -1802,7 +1805,7 @@
     </p:spTree>
     <p:extLst>
       <p:ext uri="{BB962C8B-B14F-4D97-AF65-F5344CB8AC3E}">
-        <p14:creationId xmlns:p14="http://schemas.microsoft.com/office/powerpoint/2010/main" val="1422427446"/>
+        <p14:creationId xmlns:p14="http://schemas.microsoft.com/office/powerpoint/2010/main" val="2204499144"/>
       </p:ext>
     </p:extLst>
   </p:cSld>
@@ -1964,7 +1967,7 @@
     </p:spTree>
     <p:extLst>
       <p:ext uri="{BB962C8B-B14F-4D97-AF65-F5344CB8AC3E}">
-        <p14:creationId xmlns:p14="http://schemas.microsoft.com/office/powerpoint/2010/main" val="2204499144"/>
+        <p14:creationId xmlns:p14="http://schemas.microsoft.com/office/powerpoint/2010/main" val="2691892913"/>
       </p:ext>
     </p:extLst>
   </p:cSld>
@@ -2126,7 +2129,7 @@
     </p:spTree>
     <p:extLst>
       <p:ext uri="{BB962C8B-B14F-4D97-AF65-F5344CB8AC3E}">
-        <p14:creationId xmlns:p14="http://schemas.microsoft.com/office/powerpoint/2010/main" val="2691892913"/>
+        <p14:creationId xmlns:p14="http://schemas.microsoft.com/office/powerpoint/2010/main" val="2471218499"/>
       </p:ext>
     </p:extLst>
   </p:cSld>
@@ -2288,7 +2291,7 @@
     </p:spTree>
     <p:extLst>
       <p:ext uri="{BB962C8B-B14F-4D97-AF65-F5344CB8AC3E}">
-        <p14:creationId xmlns:p14="http://schemas.microsoft.com/office/powerpoint/2010/main" val="2471218499"/>
+        <p14:creationId xmlns:p14="http://schemas.microsoft.com/office/powerpoint/2010/main" val="3766321334"/>
       </p:ext>
     </p:extLst>
   </p:cSld>
@@ -2450,7 +2453,7 @@
     </p:spTree>
     <p:extLst>
       <p:ext uri="{BB962C8B-B14F-4D97-AF65-F5344CB8AC3E}">
-        <p14:creationId xmlns:p14="http://schemas.microsoft.com/office/powerpoint/2010/main" val="837372897"/>
+        <p14:creationId xmlns:p14="http://schemas.microsoft.com/office/powerpoint/2010/main" val="3565629837"/>
       </p:ext>
     </p:extLst>
   </p:cSld>
@@ -2612,7 +2615,7 @@
     </p:spTree>
     <p:extLst>
       <p:ext uri="{BB962C8B-B14F-4D97-AF65-F5344CB8AC3E}">
-        <p14:creationId xmlns:p14="http://schemas.microsoft.com/office/powerpoint/2010/main" val="3766321334"/>
+        <p14:creationId xmlns:p14="http://schemas.microsoft.com/office/powerpoint/2010/main" val="3294069767"/>
       </p:ext>
     </p:extLst>
   </p:cSld>
@@ -2774,7 +2777,7 @@
     </p:spTree>
     <p:extLst>
       <p:ext uri="{BB962C8B-B14F-4D97-AF65-F5344CB8AC3E}">
-        <p14:creationId xmlns:p14="http://schemas.microsoft.com/office/powerpoint/2010/main" val="3294069767"/>
+        <p14:creationId xmlns:p14="http://schemas.microsoft.com/office/powerpoint/2010/main" val="3569802526"/>
       </p:ext>
     </p:extLst>
   </p:cSld>
@@ -2936,7 +2939,7 @@
     </p:spTree>
     <p:extLst>
       <p:ext uri="{BB962C8B-B14F-4D97-AF65-F5344CB8AC3E}">
-        <p14:creationId xmlns:p14="http://schemas.microsoft.com/office/powerpoint/2010/main" val="3569802526"/>
+        <p14:creationId xmlns:p14="http://schemas.microsoft.com/office/powerpoint/2010/main" val="2601334521"/>
       </p:ext>
     </p:extLst>
   </p:cSld>
@@ -3098,7 +3101,7 @@
     </p:spTree>
     <p:extLst>
       <p:ext uri="{BB962C8B-B14F-4D97-AF65-F5344CB8AC3E}">
-        <p14:creationId xmlns:p14="http://schemas.microsoft.com/office/powerpoint/2010/main" val="2601334521"/>
+        <p14:creationId xmlns:p14="http://schemas.microsoft.com/office/powerpoint/2010/main" val="1282771021"/>
       </p:ext>
     </p:extLst>
   </p:cSld>
@@ -3260,7 +3263,7 @@
     </p:spTree>
     <p:extLst>
       <p:ext uri="{BB962C8B-B14F-4D97-AF65-F5344CB8AC3E}">
-        <p14:creationId xmlns:p14="http://schemas.microsoft.com/office/powerpoint/2010/main" val="1282771021"/>
+        <p14:creationId xmlns:p14="http://schemas.microsoft.com/office/powerpoint/2010/main" val="3934301196"/>
       </p:ext>
     </p:extLst>
   </p:cSld>
@@ -3422,7 +3425,7 @@
     </p:spTree>
     <p:extLst>
       <p:ext uri="{BB962C8B-B14F-4D97-AF65-F5344CB8AC3E}">
-        <p14:creationId xmlns:p14="http://schemas.microsoft.com/office/powerpoint/2010/main" val="3934301196"/>
+        <p14:creationId xmlns:p14="http://schemas.microsoft.com/office/powerpoint/2010/main" val="3444173288"/>
       </p:ext>
     </p:extLst>
   </p:cSld>
@@ -3584,7 +3587,7 @@
     </p:spTree>
     <p:extLst>
       <p:ext uri="{BB962C8B-B14F-4D97-AF65-F5344CB8AC3E}">
-        <p14:creationId xmlns:p14="http://schemas.microsoft.com/office/powerpoint/2010/main" val="3444173288"/>
+        <p14:creationId xmlns:p14="http://schemas.microsoft.com/office/powerpoint/2010/main" val="3600176301"/>
       </p:ext>
     </p:extLst>
   </p:cSld>
@@ -3746,7 +3749,7 @@
     </p:spTree>
     <p:extLst>
       <p:ext uri="{BB962C8B-B14F-4D97-AF65-F5344CB8AC3E}">
-        <p14:creationId xmlns:p14="http://schemas.microsoft.com/office/powerpoint/2010/main" val="3600176301"/>
+        <p14:creationId xmlns:p14="http://schemas.microsoft.com/office/powerpoint/2010/main" val="504084480"/>
       </p:ext>
     </p:extLst>
   </p:cSld>
@@ -3908,7 +3911,7 @@
     </p:spTree>
     <p:extLst>
       <p:ext uri="{BB962C8B-B14F-4D97-AF65-F5344CB8AC3E}">
-        <p14:creationId xmlns:p14="http://schemas.microsoft.com/office/powerpoint/2010/main" val="504084480"/>
+        <p14:creationId xmlns:p14="http://schemas.microsoft.com/office/powerpoint/2010/main" val="3641555481"/>
       </p:ext>
     </p:extLst>
   </p:cSld>
@@ -4070,7 +4073,7 @@
     </p:spTree>
     <p:extLst>
       <p:ext uri="{BB962C8B-B14F-4D97-AF65-F5344CB8AC3E}">
-        <p14:creationId xmlns:p14="http://schemas.microsoft.com/office/powerpoint/2010/main" val="2031415334"/>
+        <p14:creationId xmlns:p14="http://schemas.microsoft.com/office/powerpoint/2010/main" val="3681897671"/>
       </p:ext>
     </p:extLst>
   </p:cSld>
@@ -4232,7 +4235,493 @@
     </p:spTree>
     <p:extLst>
       <p:ext uri="{BB962C8B-B14F-4D97-AF65-F5344CB8AC3E}">
-        <p14:creationId xmlns:p14="http://schemas.microsoft.com/office/powerpoint/2010/main" val="3565629837"/>
+        <p14:creationId xmlns:p14="http://schemas.microsoft.com/office/powerpoint/2010/main" val="2957280842"/>
+      </p:ext>
+    </p:extLst>
+  </p:cSld>
+  <p:clrMapOvr>
+    <a:masterClrMapping/>
+  </p:clrMapOvr>
+</p:notes>
+</file>
+
+<file path=ppt/notesSlides/notesSlide30.xml><?xml version="1.0" encoding="utf-8"?>
+<p:notes xmlns:a="http://schemas.openxmlformats.org/drawingml/2006/main" xmlns:r="http://schemas.openxmlformats.org/officeDocument/2006/relationships" xmlns:p="http://schemas.openxmlformats.org/presentationml/2006/main">
+  <p:cSld>
+    <p:spTree>
+      <p:nvGrpSpPr>
+        <p:cNvPr id="1" name=""/>
+        <p:cNvGrpSpPr/>
+        <p:nvPr/>
+      </p:nvGrpSpPr>
+      <p:grpSpPr>
+        <a:xfrm>
+          <a:off x="0" y="0"/>
+          <a:ext cx="0" cy="0"/>
+          <a:chOff x="0" y="0"/>
+          <a:chExt cx="0" cy="0"/>
+        </a:xfrm>
+      </p:grpSpPr>
+      <p:sp>
+        <p:nvSpPr>
+          <p:cNvPr id="2" name="Slide Image Placeholder 1"/>
+          <p:cNvSpPr>
+            <a:spLocks noGrp="1" noRot="1" noChangeAspect="1"/>
+          </p:cNvSpPr>
+          <p:nvPr>
+            <p:ph type="sldImg"/>
+          </p:nvPr>
+        </p:nvSpPr>
+        <p:spPr/>
+      </p:sp>
+      <p:sp>
+        <p:nvSpPr>
+          <p:cNvPr id="3" name="Notes Placeholder 2"/>
+          <p:cNvSpPr>
+            <a:spLocks noGrp="1"/>
+          </p:cNvSpPr>
+          <p:nvPr>
+            <p:ph type="body" idx="1"/>
+          </p:nvPr>
+        </p:nvSpPr>
+        <p:spPr/>
+        <p:txBody>
+          <a:bodyPr/>
+          <a:lstStyle/>
+          <a:p>
+            <a:endParaRPr lang="en-US" dirty="0"/>
+          </a:p>
+        </p:txBody>
+      </p:sp>
+      <p:sp>
+        <p:nvSpPr>
+          <p:cNvPr id="4" name="Footer Placeholder 3"/>
+          <p:cNvSpPr>
+            <a:spLocks noGrp="1"/>
+          </p:cNvSpPr>
+          <p:nvPr>
+            <p:ph type="ftr" sz="quarter" idx="10"/>
+          </p:nvPr>
+        </p:nvSpPr>
+        <p:spPr/>
+        <p:txBody>
+          <a:bodyPr/>
+          <a:lstStyle/>
+          <a:p>
+            <a:pPr defTabSz="914099" eaLnBrk="0" hangingPunct="0"/>
+            <a:r>
+              <a:rPr lang="en-US" sz="400">
+                <a:gradFill>
+                  <a:gsLst>
+                    <a:gs pos="0">
+                      <a:prstClr val="black"/>
+                    </a:gs>
+                    <a:gs pos="100000">
+                      <a:prstClr val="black"/>
+                    </a:gs>
+                  </a:gsLst>
+                  <a:lin ang="5400000" scaled="0"/>
+                </a:gradFill>
+                <a:latin typeface="Segoe UI" pitchFamily="34" charset="0"/>
+                <a:ea typeface="Segoe UI" pitchFamily="34" charset="0"/>
+                <a:cs typeface="Segoe UI" pitchFamily="34" charset="0"/>
+              </a:rPr>
+              <a:t>© 2014 Microsoft Corporation. All rights reserved. Microsoft, Windows, and other product names are or may be registered trademarks and/or trademarks in the U.S. and/or other countries. The information herein is for informational purposes only and represents the current view of Microsoft Corporation as of the date of this presentation.  Because Microsoft must respond to changing market conditions, it should not be interpreted to be a commitment on the part of Microsoft, and Microsoft cannot guarantee the accuracy of any information provided after the date of this presentation.  MICROSOFT MAKES NO WARRANTIES, EXPRESS, IMPLIED OR STATUTORY, AS TO THE INFORMATION IN THIS PRESENTATION.</a:t>
+            </a:r>
+            <a:endParaRPr lang="en-US" sz="400" dirty="0">
+              <a:gradFill>
+                <a:gsLst>
+                  <a:gs pos="0">
+                    <a:prstClr val="black"/>
+                  </a:gs>
+                  <a:gs pos="100000">
+                    <a:prstClr val="black"/>
+                  </a:gs>
+                </a:gsLst>
+                <a:lin ang="5400000" scaled="0"/>
+              </a:gradFill>
+              <a:latin typeface="Segoe UI" pitchFamily="34" charset="0"/>
+              <a:ea typeface="Segoe UI" pitchFamily="34" charset="0"/>
+              <a:cs typeface="Segoe UI" pitchFamily="34" charset="0"/>
+            </a:endParaRPr>
+          </a:p>
+        </p:txBody>
+      </p:sp>
+      <p:sp>
+        <p:nvSpPr>
+          <p:cNvPr id="5" name="Date Placeholder 4"/>
+          <p:cNvSpPr>
+            <a:spLocks noGrp="1"/>
+          </p:cNvSpPr>
+          <p:nvPr>
+            <p:ph type="dt" idx="11"/>
+          </p:nvPr>
+        </p:nvSpPr>
+        <p:spPr/>
+        <p:txBody>
+          <a:bodyPr/>
+          <a:lstStyle/>
+          <a:p>
+            <a:fld id="{E74353ED-ACB2-44BF-A903-985B0AF962B7}" type="datetime1">
+              <a:rPr lang="en-US" smtClean="0"/>
+              <a:t>12/7/2016</a:t>
+            </a:fld>
+            <a:endParaRPr lang="en-US" dirty="0"/>
+          </a:p>
+        </p:txBody>
+      </p:sp>
+      <p:sp>
+        <p:nvSpPr>
+          <p:cNvPr id="6" name="Slide Number Placeholder 5"/>
+          <p:cNvSpPr>
+            <a:spLocks noGrp="1"/>
+          </p:cNvSpPr>
+          <p:nvPr>
+            <p:ph type="sldNum" sz="quarter" idx="12"/>
+          </p:nvPr>
+        </p:nvSpPr>
+        <p:spPr/>
+        <p:txBody>
+          <a:bodyPr/>
+          <a:lstStyle/>
+          <a:p>
+            <a:fld id="{B4008EB6-D09E-4580-8CD6-DDB14511944F}" type="slidenum">
+              <a:rPr lang="en-US" smtClean="0"/>
+              <a:pPr/>
+              <a:t>31</a:t>
+            </a:fld>
+            <a:endParaRPr lang="en-US" dirty="0"/>
+          </a:p>
+        </p:txBody>
+      </p:sp>
+    </p:spTree>
+    <p:extLst>
+      <p:ext uri="{BB962C8B-B14F-4D97-AF65-F5344CB8AC3E}">
+        <p14:creationId xmlns:p14="http://schemas.microsoft.com/office/powerpoint/2010/main" val="557256828"/>
+      </p:ext>
+    </p:extLst>
+  </p:cSld>
+  <p:clrMapOvr>
+    <a:masterClrMapping/>
+  </p:clrMapOvr>
+</p:notes>
+</file>
+
+<file path=ppt/notesSlides/notesSlide31.xml><?xml version="1.0" encoding="utf-8"?>
+<p:notes xmlns:a="http://schemas.openxmlformats.org/drawingml/2006/main" xmlns:r="http://schemas.openxmlformats.org/officeDocument/2006/relationships" xmlns:p="http://schemas.openxmlformats.org/presentationml/2006/main">
+  <p:cSld>
+    <p:spTree>
+      <p:nvGrpSpPr>
+        <p:cNvPr id="1" name=""/>
+        <p:cNvGrpSpPr/>
+        <p:nvPr/>
+      </p:nvGrpSpPr>
+      <p:grpSpPr>
+        <a:xfrm>
+          <a:off x="0" y="0"/>
+          <a:ext cx="0" cy="0"/>
+          <a:chOff x="0" y="0"/>
+          <a:chExt cx="0" cy="0"/>
+        </a:xfrm>
+      </p:grpSpPr>
+      <p:sp>
+        <p:nvSpPr>
+          <p:cNvPr id="2" name="Slide Image Placeholder 1"/>
+          <p:cNvSpPr>
+            <a:spLocks noGrp="1" noRot="1" noChangeAspect="1"/>
+          </p:cNvSpPr>
+          <p:nvPr>
+            <p:ph type="sldImg"/>
+          </p:nvPr>
+        </p:nvSpPr>
+        <p:spPr/>
+      </p:sp>
+      <p:sp>
+        <p:nvSpPr>
+          <p:cNvPr id="3" name="Notes Placeholder 2"/>
+          <p:cNvSpPr>
+            <a:spLocks noGrp="1"/>
+          </p:cNvSpPr>
+          <p:nvPr>
+            <p:ph type="body" idx="1"/>
+          </p:nvPr>
+        </p:nvSpPr>
+        <p:spPr/>
+        <p:txBody>
+          <a:bodyPr/>
+          <a:lstStyle/>
+          <a:p>
+            <a:endParaRPr lang="en-US" dirty="0"/>
+          </a:p>
+        </p:txBody>
+      </p:sp>
+      <p:sp>
+        <p:nvSpPr>
+          <p:cNvPr id="4" name="Footer Placeholder 3"/>
+          <p:cNvSpPr>
+            <a:spLocks noGrp="1"/>
+          </p:cNvSpPr>
+          <p:nvPr>
+            <p:ph type="ftr" sz="quarter" idx="10"/>
+          </p:nvPr>
+        </p:nvSpPr>
+        <p:spPr/>
+        <p:txBody>
+          <a:bodyPr/>
+          <a:lstStyle/>
+          <a:p>
+            <a:pPr defTabSz="914099" eaLnBrk="0" hangingPunct="0"/>
+            <a:r>
+              <a:rPr lang="en-US" sz="400">
+                <a:gradFill>
+                  <a:gsLst>
+                    <a:gs pos="0">
+                      <a:prstClr val="black"/>
+                    </a:gs>
+                    <a:gs pos="100000">
+                      <a:prstClr val="black"/>
+                    </a:gs>
+                  </a:gsLst>
+                  <a:lin ang="5400000" scaled="0"/>
+                </a:gradFill>
+                <a:latin typeface="Segoe UI" pitchFamily="34" charset="0"/>
+                <a:ea typeface="Segoe UI" pitchFamily="34" charset="0"/>
+                <a:cs typeface="Segoe UI" pitchFamily="34" charset="0"/>
+              </a:rPr>
+              <a:t>© 2014 Microsoft Corporation. All rights reserved. Microsoft, Windows, and other product names are or may be registered trademarks and/or trademarks in the U.S. and/or other countries. The information herein is for informational purposes only and represents the current view of Microsoft Corporation as of the date of this presentation.  Because Microsoft must respond to changing market conditions, it should not be interpreted to be a commitment on the part of Microsoft, and Microsoft cannot guarantee the accuracy of any information provided after the date of this presentation.  MICROSOFT MAKES NO WARRANTIES, EXPRESS, IMPLIED OR STATUTORY, AS TO THE INFORMATION IN THIS PRESENTATION.</a:t>
+            </a:r>
+            <a:endParaRPr lang="en-US" sz="400" dirty="0">
+              <a:gradFill>
+                <a:gsLst>
+                  <a:gs pos="0">
+                    <a:prstClr val="black"/>
+                  </a:gs>
+                  <a:gs pos="100000">
+                    <a:prstClr val="black"/>
+                  </a:gs>
+                </a:gsLst>
+                <a:lin ang="5400000" scaled="0"/>
+              </a:gradFill>
+              <a:latin typeface="Segoe UI" pitchFamily="34" charset="0"/>
+              <a:ea typeface="Segoe UI" pitchFamily="34" charset="0"/>
+              <a:cs typeface="Segoe UI" pitchFamily="34" charset="0"/>
+            </a:endParaRPr>
+          </a:p>
+        </p:txBody>
+      </p:sp>
+      <p:sp>
+        <p:nvSpPr>
+          <p:cNvPr id="5" name="Date Placeholder 4"/>
+          <p:cNvSpPr>
+            <a:spLocks noGrp="1"/>
+          </p:cNvSpPr>
+          <p:nvPr>
+            <p:ph type="dt" idx="11"/>
+          </p:nvPr>
+        </p:nvSpPr>
+        <p:spPr/>
+        <p:txBody>
+          <a:bodyPr/>
+          <a:lstStyle/>
+          <a:p>
+            <a:fld id="{E74353ED-ACB2-44BF-A903-985B0AF962B7}" type="datetime1">
+              <a:rPr lang="en-US" smtClean="0"/>
+              <a:t>12/7/2016</a:t>
+            </a:fld>
+            <a:endParaRPr lang="en-US" dirty="0"/>
+          </a:p>
+        </p:txBody>
+      </p:sp>
+      <p:sp>
+        <p:nvSpPr>
+          <p:cNvPr id="6" name="Slide Number Placeholder 5"/>
+          <p:cNvSpPr>
+            <a:spLocks noGrp="1"/>
+          </p:cNvSpPr>
+          <p:nvPr>
+            <p:ph type="sldNum" sz="quarter" idx="12"/>
+          </p:nvPr>
+        </p:nvSpPr>
+        <p:spPr/>
+        <p:txBody>
+          <a:bodyPr/>
+          <a:lstStyle/>
+          <a:p>
+            <a:fld id="{B4008EB6-D09E-4580-8CD6-DDB14511944F}" type="slidenum">
+              <a:rPr lang="en-US" smtClean="0"/>
+              <a:pPr/>
+              <a:t>32</a:t>
+            </a:fld>
+            <a:endParaRPr lang="en-US" dirty="0"/>
+          </a:p>
+        </p:txBody>
+      </p:sp>
+    </p:spTree>
+    <p:extLst>
+      <p:ext uri="{BB962C8B-B14F-4D97-AF65-F5344CB8AC3E}">
+        <p14:creationId xmlns:p14="http://schemas.microsoft.com/office/powerpoint/2010/main" val="3942426805"/>
+      </p:ext>
+    </p:extLst>
+  </p:cSld>
+  <p:clrMapOvr>
+    <a:masterClrMapping/>
+  </p:clrMapOvr>
+</p:notes>
+</file>
+
+<file path=ppt/notesSlides/notesSlide32.xml><?xml version="1.0" encoding="utf-8"?>
+<p:notes xmlns:a="http://schemas.openxmlformats.org/drawingml/2006/main" xmlns:r="http://schemas.openxmlformats.org/officeDocument/2006/relationships" xmlns:p="http://schemas.openxmlformats.org/presentationml/2006/main">
+  <p:cSld>
+    <p:spTree>
+      <p:nvGrpSpPr>
+        <p:cNvPr id="1" name=""/>
+        <p:cNvGrpSpPr/>
+        <p:nvPr/>
+      </p:nvGrpSpPr>
+      <p:grpSpPr>
+        <a:xfrm>
+          <a:off x="0" y="0"/>
+          <a:ext cx="0" cy="0"/>
+          <a:chOff x="0" y="0"/>
+          <a:chExt cx="0" cy="0"/>
+        </a:xfrm>
+      </p:grpSpPr>
+      <p:sp>
+        <p:nvSpPr>
+          <p:cNvPr id="2" name="Slide Image Placeholder 1"/>
+          <p:cNvSpPr>
+            <a:spLocks noGrp="1" noRot="1" noChangeAspect="1"/>
+          </p:cNvSpPr>
+          <p:nvPr>
+            <p:ph type="sldImg"/>
+          </p:nvPr>
+        </p:nvSpPr>
+        <p:spPr/>
+      </p:sp>
+      <p:sp>
+        <p:nvSpPr>
+          <p:cNvPr id="3" name="Notes Placeholder 2"/>
+          <p:cNvSpPr>
+            <a:spLocks noGrp="1"/>
+          </p:cNvSpPr>
+          <p:nvPr>
+            <p:ph type="body" idx="1"/>
+          </p:nvPr>
+        </p:nvSpPr>
+        <p:spPr/>
+        <p:txBody>
+          <a:bodyPr/>
+          <a:lstStyle/>
+          <a:p>
+            <a:endParaRPr lang="en-US" dirty="0"/>
+          </a:p>
+        </p:txBody>
+      </p:sp>
+      <p:sp>
+        <p:nvSpPr>
+          <p:cNvPr id="4" name="Footer Placeholder 3"/>
+          <p:cNvSpPr>
+            <a:spLocks noGrp="1"/>
+          </p:cNvSpPr>
+          <p:nvPr>
+            <p:ph type="ftr" sz="quarter" idx="10"/>
+          </p:nvPr>
+        </p:nvSpPr>
+        <p:spPr/>
+        <p:txBody>
+          <a:bodyPr/>
+          <a:lstStyle/>
+          <a:p>
+            <a:pPr defTabSz="914099" eaLnBrk="0" hangingPunct="0"/>
+            <a:r>
+              <a:rPr lang="en-US" sz="400">
+                <a:gradFill>
+                  <a:gsLst>
+                    <a:gs pos="0">
+                      <a:prstClr val="black"/>
+                    </a:gs>
+                    <a:gs pos="100000">
+                      <a:prstClr val="black"/>
+                    </a:gs>
+                  </a:gsLst>
+                  <a:lin ang="5400000" scaled="0"/>
+                </a:gradFill>
+                <a:latin typeface="Segoe UI" pitchFamily="34" charset="0"/>
+                <a:ea typeface="Segoe UI" pitchFamily="34" charset="0"/>
+                <a:cs typeface="Segoe UI" pitchFamily="34" charset="0"/>
+              </a:rPr>
+              <a:t>© 2014 Microsoft Corporation. All rights reserved. Microsoft, Windows, and other product names are or may be registered trademarks and/or trademarks in the U.S. and/or other countries. The information herein is for informational purposes only and represents the current view of Microsoft Corporation as of the date of this presentation.  Because Microsoft must respond to changing market conditions, it should not be interpreted to be a commitment on the part of Microsoft, and Microsoft cannot guarantee the accuracy of any information provided after the date of this presentation.  MICROSOFT MAKES NO WARRANTIES, EXPRESS, IMPLIED OR STATUTORY, AS TO THE INFORMATION IN THIS PRESENTATION.</a:t>
+            </a:r>
+            <a:endParaRPr lang="en-US" sz="400" dirty="0">
+              <a:gradFill>
+                <a:gsLst>
+                  <a:gs pos="0">
+                    <a:prstClr val="black"/>
+                  </a:gs>
+                  <a:gs pos="100000">
+                    <a:prstClr val="black"/>
+                  </a:gs>
+                </a:gsLst>
+                <a:lin ang="5400000" scaled="0"/>
+              </a:gradFill>
+              <a:latin typeface="Segoe UI" pitchFamily="34" charset="0"/>
+              <a:ea typeface="Segoe UI" pitchFamily="34" charset="0"/>
+              <a:cs typeface="Segoe UI" pitchFamily="34" charset="0"/>
+            </a:endParaRPr>
+          </a:p>
+        </p:txBody>
+      </p:sp>
+      <p:sp>
+        <p:nvSpPr>
+          <p:cNvPr id="5" name="Date Placeholder 4"/>
+          <p:cNvSpPr>
+            <a:spLocks noGrp="1"/>
+          </p:cNvSpPr>
+          <p:nvPr>
+            <p:ph type="dt" idx="11"/>
+          </p:nvPr>
+        </p:nvSpPr>
+        <p:spPr/>
+        <p:txBody>
+          <a:bodyPr/>
+          <a:lstStyle/>
+          <a:p>
+            <a:fld id="{E74353ED-ACB2-44BF-A903-985B0AF962B7}" type="datetime1">
+              <a:rPr lang="en-US" smtClean="0"/>
+              <a:t>12/7/2016</a:t>
+            </a:fld>
+            <a:endParaRPr lang="en-US" dirty="0"/>
+          </a:p>
+        </p:txBody>
+      </p:sp>
+      <p:sp>
+        <p:nvSpPr>
+          <p:cNvPr id="6" name="Slide Number Placeholder 5"/>
+          <p:cNvSpPr>
+            <a:spLocks noGrp="1"/>
+          </p:cNvSpPr>
+          <p:nvPr>
+            <p:ph type="sldNum" sz="quarter" idx="12"/>
+          </p:nvPr>
+        </p:nvSpPr>
+        <p:spPr/>
+        <p:txBody>
+          <a:bodyPr/>
+          <a:lstStyle/>
+          <a:p>
+            <a:fld id="{B4008EB6-D09E-4580-8CD6-DDB14511944F}" type="slidenum">
+              <a:rPr lang="en-US" smtClean="0"/>
+              <a:pPr/>
+              <a:t>33</a:t>
+            </a:fld>
+            <a:endParaRPr lang="en-US" dirty="0"/>
+          </a:p>
+        </p:txBody>
+      </p:sp>
+    </p:spTree>
+    <p:extLst>
+      <p:ext uri="{BB962C8B-B14F-4D97-AF65-F5344CB8AC3E}">
+        <p14:creationId xmlns:p14="http://schemas.microsoft.com/office/powerpoint/2010/main" val="2031415334"/>
       </p:ext>
     </p:extLst>
   </p:cSld>
@@ -4394,7 +4883,7 @@
     </p:spTree>
     <p:extLst>
       <p:ext uri="{BB962C8B-B14F-4D97-AF65-F5344CB8AC3E}">
-        <p14:creationId xmlns:p14="http://schemas.microsoft.com/office/powerpoint/2010/main" val="2957280842"/>
+        <p14:creationId xmlns:p14="http://schemas.microsoft.com/office/powerpoint/2010/main" val="106611281"/>
       </p:ext>
     </p:extLst>
   </p:cSld>
@@ -4556,7 +5045,7 @@
     </p:spTree>
     <p:extLst>
       <p:ext uri="{BB962C8B-B14F-4D97-AF65-F5344CB8AC3E}">
-        <p14:creationId xmlns:p14="http://schemas.microsoft.com/office/powerpoint/2010/main" val="106611281"/>
+        <p14:creationId xmlns:p14="http://schemas.microsoft.com/office/powerpoint/2010/main" val="1692081773"/>
       </p:ext>
     </p:extLst>
   </p:cSld>
@@ -4718,7 +5207,7 @@
     </p:spTree>
     <p:extLst>
       <p:ext uri="{BB962C8B-B14F-4D97-AF65-F5344CB8AC3E}">
-        <p14:creationId xmlns:p14="http://schemas.microsoft.com/office/powerpoint/2010/main" val="1692081773"/>
+        <p14:creationId xmlns:p14="http://schemas.microsoft.com/office/powerpoint/2010/main" val="354944678"/>
       </p:ext>
     </p:extLst>
   </p:cSld>
@@ -4880,7 +5369,7 @@
     </p:spTree>
     <p:extLst>
       <p:ext uri="{BB962C8B-B14F-4D97-AF65-F5344CB8AC3E}">
-        <p14:creationId xmlns:p14="http://schemas.microsoft.com/office/powerpoint/2010/main" val="354944678"/>
+        <p14:creationId xmlns:p14="http://schemas.microsoft.com/office/powerpoint/2010/main" val="1121749953"/>
       </p:ext>
     </p:extLst>
   </p:cSld>
@@ -5042,7 +5531,7 @@
     </p:spTree>
     <p:extLst>
       <p:ext uri="{BB962C8B-B14F-4D97-AF65-F5344CB8AC3E}">
-        <p14:creationId xmlns:p14="http://schemas.microsoft.com/office/powerpoint/2010/main" val="1121749953"/>
+        <p14:creationId xmlns:p14="http://schemas.microsoft.com/office/powerpoint/2010/main" val="588854826"/>
       </p:ext>
     </p:extLst>
   </p:cSld>
@@ -5204,7 +5693,7 @@
     </p:spTree>
     <p:extLst>
       <p:ext uri="{BB962C8B-B14F-4D97-AF65-F5344CB8AC3E}">
-        <p14:creationId xmlns:p14="http://schemas.microsoft.com/office/powerpoint/2010/main" val="588854826"/>
+        <p14:creationId xmlns:p14="http://schemas.microsoft.com/office/powerpoint/2010/main" val="1543092986"/>
       </p:ext>
     </p:extLst>
   </p:cSld>
@@ -9512,8 +10001,8 @@
         </p:nvSpPr>
         <p:spPr>
           <a:xfrm>
-            <a:off x="316424" y="1242623"/>
-            <a:ext cx="10694476" cy="1611135"/>
+            <a:off x="316424" y="1566405"/>
+            <a:ext cx="11448856" cy="4857255"/>
           </a:xfrm>
           <a:prstGeom prst="rect">
             <a:avLst/>
@@ -9553,13 +10042,64 @@
             </a:lvl1pPr>
           </a:lstStyle>
           <a:p>
-            <a:pPr marL="685800" indent="-685800">
+            <a:r>
+              <a:rPr lang="en-US" sz="3600" dirty="0"/>
+              <a:t>Prism adds 3 features to app class:</a:t>
+            </a:r>
+          </a:p>
+          <a:p>
+            <a:pPr marL="571500" indent="-571500">
               <a:buFont typeface="Arial" panose="020B0604020202020204" pitchFamily="34" charset="0"/>
               <a:buChar char="•"/>
             </a:pPr>
             <a:r>
+              <a:rPr lang="en-US" sz="3600" b="1" dirty="0" err="1"/>
+              <a:t>Ctor</a:t>
+            </a:r>
+            <a:r>
               <a:rPr lang="en-US" sz="3600" dirty="0"/>
-              <a:t>To add Prism support to </a:t>
+              <a:t> takes </a:t>
+            </a:r>
+            <a:r>
+              <a:rPr lang="en-US" sz="3600" b="1" dirty="0" err="1"/>
+              <a:t>IPlatformInitializer</a:t>
+            </a:r>
+            <a:r>
+              <a:rPr lang="en-US" sz="3600" dirty="0"/>
+              <a:t> parameter: provides a hook for platform specific </a:t>
+            </a:r>
+            <a:r>
+              <a:rPr lang="en-US" sz="3600" dirty="0" err="1"/>
+              <a:t>Registations</a:t>
+            </a:r>
+            <a:r>
+              <a:rPr lang="en-US" sz="3600" dirty="0"/>
+              <a:t> with DI Container</a:t>
+            </a:r>
+          </a:p>
+          <a:p>
+            <a:pPr marL="571500" indent="-571500">
+              <a:buFont typeface="Arial" panose="020B0604020202020204" pitchFamily="34" charset="0"/>
+              <a:buChar char="•"/>
+            </a:pPr>
+            <a:endParaRPr lang="en-US" sz="3600" dirty="0"/>
+          </a:p>
+          <a:p>
+            <a:pPr marL="571500" indent="-571500">
+              <a:buFont typeface="Arial" panose="020B0604020202020204" pitchFamily="34" charset="0"/>
+              <a:buChar char="•"/>
+            </a:pPr>
+            <a:r>
+              <a:rPr lang="en-US" sz="3600" b="1" dirty="0" err="1"/>
+              <a:t>OnInitialized</a:t>
+            </a:r>
+            <a:r>
+              <a:rPr lang="en-US" sz="3600" b="1" dirty="0"/>
+              <a:t>() </a:t>
+            </a:r>
+            <a:r>
+              <a:rPr lang="en-US" sz="3600" dirty="0"/>
+              <a:t>override: provides </a:t>
             </a:r>
             <a:r>
               <a:rPr lang="en-US" sz="3600" dirty="0" err="1"/>
@@ -9567,20 +10107,68 @@
             </a:r>
             <a:r>
               <a:rPr lang="en-US" sz="3600" dirty="0"/>
-              <a:t>, The App class needs to inherit from </a:t>
-            </a:r>
+              <a:t> initialization and navigation to app main page</a:t>
+            </a:r>
+          </a:p>
+          <a:p>
+            <a:pPr marL="571500" indent="-571500">
+              <a:buFont typeface="Arial" panose="020B0604020202020204" pitchFamily="34" charset="0"/>
+              <a:buChar char="•"/>
+            </a:pPr>
+            <a:endParaRPr lang="en-US" sz="3600" dirty="0"/>
+          </a:p>
+          <a:p>
+            <a:pPr marL="571500" indent="-571500">
+              <a:buFont typeface="Arial" panose="020B0604020202020204" pitchFamily="34" charset="0"/>
+              <a:buChar char="•"/>
+            </a:pPr>
             <a:r>
               <a:rPr lang="en-US" sz="3600" b="1" dirty="0" err="1"/>
-              <a:t>PrismApplication</a:t>
+              <a:t>RegisterTypes</a:t>
+            </a:r>
+            <a:r>
+              <a:rPr lang="en-US" sz="3600" b="1" dirty="0"/>
+              <a:t>() </a:t>
             </a:r>
             <a:r>
               <a:rPr lang="en-US" sz="3600" dirty="0"/>
-              <a:t> instead of </a:t>
-            </a:r>
-            <a:r>
-              <a:rPr lang="en-US" sz="3600" b="1" dirty="0"/>
-              <a:t>Application</a:t>
-            </a:r>
+              <a:t>override: provides a hook for common </a:t>
+            </a:r>
+            <a:r>
+              <a:rPr lang="en-US" sz="3600" dirty="0" err="1"/>
+              <a:t>Registations</a:t>
+            </a:r>
+            <a:r>
+              <a:rPr lang="en-US" sz="3600" dirty="0"/>
+              <a:t> with DI Container</a:t>
+            </a:r>
+          </a:p>
+          <a:p>
+            <a:pPr marL="571500" indent="-571500">
+              <a:buFont typeface="Arial" panose="020B0604020202020204" pitchFamily="34" charset="0"/>
+              <a:buChar char="•"/>
+            </a:pPr>
+            <a:endParaRPr lang="en-US" sz="3600" dirty="0"/>
+          </a:p>
+          <a:p>
+            <a:pPr marL="571500" indent="-571500">
+              <a:buFont typeface="Arial" panose="020B0604020202020204" pitchFamily="34" charset="0"/>
+              <a:buChar char="•"/>
+            </a:pPr>
+            <a:endParaRPr lang="en-US" sz="3600" dirty="0"/>
+          </a:p>
+          <a:p>
+            <a:pPr marL="571500" indent="-571500">
+              <a:buFont typeface="Arial" panose="020B0604020202020204" pitchFamily="34" charset="0"/>
+              <a:buChar char="•"/>
+            </a:pPr>
+            <a:endParaRPr lang="en-US" sz="3600" dirty="0"/>
+          </a:p>
+          <a:p>
+            <a:pPr marL="571500" indent="-571500">
+              <a:buFont typeface="Arial" panose="020B0604020202020204" pitchFamily="34" charset="0"/>
+              <a:buChar char="•"/>
+            </a:pPr>
             <a:endParaRPr lang="en-US" sz="3600" dirty="0"/>
           </a:p>
           <a:p>
@@ -9618,230 +10206,10 @@
           </a:p>
         </p:txBody>
       </p:sp>
-      <p:pic>
-        <p:nvPicPr>
-          <p:cNvPr id="2" name="Picture 1"/>
-          <p:cNvPicPr>
-            <a:picLocks noChangeAspect="1"/>
-          </p:cNvPicPr>
-          <p:nvPr/>
-        </p:nvPicPr>
-        <p:blipFill>
-          <a:blip r:embed="rId5"/>
-          <a:stretch>
-            <a:fillRect/>
-          </a:stretch>
-        </p:blipFill>
-        <p:spPr>
-          <a:xfrm>
-            <a:off x="3549761" y="2696811"/>
-            <a:ext cx="5972175" cy="1171575"/>
-          </a:xfrm>
-          <a:prstGeom prst="rect">
-            <a:avLst/>
-          </a:prstGeom>
-          <a:ln>
-            <a:noFill/>
-          </a:ln>
-          <a:effectLst>
-            <a:outerShdw blurRad="292100" dist="139700" dir="2700000" algn="tl" rotWithShape="0">
-              <a:srgbClr val="333333">
-                <a:alpha val="65000"/>
-              </a:srgbClr>
-            </a:outerShdw>
-          </a:effectLst>
-        </p:spPr>
-      </p:pic>
-      <p:pic>
-        <p:nvPicPr>
-          <p:cNvPr id="4" name="Picture 3"/>
-          <p:cNvPicPr>
-            <a:picLocks noChangeAspect="1"/>
-          </p:cNvPicPr>
-          <p:nvPr/>
-        </p:nvPicPr>
-        <p:blipFill>
-          <a:blip r:embed="rId6"/>
-          <a:stretch>
-            <a:fillRect/>
-          </a:stretch>
-        </p:blipFill>
-        <p:spPr>
-          <a:xfrm>
-            <a:off x="1134037" y="3521404"/>
-            <a:ext cx="2038350" cy="1428750"/>
-          </a:xfrm>
-          <a:prstGeom prst="rect">
-            <a:avLst/>
-          </a:prstGeom>
-          <a:ln>
-            <a:noFill/>
-          </a:ln>
-          <a:effectLst>
-            <a:outerShdw blurRad="292100" dist="139700" dir="2700000" algn="tl" rotWithShape="0">
-              <a:srgbClr val="333333">
-                <a:alpha val="65000"/>
-              </a:srgbClr>
-            </a:outerShdw>
-          </a:effectLst>
-        </p:spPr>
-      </p:pic>
-      <p:pic>
-        <p:nvPicPr>
-          <p:cNvPr id="5" name="Picture 4"/>
-          <p:cNvPicPr>
-            <a:picLocks noChangeAspect="1"/>
-          </p:cNvPicPr>
-          <p:nvPr/>
-        </p:nvPicPr>
-        <p:blipFill>
-          <a:blip r:embed="rId7"/>
-          <a:stretch>
-            <a:fillRect/>
-          </a:stretch>
-        </p:blipFill>
-        <p:spPr>
-          <a:xfrm>
-            <a:off x="3549761" y="4078864"/>
-            <a:ext cx="4768484" cy="2638512"/>
-          </a:xfrm>
-          <a:prstGeom prst="rect">
-            <a:avLst/>
-          </a:prstGeom>
-          <a:ln>
-            <a:noFill/>
-          </a:ln>
-          <a:effectLst>
-            <a:outerShdw blurRad="292100" dist="139700" dir="2700000" algn="tl" rotWithShape="0">
-              <a:srgbClr val="333333">
-                <a:alpha val="65000"/>
-              </a:srgbClr>
-            </a:outerShdw>
-          </a:effectLst>
-        </p:spPr>
-      </p:pic>
-      <p:sp>
-        <p:nvSpPr>
-          <p:cNvPr id="14" name="Title 2"/>
-          <p:cNvSpPr txBox="1">
-            <a:spLocks/>
-          </p:cNvSpPr>
-          <p:nvPr/>
-        </p:nvSpPr>
-        <p:spPr>
-          <a:xfrm>
-            <a:off x="9693641" y="3045130"/>
-            <a:ext cx="2257635" cy="583071"/>
-          </a:xfrm>
-          <a:prstGeom prst="rect">
-            <a:avLst/>
-          </a:prstGeom>
-        </p:spPr>
-        <p:txBody>
-          <a:bodyPr/>
-          <a:lstStyle>
-            <a:lvl1pPr algn="l" defTabSz="914367" rtl="0" eaLnBrk="1" latinLnBrk="0" hangingPunct="1">
-              <a:lnSpc>
-                <a:spcPct val="90000"/>
-              </a:lnSpc>
-              <a:spcBef>
-                <a:spcPct val="0"/>
-              </a:spcBef>
-              <a:buNone/>
-              <a:defRPr lang="en-US" sz="4705" b="0" kern="1200" cap="none" spc="-100" baseline="0" dirty="0" smtClean="0">
-                <a:ln w="3175">
-                  <a:noFill/>
-                </a:ln>
-                <a:gradFill>
-                  <a:gsLst>
-                    <a:gs pos="1250">
-                      <a:schemeClr val="tx1"/>
-                    </a:gs>
-                    <a:gs pos="100000">
-                      <a:schemeClr val="tx1"/>
-                    </a:gs>
-                  </a:gsLst>
-                  <a:lin ang="5400000" scaled="0"/>
-                </a:gradFill>
-                <a:effectLst/>
-                <a:latin typeface="+mj-lt"/>
-                <a:ea typeface="+mn-ea"/>
-                <a:cs typeface="Segoe UI" pitchFamily="34" charset="0"/>
-              </a:defRPr>
-            </a:lvl1pPr>
-          </a:lstStyle>
-          <a:p>
-            <a:r>
-              <a:rPr lang="en-US" sz="3200" dirty="0" err="1"/>
-              <a:t>App.xaml</a:t>
-            </a:r>
-            <a:endParaRPr lang="en-US" sz="3200" dirty="0"/>
-          </a:p>
-        </p:txBody>
-      </p:sp>
-      <p:sp>
-        <p:nvSpPr>
-          <p:cNvPr id="15" name="Title 2"/>
-          <p:cNvSpPr txBox="1">
-            <a:spLocks/>
-          </p:cNvSpPr>
-          <p:nvPr/>
-        </p:nvSpPr>
-        <p:spPr>
-          <a:xfrm>
-            <a:off x="8393118" y="5188593"/>
-            <a:ext cx="2257635" cy="583071"/>
-          </a:xfrm>
-          <a:prstGeom prst="rect">
-            <a:avLst/>
-          </a:prstGeom>
-        </p:spPr>
-        <p:txBody>
-          <a:bodyPr/>
-          <a:lstStyle>
-            <a:lvl1pPr algn="l" defTabSz="914367" rtl="0" eaLnBrk="1" latinLnBrk="0" hangingPunct="1">
-              <a:lnSpc>
-                <a:spcPct val="90000"/>
-              </a:lnSpc>
-              <a:spcBef>
-                <a:spcPct val="0"/>
-              </a:spcBef>
-              <a:buNone/>
-              <a:defRPr lang="en-US" sz="4705" b="0" kern="1200" cap="none" spc="-100" baseline="0" dirty="0" smtClean="0">
-                <a:ln w="3175">
-                  <a:noFill/>
-                </a:ln>
-                <a:gradFill>
-                  <a:gsLst>
-                    <a:gs pos="1250">
-                      <a:schemeClr val="tx1"/>
-                    </a:gs>
-                    <a:gs pos="100000">
-                      <a:schemeClr val="tx1"/>
-                    </a:gs>
-                  </a:gsLst>
-                  <a:lin ang="5400000" scaled="0"/>
-                </a:gradFill>
-                <a:effectLst/>
-                <a:latin typeface="+mj-lt"/>
-                <a:ea typeface="+mn-ea"/>
-                <a:cs typeface="Segoe UI" pitchFamily="34" charset="0"/>
-              </a:defRPr>
-            </a:lvl1pPr>
-          </a:lstStyle>
-          <a:p>
-            <a:r>
-              <a:rPr lang="en-US" sz="3200" dirty="0" err="1"/>
-              <a:t>App.xaml.cs</a:t>
-            </a:r>
-            <a:endParaRPr lang="en-US" sz="3200" dirty="0"/>
-          </a:p>
-        </p:txBody>
-      </p:sp>
     </p:spTree>
     <p:extLst>
       <p:ext uri="{BB962C8B-B14F-4D97-AF65-F5344CB8AC3E}">
-        <p14:creationId xmlns:p14="http://schemas.microsoft.com/office/powerpoint/2010/main" val="2192424861"/>
+        <p14:creationId xmlns:p14="http://schemas.microsoft.com/office/powerpoint/2010/main" val="1390275784"/>
       </p:ext>
     </p:extLst>
   </p:cSld>
@@ -9967,7 +10335,7 @@
         <p:spPr>
           <a:xfrm>
             <a:off x="226484" y="129039"/>
-            <a:ext cx="8033595" cy="786080"/>
+            <a:ext cx="8414596" cy="786080"/>
           </a:xfrm>
           <a:prstGeom prst="rect">
             <a:avLst/>
@@ -10008,9 +10376,14 @@
           </a:lstStyle>
           <a:p>
             <a:r>
-              <a:rPr lang="en-US" sz="6000" dirty="0"/>
-              <a:t>App Class </a:t>
-            </a:r>
+              <a:rPr lang="en-US" sz="5300" dirty="0"/>
+              <a:t>Connect Views &amp; </a:t>
+            </a:r>
+            <a:r>
+              <a:rPr lang="en-US" sz="5000" dirty="0" err="1"/>
+              <a:t>ViewModels</a:t>
+            </a:r>
+            <a:endParaRPr lang="en-US" sz="5000" dirty="0"/>
           </a:p>
         </p:txBody>
       </p:sp>
@@ -10121,457 +10494,6 @@
           </a:lstStyle>
           <a:p>
             <a:r>
-              <a:rPr lang="en-US" sz="3600" dirty="0"/>
-              <a:t>Prism adds 3 features to app class:</a:t>
-            </a:r>
-          </a:p>
-          <a:p>
-            <a:pPr marL="571500" indent="-571500">
-              <a:buFont typeface="Arial" panose="020B0604020202020204" pitchFamily="34" charset="0"/>
-              <a:buChar char="•"/>
-            </a:pPr>
-            <a:r>
-              <a:rPr lang="en-US" sz="3600" b="1" dirty="0" err="1"/>
-              <a:t>Ctor</a:t>
-            </a:r>
-            <a:r>
-              <a:rPr lang="en-US" sz="3600" dirty="0"/>
-              <a:t> takes </a:t>
-            </a:r>
-            <a:r>
-              <a:rPr lang="en-US" sz="3600" b="1" dirty="0" err="1"/>
-              <a:t>IPlatformInitializer</a:t>
-            </a:r>
-            <a:r>
-              <a:rPr lang="en-US" sz="3600" dirty="0"/>
-              <a:t> parameter: provides a hook for platform specific </a:t>
-            </a:r>
-            <a:r>
-              <a:rPr lang="en-US" sz="3600" dirty="0" err="1"/>
-              <a:t>Registations</a:t>
-            </a:r>
-            <a:r>
-              <a:rPr lang="en-US" sz="3600" dirty="0"/>
-              <a:t> with DI Container</a:t>
-            </a:r>
-          </a:p>
-          <a:p>
-            <a:pPr marL="571500" indent="-571500">
-              <a:buFont typeface="Arial" panose="020B0604020202020204" pitchFamily="34" charset="0"/>
-              <a:buChar char="•"/>
-            </a:pPr>
-            <a:endParaRPr lang="en-US" sz="3600" dirty="0"/>
-          </a:p>
-          <a:p>
-            <a:pPr marL="571500" indent="-571500">
-              <a:buFont typeface="Arial" panose="020B0604020202020204" pitchFamily="34" charset="0"/>
-              <a:buChar char="•"/>
-            </a:pPr>
-            <a:r>
-              <a:rPr lang="en-US" sz="3600" b="1" dirty="0" err="1"/>
-              <a:t>OnInitialized</a:t>
-            </a:r>
-            <a:r>
-              <a:rPr lang="en-US" sz="3600" b="1" dirty="0"/>
-              <a:t>() </a:t>
-            </a:r>
-            <a:r>
-              <a:rPr lang="en-US" sz="3600" dirty="0"/>
-              <a:t>override: provides </a:t>
-            </a:r>
-            <a:r>
-              <a:rPr lang="en-US" sz="3600" dirty="0" err="1"/>
-              <a:t>Xamarin.Forms</a:t>
-            </a:r>
-            <a:r>
-              <a:rPr lang="en-US" sz="3600" dirty="0"/>
-              <a:t> initialization and navigation to app main page</a:t>
-            </a:r>
-          </a:p>
-          <a:p>
-            <a:pPr marL="571500" indent="-571500">
-              <a:buFont typeface="Arial" panose="020B0604020202020204" pitchFamily="34" charset="0"/>
-              <a:buChar char="•"/>
-            </a:pPr>
-            <a:endParaRPr lang="en-US" sz="3600" dirty="0"/>
-          </a:p>
-          <a:p>
-            <a:pPr marL="571500" indent="-571500">
-              <a:buFont typeface="Arial" panose="020B0604020202020204" pitchFamily="34" charset="0"/>
-              <a:buChar char="•"/>
-            </a:pPr>
-            <a:r>
-              <a:rPr lang="en-US" sz="3600" b="1" dirty="0" err="1"/>
-              <a:t>RegisterTypes</a:t>
-            </a:r>
-            <a:r>
-              <a:rPr lang="en-US" sz="3600" b="1" dirty="0"/>
-              <a:t>() </a:t>
-            </a:r>
-            <a:r>
-              <a:rPr lang="en-US" sz="3600" dirty="0"/>
-              <a:t>override: provides a hook for common </a:t>
-            </a:r>
-            <a:r>
-              <a:rPr lang="en-US" sz="3600" dirty="0" err="1"/>
-              <a:t>Registations</a:t>
-            </a:r>
-            <a:r>
-              <a:rPr lang="en-US" sz="3600" dirty="0"/>
-              <a:t> with DI Container</a:t>
-            </a:r>
-          </a:p>
-          <a:p>
-            <a:pPr marL="571500" indent="-571500">
-              <a:buFont typeface="Arial" panose="020B0604020202020204" pitchFamily="34" charset="0"/>
-              <a:buChar char="•"/>
-            </a:pPr>
-            <a:endParaRPr lang="en-US" sz="3600" dirty="0"/>
-          </a:p>
-          <a:p>
-            <a:pPr marL="571500" indent="-571500">
-              <a:buFont typeface="Arial" panose="020B0604020202020204" pitchFamily="34" charset="0"/>
-              <a:buChar char="•"/>
-            </a:pPr>
-            <a:endParaRPr lang="en-US" sz="3600" dirty="0"/>
-          </a:p>
-          <a:p>
-            <a:pPr marL="571500" indent="-571500">
-              <a:buFont typeface="Arial" panose="020B0604020202020204" pitchFamily="34" charset="0"/>
-              <a:buChar char="•"/>
-            </a:pPr>
-            <a:endParaRPr lang="en-US" sz="3600" dirty="0"/>
-          </a:p>
-          <a:p>
-            <a:pPr marL="571500" indent="-571500">
-              <a:buFont typeface="Arial" panose="020B0604020202020204" pitchFamily="34" charset="0"/>
-              <a:buChar char="•"/>
-            </a:pPr>
-            <a:endParaRPr lang="en-US" sz="3600" dirty="0"/>
-          </a:p>
-          <a:p>
-            <a:endParaRPr lang="en-US" sz="3600" dirty="0">
-              <a:solidFill>
-                <a:schemeClr val="tx1">
-                  <a:lumMod val="50000"/>
-                </a:schemeClr>
-              </a:solidFill>
-            </a:endParaRPr>
-          </a:p>
-          <a:p>
-            <a:endParaRPr lang="en-US" sz="3600" dirty="0">
-              <a:solidFill>
-                <a:schemeClr val="tx1"/>
-              </a:solidFill>
-            </a:endParaRPr>
-          </a:p>
-          <a:p>
-            <a:endParaRPr lang="en-US" sz="4000" dirty="0">
-              <a:solidFill>
-                <a:schemeClr val="tx2">
-                  <a:lumMod val="60000"/>
-                  <a:lumOff val="40000"/>
-                </a:schemeClr>
-              </a:solidFill>
-            </a:endParaRPr>
-          </a:p>
-          <a:p>
-            <a:pPr marL="685800" indent="-685800">
-              <a:buFont typeface="Arial" panose="020B0604020202020204" pitchFamily="34" charset="0"/>
-              <a:buChar char="•"/>
-            </a:pPr>
-            <a:endParaRPr lang="en-US" sz="4000" dirty="0"/>
-          </a:p>
-        </p:txBody>
-      </p:sp>
-    </p:spTree>
-    <p:extLst>
-      <p:ext uri="{BB962C8B-B14F-4D97-AF65-F5344CB8AC3E}">
-        <p14:creationId xmlns:p14="http://schemas.microsoft.com/office/powerpoint/2010/main" val="1390275784"/>
-      </p:ext>
-    </p:extLst>
-  </p:cSld>
-  <p:clrMapOvr>
-    <a:masterClrMapping/>
-  </p:clrMapOvr>
-  <p:transition>
-    <p:fade/>
-  </p:transition>
-</p:sld>
-</file>
-
-<file path=ppt/slides/slide12.xml><?xml version="1.0" encoding="utf-8"?>
-<p:sld xmlns:a="http://schemas.openxmlformats.org/drawingml/2006/main" xmlns:r="http://schemas.openxmlformats.org/officeDocument/2006/relationships" xmlns:p="http://schemas.openxmlformats.org/presentationml/2006/main">
-  <p:cSld>
-    <p:bg>
-      <p:bgPr>
-        <a:blipFill dpi="0" rotWithShape="1">
-          <a:blip r:embed="rId3">
-            <a:alphaModFix amt="12000"/>
-            <a:lum/>
-          </a:blip>
-          <a:srcRect/>
-          <a:stretch>
-            <a:fillRect l="-45000" t="-39000" r="45000" b="-39000"/>
-          </a:stretch>
-        </a:blipFill>
-        <a:effectLst/>
-      </p:bgPr>
-    </p:bg>
-    <p:spTree>
-      <p:nvGrpSpPr>
-        <p:cNvPr id="1" name=""/>
-        <p:cNvGrpSpPr/>
-        <p:nvPr/>
-      </p:nvGrpSpPr>
-      <p:grpSpPr>
-        <a:xfrm>
-          <a:off x="0" y="0"/>
-          <a:ext cx="0" cy="0"/>
-          <a:chOff x="0" y="0"/>
-          <a:chExt cx="0" cy="0"/>
-        </a:xfrm>
-      </p:grpSpPr>
-      <p:sp>
-        <p:nvSpPr>
-          <p:cNvPr id="8" name="TextBox 7"/>
-          <p:cNvSpPr txBox="1"/>
-          <p:nvPr/>
-        </p:nvSpPr>
-        <p:spPr>
-          <a:xfrm>
-            <a:off x="4145965" y="-846623"/>
-            <a:ext cx="362072" cy="621556"/>
-          </a:xfrm>
-          <a:prstGeom prst="rect">
-            <a:avLst/>
-          </a:prstGeom>
-          <a:noFill/>
-        </p:spPr>
-        <p:txBody>
-          <a:bodyPr wrap="none" lIns="179285" tIns="143428" rIns="179285" bIns="143428" rtlCol="0">
-            <a:spAutoFit/>
-          </a:bodyPr>
-          <a:lstStyle/>
-          <a:p>
-            <a:pPr>
-              <a:lnSpc>
-                <a:spcPct val="90000"/>
-              </a:lnSpc>
-              <a:spcAft>
-                <a:spcPts val="588"/>
-              </a:spcAft>
-            </a:pPr>
-            <a:endParaRPr lang="en-US" sz="2353" dirty="0" err="1">
-              <a:gradFill>
-                <a:gsLst>
-                  <a:gs pos="2917">
-                    <a:schemeClr val="tx1"/>
-                  </a:gs>
-                  <a:gs pos="30000">
-                    <a:schemeClr val="tx1"/>
-                  </a:gs>
-                </a:gsLst>
-                <a:lin ang="5400000" scaled="0"/>
-              </a:gradFill>
-            </a:endParaRPr>
-          </a:p>
-        </p:txBody>
-      </p:sp>
-      <p:pic>
-        <p:nvPicPr>
-          <p:cNvPr id="6" name="Picture 5"/>
-          <p:cNvPicPr>
-            <a:picLocks noChangeAspect="1"/>
-          </p:cNvPicPr>
-          <p:nvPr/>
-        </p:nvPicPr>
-        <p:blipFill>
-          <a:blip r:embed="rId4"/>
-          <a:stretch>
-            <a:fillRect/>
-          </a:stretch>
-        </p:blipFill>
-        <p:spPr>
-          <a:xfrm>
-            <a:off x="8386354" y="301617"/>
-            <a:ext cx="3564922" cy="440924"/>
-          </a:xfrm>
-          <a:prstGeom prst="rect">
-            <a:avLst/>
-          </a:prstGeom>
-        </p:spPr>
-      </p:pic>
-      <p:sp>
-        <p:nvSpPr>
-          <p:cNvPr id="9" name="Title 2"/>
-          <p:cNvSpPr txBox="1">
-            <a:spLocks/>
-          </p:cNvSpPr>
-          <p:nvPr/>
-        </p:nvSpPr>
-        <p:spPr>
-          <a:xfrm>
-            <a:off x="226484" y="129039"/>
-            <a:ext cx="8414596" cy="786080"/>
-          </a:xfrm>
-          <a:prstGeom prst="rect">
-            <a:avLst/>
-          </a:prstGeom>
-        </p:spPr>
-        <p:txBody>
-          <a:bodyPr/>
-          <a:lstStyle>
-            <a:lvl1pPr algn="l" defTabSz="914367" rtl="0" eaLnBrk="1" latinLnBrk="0" hangingPunct="1">
-              <a:lnSpc>
-                <a:spcPct val="90000"/>
-              </a:lnSpc>
-              <a:spcBef>
-                <a:spcPct val="0"/>
-              </a:spcBef>
-              <a:buNone/>
-              <a:defRPr lang="en-US" sz="4705" b="0" kern="1200" cap="none" spc="-100" baseline="0" dirty="0" smtClean="0">
-                <a:ln w="3175">
-                  <a:noFill/>
-                </a:ln>
-                <a:gradFill>
-                  <a:gsLst>
-                    <a:gs pos="1250">
-                      <a:schemeClr val="tx1"/>
-                    </a:gs>
-                    <a:gs pos="100000">
-                      <a:schemeClr val="tx1"/>
-                    </a:gs>
-                  </a:gsLst>
-                  <a:lin ang="5400000" scaled="0"/>
-                </a:gradFill>
-                <a:effectLst/>
-                <a:latin typeface="+mj-lt"/>
-                <a:ea typeface="+mn-ea"/>
-                <a:cs typeface="Segoe UI" pitchFamily="34" charset="0"/>
-              </a:defRPr>
-            </a:lvl1pPr>
-          </a:lstStyle>
-          <a:p>
-            <a:r>
-              <a:rPr lang="en-US" sz="5300" dirty="0"/>
-              <a:t>Connect Views &amp; </a:t>
-            </a:r>
-            <a:r>
-              <a:rPr lang="en-US" sz="5000" dirty="0" err="1"/>
-              <a:t>ViewModels</a:t>
-            </a:r>
-            <a:endParaRPr lang="en-US" sz="5000" dirty="0"/>
-          </a:p>
-        </p:txBody>
-      </p:sp>
-      <p:sp>
-        <p:nvSpPr>
-          <p:cNvPr id="7" name="Title 2"/>
-          <p:cNvSpPr txBox="1">
-            <a:spLocks/>
-          </p:cNvSpPr>
-          <p:nvPr/>
-        </p:nvSpPr>
-        <p:spPr>
-          <a:xfrm>
-            <a:off x="660825" y="898853"/>
-            <a:ext cx="2257635" cy="583071"/>
-          </a:xfrm>
-          <a:prstGeom prst="rect">
-            <a:avLst/>
-          </a:prstGeom>
-        </p:spPr>
-        <p:txBody>
-          <a:bodyPr/>
-          <a:lstStyle>
-            <a:lvl1pPr algn="l" defTabSz="914367" rtl="0" eaLnBrk="1" latinLnBrk="0" hangingPunct="1">
-              <a:lnSpc>
-                <a:spcPct val="90000"/>
-              </a:lnSpc>
-              <a:spcBef>
-                <a:spcPct val="0"/>
-              </a:spcBef>
-              <a:buNone/>
-              <a:defRPr lang="en-US" sz="4705" b="0" kern="1200" cap="none" spc="-100" baseline="0" dirty="0" smtClean="0">
-                <a:ln w="3175">
-                  <a:noFill/>
-                </a:ln>
-                <a:gradFill>
-                  <a:gsLst>
-                    <a:gs pos="1250">
-                      <a:schemeClr val="tx1"/>
-                    </a:gs>
-                    <a:gs pos="100000">
-                      <a:schemeClr val="tx1"/>
-                    </a:gs>
-                  </a:gsLst>
-                  <a:lin ang="5400000" scaled="0"/>
-                </a:gradFill>
-                <a:effectLst/>
-                <a:latin typeface="+mj-lt"/>
-                <a:ea typeface="+mn-ea"/>
-                <a:cs typeface="Segoe UI" pitchFamily="34" charset="0"/>
-              </a:defRPr>
-            </a:lvl1pPr>
-          </a:lstStyle>
-          <a:p>
-            <a:endParaRPr lang="en-US" sz="3200" dirty="0"/>
-          </a:p>
-        </p:txBody>
-      </p:sp>
-      <p:sp>
-        <p:nvSpPr>
-          <p:cNvPr id="10" name="Title 2"/>
-          <p:cNvSpPr txBox="1">
-            <a:spLocks/>
-          </p:cNvSpPr>
-          <p:nvPr/>
-        </p:nvSpPr>
-        <p:spPr>
-          <a:xfrm>
-            <a:off x="316424" y="1566405"/>
-            <a:ext cx="11448856" cy="4857255"/>
-          </a:xfrm>
-          <a:prstGeom prst="rect">
-            <a:avLst/>
-          </a:prstGeom>
-        </p:spPr>
-        <p:txBody>
-          <a:bodyPr/>
-          <a:lstStyle>
-            <a:lvl1pPr algn="l" defTabSz="914367" rtl="0" eaLnBrk="1" latinLnBrk="0" hangingPunct="1">
-              <a:lnSpc>
-                <a:spcPct val="90000"/>
-              </a:lnSpc>
-              <a:spcBef>
-                <a:spcPct val="0"/>
-              </a:spcBef>
-              <a:buNone/>
-              <a:defRPr lang="en-US" sz="4705" b="0" kern="1200" cap="none" spc="-100" baseline="0" dirty="0" smtClean="0">
-                <a:ln w="3175">
-                  <a:noFill/>
-                </a:ln>
-                <a:gradFill>
-                  <a:gsLst>
-                    <a:gs pos="1250">
-                      <a:schemeClr val="tx1"/>
-                    </a:gs>
-                    <a:gs pos="100000">
-                      <a:schemeClr val="tx1"/>
-                    </a:gs>
-                  </a:gsLst>
-                  <a:lin ang="5400000" scaled="0"/>
-                </a:gradFill>
-                <a:effectLst/>
-                <a:latin typeface="+mj-lt"/>
-                <a:ea typeface="+mn-ea"/>
-                <a:cs typeface="Segoe UI" pitchFamily="34" charset="0"/>
-              </a:defRPr>
-            </a:lvl1pPr>
-          </a:lstStyle>
-          <a:p>
-            <a:r>
               <a:rPr lang="en-GB" sz="3600" dirty="0"/>
               <a:t>Assign </a:t>
             </a:r>
@@ -10743,7 +10665,7 @@
 </p:sld>
 </file>
 
-<file path=ppt/slides/slide13.xml><?xml version="1.0" encoding="utf-8"?>
+<file path=ppt/slides/slide12.xml><?xml version="1.0" encoding="utf-8"?>
 <p:sld xmlns:a="http://schemas.openxmlformats.org/drawingml/2006/main" xmlns:r="http://schemas.openxmlformats.org/officeDocument/2006/relationships" xmlns:p="http://schemas.openxmlformats.org/presentationml/2006/main">
   <p:cSld>
     <p:bg>
@@ -11253,7 +11175,7 @@
 </p:sld>
 </file>
 
-<file path=ppt/slides/slide14.xml><?xml version="1.0" encoding="utf-8"?>
+<file path=ppt/slides/slide13.xml><?xml version="1.0" encoding="utf-8"?>
 <p:sld xmlns:a="http://schemas.openxmlformats.org/drawingml/2006/main" xmlns:r="http://schemas.openxmlformats.org/officeDocument/2006/relationships" xmlns:p="http://schemas.openxmlformats.org/presentationml/2006/main">
   <p:cSld>
     <p:bg>
@@ -11733,7 +11655,7 @@
 </p:sld>
 </file>
 
-<file path=ppt/slides/slide15.xml><?xml version="1.0" encoding="utf-8"?>
+<file path=ppt/slides/slide14.xml><?xml version="1.0" encoding="utf-8"?>
 <p:sld xmlns:a="http://schemas.openxmlformats.org/drawingml/2006/main" xmlns:r="http://schemas.openxmlformats.org/officeDocument/2006/relationships" xmlns:p="http://schemas.openxmlformats.org/presentationml/2006/main">
   <p:cSld>
     <p:bg>
@@ -12223,7 +12145,7 @@
 </p:sld>
 </file>
 
-<file path=ppt/slides/slide16.xml><?xml version="1.0" encoding="utf-8"?>
+<file path=ppt/slides/slide15.xml><?xml version="1.0" encoding="utf-8"?>
 <p:sld xmlns:a="http://schemas.openxmlformats.org/drawingml/2006/main" xmlns:r="http://schemas.openxmlformats.org/officeDocument/2006/relationships" xmlns:p="http://schemas.openxmlformats.org/presentationml/2006/main">
   <p:cSld>
     <p:bg>
@@ -12635,7 +12557,7 @@
 </p:sld>
 </file>
 
-<file path=ppt/slides/slide17.xml><?xml version="1.0" encoding="utf-8"?>
+<file path=ppt/slides/slide16.xml><?xml version="1.0" encoding="utf-8"?>
 <p:sld xmlns:a="http://schemas.openxmlformats.org/drawingml/2006/main" xmlns:r="http://schemas.openxmlformats.org/officeDocument/2006/relationships" xmlns:p="http://schemas.openxmlformats.org/presentationml/2006/main">
   <p:cSld>
     <p:bg>
@@ -13015,7 +12937,7 @@
 </p:sld>
 </file>
 
-<file path=ppt/slides/slide18.xml><?xml version="1.0" encoding="utf-8"?>
+<file path=ppt/slides/slide17.xml><?xml version="1.0" encoding="utf-8"?>
 <p:sld xmlns:a="http://schemas.openxmlformats.org/drawingml/2006/main" xmlns:r="http://schemas.openxmlformats.org/officeDocument/2006/relationships" xmlns:p="http://schemas.openxmlformats.org/presentationml/2006/main">
   <p:cSld>
     <p:bg>
@@ -13430,7 +13352,7 @@
 </p:sld>
 </file>
 
-<file path=ppt/slides/slide19.xml><?xml version="1.0" encoding="utf-8"?>
+<file path=ppt/slides/slide18.xml><?xml version="1.0" encoding="utf-8"?>
 <p:sld xmlns:a="http://schemas.openxmlformats.org/drawingml/2006/main" xmlns:r="http://schemas.openxmlformats.org/officeDocument/2006/relationships" xmlns:p="http://schemas.openxmlformats.org/presentationml/2006/main">
   <p:cSld>
     <p:bg>
@@ -13768,6 +13690,397 @@
 </p:sld>
 </file>
 
+<file path=ppt/slides/slide19.xml><?xml version="1.0" encoding="utf-8"?>
+<p:sld xmlns:a="http://schemas.openxmlformats.org/drawingml/2006/main" xmlns:r="http://schemas.openxmlformats.org/officeDocument/2006/relationships" xmlns:p="http://schemas.openxmlformats.org/presentationml/2006/main">
+  <p:cSld>
+    <p:bg>
+      <p:bgPr>
+        <a:blipFill dpi="0" rotWithShape="1">
+          <a:blip r:embed="rId3">
+            <a:alphaModFix amt="12000"/>
+            <a:lum/>
+          </a:blip>
+          <a:srcRect/>
+          <a:stretch>
+            <a:fillRect l="-45000" t="-39000" r="45000" b="-39000"/>
+          </a:stretch>
+        </a:blipFill>
+        <a:effectLst/>
+      </p:bgPr>
+    </p:bg>
+    <p:spTree>
+      <p:nvGrpSpPr>
+        <p:cNvPr id="1" name=""/>
+        <p:cNvGrpSpPr/>
+        <p:nvPr/>
+      </p:nvGrpSpPr>
+      <p:grpSpPr>
+        <a:xfrm>
+          <a:off x="0" y="0"/>
+          <a:ext cx="0" cy="0"/>
+          <a:chOff x="0" y="0"/>
+          <a:chExt cx="0" cy="0"/>
+        </a:xfrm>
+      </p:grpSpPr>
+      <p:sp>
+        <p:nvSpPr>
+          <p:cNvPr id="8" name="TextBox 7"/>
+          <p:cNvSpPr txBox="1"/>
+          <p:nvPr/>
+        </p:nvSpPr>
+        <p:spPr>
+          <a:xfrm>
+            <a:off x="4145965" y="-846623"/>
+            <a:ext cx="362072" cy="621556"/>
+          </a:xfrm>
+          <a:prstGeom prst="rect">
+            <a:avLst/>
+          </a:prstGeom>
+          <a:noFill/>
+        </p:spPr>
+        <p:txBody>
+          <a:bodyPr wrap="none" lIns="179285" tIns="143428" rIns="179285" bIns="143428" rtlCol="0">
+            <a:spAutoFit/>
+          </a:bodyPr>
+          <a:lstStyle/>
+          <a:p>
+            <a:pPr>
+              <a:lnSpc>
+                <a:spcPct val="90000"/>
+              </a:lnSpc>
+              <a:spcAft>
+                <a:spcPts val="588"/>
+              </a:spcAft>
+            </a:pPr>
+            <a:endParaRPr lang="en-US" sz="2353" dirty="0" err="1">
+              <a:gradFill>
+                <a:gsLst>
+                  <a:gs pos="2917">
+                    <a:schemeClr val="tx1"/>
+                  </a:gs>
+                  <a:gs pos="30000">
+                    <a:schemeClr val="tx1"/>
+                  </a:gs>
+                </a:gsLst>
+                <a:lin ang="5400000" scaled="0"/>
+              </a:gradFill>
+            </a:endParaRPr>
+          </a:p>
+        </p:txBody>
+      </p:sp>
+      <p:pic>
+        <p:nvPicPr>
+          <p:cNvPr id="6" name="Picture 5"/>
+          <p:cNvPicPr>
+            <a:picLocks noChangeAspect="1"/>
+          </p:cNvPicPr>
+          <p:nvPr/>
+        </p:nvPicPr>
+        <p:blipFill>
+          <a:blip r:embed="rId4"/>
+          <a:stretch>
+            <a:fillRect/>
+          </a:stretch>
+        </p:blipFill>
+        <p:spPr>
+          <a:xfrm>
+            <a:off x="8386354" y="301617"/>
+            <a:ext cx="3564922" cy="440924"/>
+          </a:xfrm>
+          <a:prstGeom prst="rect">
+            <a:avLst/>
+          </a:prstGeom>
+        </p:spPr>
+      </p:pic>
+      <p:sp>
+        <p:nvSpPr>
+          <p:cNvPr id="9" name="Title 2"/>
+          <p:cNvSpPr txBox="1">
+            <a:spLocks/>
+          </p:cNvSpPr>
+          <p:nvPr/>
+        </p:nvSpPr>
+        <p:spPr>
+          <a:xfrm>
+            <a:off x="226484" y="129039"/>
+            <a:ext cx="8414596" cy="786080"/>
+          </a:xfrm>
+          <a:prstGeom prst="rect">
+            <a:avLst/>
+          </a:prstGeom>
+        </p:spPr>
+        <p:txBody>
+          <a:bodyPr/>
+          <a:lstStyle>
+            <a:lvl1pPr algn="l" defTabSz="914367" rtl="0" eaLnBrk="1" latinLnBrk="0" hangingPunct="1">
+              <a:lnSpc>
+                <a:spcPct val="90000"/>
+              </a:lnSpc>
+              <a:spcBef>
+                <a:spcPct val="0"/>
+              </a:spcBef>
+              <a:buNone/>
+              <a:defRPr lang="en-US" sz="4705" b="0" kern="1200" cap="none" spc="-100" baseline="0" dirty="0" smtClean="0">
+                <a:ln w="3175">
+                  <a:noFill/>
+                </a:ln>
+                <a:gradFill>
+                  <a:gsLst>
+                    <a:gs pos="1250">
+                      <a:schemeClr val="tx1"/>
+                    </a:gs>
+                    <a:gs pos="100000">
+                      <a:schemeClr val="tx1"/>
+                    </a:gs>
+                  </a:gsLst>
+                  <a:lin ang="5400000" scaled="0"/>
+                </a:gradFill>
+                <a:effectLst/>
+                <a:latin typeface="+mj-lt"/>
+                <a:ea typeface="+mn-ea"/>
+                <a:cs typeface="Segoe UI" pitchFamily="34" charset="0"/>
+              </a:defRPr>
+            </a:lvl1pPr>
+          </a:lstStyle>
+          <a:p>
+            <a:r>
+              <a:rPr lang="en-US" sz="5000" dirty="0"/>
+              <a:t>Navigation </a:t>
+            </a:r>
+            <a:r>
+              <a:rPr lang="en-US" sz="5000" dirty="0" err="1"/>
+              <a:t>LifeCycle</a:t>
+            </a:r>
+            <a:endParaRPr lang="en-US" sz="5000" dirty="0"/>
+          </a:p>
+        </p:txBody>
+      </p:sp>
+      <p:sp>
+        <p:nvSpPr>
+          <p:cNvPr id="7" name="Title 2"/>
+          <p:cNvSpPr txBox="1">
+            <a:spLocks/>
+          </p:cNvSpPr>
+          <p:nvPr/>
+        </p:nvSpPr>
+        <p:spPr>
+          <a:xfrm>
+            <a:off x="660825" y="898853"/>
+            <a:ext cx="2257635" cy="583071"/>
+          </a:xfrm>
+          <a:prstGeom prst="rect">
+            <a:avLst/>
+          </a:prstGeom>
+        </p:spPr>
+        <p:txBody>
+          <a:bodyPr/>
+          <a:lstStyle>
+            <a:lvl1pPr algn="l" defTabSz="914367" rtl="0" eaLnBrk="1" latinLnBrk="0" hangingPunct="1">
+              <a:lnSpc>
+                <a:spcPct val="90000"/>
+              </a:lnSpc>
+              <a:spcBef>
+                <a:spcPct val="0"/>
+              </a:spcBef>
+              <a:buNone/>
+              <a:defRPr lang="en-US" sz="4705" b="0" kern="1200" cap="none" spc="-100" baseline="0" dirty="0" smtClean="0">
+                <a:ln w="3175">
+                  <a:noFill/>
+                </a:ln>
+                <a:gradFill>
+                  <a:gsLst>
+                    <a:gs pos="1250">
+                      <a:schemeClr val="tx1"/>
+                    </a:gs>
+                    <a:gs pos="100000">
+                      <a:schemeClr val="tx1"/>
+                    </a:gs>
+                  </a:gsLst>
+                  <a:lin ang="5400000" scaled="0"/>
+                </a:gradFill>
+                <a:effectLst/>
+                <a:latin typeface="+mj-lt"/>
+                <a:ea typeface="+mn-ea"/>
+                <a:cs typeface="Segoe UI" pitchFamily="34" charset="0"/>
+              </a:defRPr>
+            </a:lvl1pPr>
+          </a:lstStyle>
+          <a:p>
+            <a:endParaRPr lang="en-US" sz="3200" dirty="0"/>
+          </a:p>
+        </p:txBody>
+      </p:sp>
+      <p:sp>
+        <p:nvSpPr>
+          <p:cNvPr id="10" name="Title 2"/>
+          <p:cNvSpPr txBox="1">
+            <a:spLocks/>
+          </p:cNvSpPr>
+          <p:nvPr/>
+        </p:nvSpPr>
+        <p:spPr>
+          <a:xfrm>
+            <a:off x="316423" y="1270688"/>
+            <a:ext cx="11724199" cy="4841677"/>
+          </a:xfrm>
+          <a:prstGeom prst="rect">
+            <a:avLst/>
+          </a:prstGeom>
+        </p:spPr>
+        <p:txBody>
+          <a:bodyPr/>
+          <a:lstStyle>
+            <a:lvl1pPr algn="l" defTabSz="914367" rtl="0" eaLnBrk="1" latinLnBrk="0" hangingPunct="1">
+              <a:lnSpc>
+                <a:spcPct val="90000"/>
+              </a:lnSpc>
+              <a:spcBef>
+                <a:spcPct val="0"/>
+              </a:spcBef>
+              <a:buNone/>
+              <a:defRPr lang="en-US" sz="4705" b="0" kern="1200" cap="none" spc="-100" baseline="0" dirty="0" smtClean="0">
+                <a:ln w="3175">
+                  <a:noFill/>
+                </a:ln>
+                <a:gradFill>
+                  <a:gsLst>
+                    <a:gs pos="1250">
+                      <a:schemeClr val="tx1"/>
+                    </a:gs>
+                    <a:gs pos="100000">
+                      <a:schemeClr val="tx1"/>
+                    </a:gs>
+                  </a:gsLst>
+                  <a:lin ang="5400000" scaled="0"/>
+                </a:gradFill>
+                <a:effectLst/>
+                <a:latin typeface="+mj-lt"/>
+                <a:ea typeface="+mn-ea"/>
+                <a:cs typeface="Segoe UI" pitchFamily="34" charset="0"/>
+              </a:defRPr>
+            </a:lvl1pPr>
+          </a:lstStyle>
+          <a:p>
+            <a:pPr marL="571500" indent="-571500">
+              <a:buFont typeface="Arial" panose="020B0604020202020204" pitchFamily="34" charset="0"/>
+              <a:buChar char="•"/>
+            </a:pPr>
+            <a:r>
+              <a:rPr lang="en-GB" sz="3600" dirty="0"/>
+              <a:t>We want to retrieve data asynchronously</a:t>
+            </a:r>
+          </a:p>
+          <a:p>
+            <a:pPr marL="571500" indent="-571500">
+              <a:buFont typeface="Arial" panose="020B0604020202020204" pitchFamily="34" charset="0"/>
+              <a:buChar char="•"/>
+            </a:pPr>
+            <a:endParaRPr lang="en-GB" sz="3600" dirty="0"/>
+          </a:p>
+          <a:p>
+            <a:pPr marL="571500" indent="-571500">
+              <a:buFont typeface="Arial" panose="020B0604020202020204" pitchFamily="34" charset="0"/>
+              <a:buChar char="•"/>
+            </a:pPr>
+            <a:r>
+              <a:rPr lang="en-GB" sz="3600" dirty="0"/>
+              <a:t>We need a hook other than the </a:t>
+            </a:r>
+            <a:r>
+              <a:rPr lang="en-GB" sz="3600" dirty="0" err="1"/>
+              <a:t>ViewModel</a:t>
+            </a:r>
+            <a:r>
+              <a:rPr lang="en-GB" sz="3600" dirty="0"/>
+              <a:t> constructor (not </a:t>
+            </a:r>
+            <a:r>
+              <a:rPr lang="en-GB" sz="3600" dirty="0" err="1"/>
+              <a:t>async</a:t>
+            </a:r>
+            <a:r>
+              <a:rPr lang="en-GB" sz="3600" dirty="0"/>
+              <a:t>)</a:t>
+            </a:r>
+          </a:p>
+          <a:p>
+            <a:pPr marL="571500" indent="-571500">
+              <a:buFont typeface="Arial" panose="020B0604020202020204" pitchFamily="34" charset="0"/>
+              <a:buChar char="•"/>
+            </a:pPr>
+            <a:endParaRPr lang="en-GB" sz="3600" dirty="0"/>
+          </a:p>
+          <a:p>
+            <a:pPr marL="571500" indent="-571500">
+              <a:buFont typeface="Arial" panose="020B0604020202020204" pitchFamily="34" charset="0"/>
+              <a:buChar char="•"/>
+            </a:pPr>
+            <a:r>
+              <a:rPr lang="en-GB" sz="3600" dirty="0" err="1"/>
+              <a:t>Xamarin.Forms</a:t>
+            </a:r>
+            <a:r>
+              <a:rPr lang="en-GB" sz="3600" dirty="0"/>
+              <a:t> offers </a:t>
+            </a:r>
+            <a:r>
+              <a:rPr lang="en-GB" sz="3600" b="1" dirty="0" err="1"/>
+              <a:t>OnAppearing</a:t>
+            </a:r>
+            <a:r>
+              <a:rPr lang="en-GB" sz="3600" b="1" dirty="0"/>
+              <a:t>() </a:t>
+            </a:r>
+            <a:r>
+              <a:rPr lang="en-GB" sz="3600" dirty="0"/>
+              <a:t>and </a:t>
+            </a:r>
+            <a:r>
+              <a:rPr lang="en-GB" sz="3600" b="1" dirty="0" err="1"/>
+              <a:t>OnDisappearing</a:t>
+            </a:r>
+            <a:r>
+              <a:rPr lang="en-GB" sz="3600" b="1" dirty="0"/>
+              <a:t>() </a:t>
+            </a:r>
+            <a:r>
+              <a:rPr lang="en-GB" sz="3600" dirty="0"/>
+              <a:t>on Page code behind, but we need those hooks on the </a:t>
+            </a:r>
+            <a:r>
+              <a:rPr lang="en-GB" sz="3600" dirty="0" err="1"/>
+              <a:t>ViewModel</a:t>
+            </a:r>
+            <a:endParaRPr lang="en-GB" sz="3600" dirty="0"/>
+          </a:p>
+          <a:p>
+            <a:pPr marL="571500" indent="-571500">
+              <a:buFont typeface="Arial" panose="020B0604020202020204" pitchFamily="34" charset="0"/>
+              <a:buChar char="•"/>
+            </a:pPr>
+            <a:endParaRPr lang="en-GB" sz="3600" dirty="0"/>
+          </a:p>
+          <a:p>
+            <a:endParaRPr lang="en-GB" sz="3600" b="1" dirty="0"/>
+          </a:p>
+        </p:txBody>
+      </p:sp>
+    </p:spTree>
+    <p:extLst>
+      <p:ext uri="{BB962C8B-B14F-4D97-AF65-F5344CB8AC3E}">
+        <p14:creationId xmlns:p14="http://schemas.microsoft.com/office/powerpoint/2010/main" val="123779066"/>
+      </p:ext>
+    </p:extLst>
+  </p:cSld>
+  <p:clrMapOvr>
+    <a:masterClrMapping/>
+  </p:clrMapOvr>
+  <p:transition>
+    <p:fade/>
+  </p:transition>
+</p:sld>
+</file>
+
 <file path=ppt/slides/slide2.xml><?xml version="1.0" encoding="utf-8"?>
 <p:sld xmlns:a="http://schemas.openxmlformats.org/drawingml/2006/main" xmlns:r="http://schemas.openxmlformats.org/officeDocument/2006/relationships" xmlns:p="http://schemas.openxmlformats.org/presentationml/2006/main">
   <p:cSld>
@@ -13925,6 +14238,174 @@
               <a:rPr lang="en-US" sz="6000" dirty="0"/>
               <a:t>Prism : History</a:t>
             </a:r>
+          </a:p>
+        </p:txBody>
+      </p:sp>
+      <p:sp>
+        <p:nvSpPr>
+          <p:cNvPr id="5" name="Title 2"/>
+          <p:cNvSpPr txBox="1">
+            <a:spLocks/>
+          </p:cNvSpPr>
+          <p:nvPr/>
+        </p:nvSpPr>
+        <p:spPr>
+          <a:xfrm>
+            <a:off x="336168" y="1820723"/>
+            <a:ext cx="8471499" cy="3946942"/>
+          </a:xfrm>
+          <a:prstGeom prst="rect">
+            <a:avLst/>
+          </a:prstGeom>
+        </p:spPr>
+        <p:txBody>
+          <a:bodyPr/>
+          <a:lstStyle>
+            <a:lvl1pPr algn="l" defTabSz="914367" rtl="0" eaLnBrk="1" latinLnBrk="0" hangingPunct="1">
+              <a:lnSpc>
+                <a:spcPct val="90000"/>
+              </a:lnSpc>
+              <a:spcBef>
+                <a:spcPct val="0"/>
+              </a:spcBef>
+              <a:buNone/>
+              <a:defRPr lang="en-US" sz="4705" b="0" kern="1200" cap="none" spc="-100" baseline="0" dirty="0" smtClean="0">
+                <a:ln w="3175">
+                  <a:noFill/>
+                </a:ln>
+                <a:gradFill>
+                  <a:gsLst>
+                    <a:gs pos="1250">
+                      <a:schemeClr val="tx1"/>
+                    </a:gs>
+                    <a:gs pos="100000">
+                      <a:schemeClr val="tx1"/>
+                    </a:gs>
+                  </a:gsLst>
+                  <a:lin ang="5400000" scaled="0"/>
+                </a:gradFill>
+                <a:effectLst/>
+                <a:latin typeface="+mj-lt"/>
+                <a:ea typeface="+mn-ea"/>
+                <a:cs typeface="Segoe UI" pitchFamily="34" charset="0"/>
+              </a:defRPr>
+            </a:lvl1pPr>
+          </a:lstStyle>
+          <a:p>
+            <a:pPr marL="685800" indent="-685800">
+              <a:buFont typeface="Arial" panose="020B0604020202020204" pitchFamily="34" charset="0"/>
+              <a:buChar char="•"/>
+            </a:pPr>
+            <a:r>
+              <a:rPr lang="en-US" sz="3600" dirty="0"/>
+              <a:t>Started with Microsoft Patterns and Practices Team</a:t>
+            </a:r>
+          </a:p>
+          <a:p>
+            <a:pPr marL="685800" indent="-685800">
+              <a:buFont typeface="Arial" panose="020B0604020202020204" pitchFamily="34" charset="0"/>
+              <a:buChar char="•"/>
+            </a:pPr>
+            <a:endParaRPr lang="en-US" sz="3600" dirty="0"/>
+          </a:p>
+          <a:p>
+            <a:pPr marL="685800" indent="-685800">
+              <a:buFont typeface="Arial" panose="020B0604020202020204" pitchFamily="34" charset="0"/>
+              <a:buChar char="•"/>
+            </a:pPr>
+            <a:r>
+              <a:rPr lang="en-US" sz="3600" dirty="0"/>
+              <a:t>Originally build for WPF and Silverlight</a:t>
+            </a:r>
+          </a:p>
+          <a:p>
+            <a:pPr marL="685800" indent="-685800">
+              <a:buFont typeface="Arial" panose="020B0604020202020204" pitchFamily="34" charset="0"/>
+              <a:buChar char="•"/>
+            </a:pPr>
+            <a:endParaRPr lang="en-US" sz="3600" dirty="0"/>
+          </a:p>
+          <a:p>
+            <a:pPr marL="685800" indent="-685800">
+              <a:buFont typeface="Arial" panose="020B0604020202020204" pitchFamily="34" charset="0"/>
+              <a:buChar char="•"/>
+            </a:pPr>
+            <a:r>
+              <a:rPr lang="en-US" sz="3600" dirty="0"/>
+              <a:t>Release in open Source</a:t>
+            </a:r>
+          </a:p>
+          <a:p>
+            <a:pPr marL="685800" indent="-685800">
+              <a:buFont typeface="Arial" panose="020B0604020202020204" pitchFamily="34" charset="0"/>
+              <a:buChar char="•"/>
+            </a:pPr>
+            <a:endParaRPr lang="en-US" sz="3600" dirty="0"/>
+          </a:p>
+          <a:p>
+            <a:pPr marL="685800" indent="-685800">
+              <a:buFont typeface="Arial" panose="020B0604020202020204" pitchFamily="34" charset="0"/>
+              <a:buChar char="•"/>
+            </a:pPr>
+            <a:r>
+              <a:rPr lang="en-US" sz="3600" dirty="0"/>
+              <a:t>Brian Lagunas (</a:t>
+            </a:r>
+            <a:r>
+              <a:rPr lang="en-US" sz="3600" dirty="0" err="1"/>
+              <a:t>Infragistics</a:t>
+            </a:r>
+            <a:r>
+              <a:rPr lang="en-US" sz="3600" dirty="0"/>
+              <a:t>) took over</a:t>
+            </a:r>
+          </a:p>
+          <a:p>
+            <a:pPr marL="685800" indent="-685800">
+              <a:buFont typeface="Arial" panose="020B0604020202020204" pitchFamily="34" charset="0"/>
+              <a:buChar char="•"/>
+            </a:pPr>
+            <a:endParaRPr lang="en-US" sz="3600" dirty="0"/>
+          </a:p>
+          <a:p>
+            <a:pPr marL="685800" indent="-685800">
+              <a:buFont typeface="Arial" panose="020B0604020202020204" pitchFamily="34" charset="0"/>
+              <a:buChar char="•"/>
+            </a:pPr>
+            <a:endParaRPr lang="en-US" sz="3600" dirty="0"/>
+          </a:p>
+          <a:p>
+            <a:endParaRPr lang="en-US" sz="3600" dirty="0">
+              <a:solidFill>
+                <a:schemeClr val="tx1">
+                  <a:lumMod val="50000"/>
+                </a:schemeClr>
+              </a:solidFill>
+            </a:endParaRPr>
+          </a:p>
+          <a:p>
+            <a:endParaRPr lang="en-US" sz="3600" b="1" dirty="0">
+              <a:solidFill>
+                <a:schemeClr val="tx1"/>
+              </a:solidFill>
+            </a:endParaRPr>
+          </a:p>
+          <a:p>
+            <a:endParaRPr lang="en-US" sz="4000" dirty="0">
+              <a:solidFill>
+                <a:schemeClr val="tx2">
+                  <a:lumMod val="60000"/>
+                  <a:lumOff val="40000"/>
+                </a:schemeClr>
+              </a:solidFill>
+            </a:endParaRPr>
+          </a:p>
+          <a:p>
+            <a:pPr marL="685800" indent="-685800">
+              <a:buFont typeface="Arial" panose="020B0604020202020204" pitchFamily="34" charset="0"/>
+              <a:buChar char="•"/>
+            </a:pPr>
+            <a:endParaRPr lang="en-US" sz="4000" dirty="0"/>
           </a:p>
         </p:txBody>
       </p:sp>
@@ -14175,397 +14656,6 @@
         <p:spPr>
           <a:xfrm>
             <a:off x="316423" y="1270688"/>
-            <a:ext cx="11724199" cy="4841677"/>
-          </a:xfrm>
-          <a:prstGeom prst="rect">
-            <a:avLst/>
-          </a:prstGeom>
-        </p:spPr>
-        <p:txBody>
-          <a:bodyPr/>
-          <a:lstStyle>
-            <a:lvl1pPr algn="l" defTabSz="914367" rtl="0" eaLnBrk="1" latinLnBrk="0" hangingPunct="1">
-              <a:lnSpc>
-                <a:spcPct val="90000"/>
-              </a:lnSpc>
-              <a:spcBef>
-                <a:spcPct val="0"/>
-              </a:spcBef>
-              <a:buNone/>
-              <a:defRPr lang="en-US" sz="4705" b="0" kern="1200" cap="none" spc="-100" baseline="0" dirty="0" smtClean="0">
-                <a:ln w="3175">
-                  <a:noFill/>
-                </a:ln>
-                <a:gradFill>
-                  <a:gsLst>
-                    <a:gs pos="1250">
-                      <a:schemeClr val="tx1"/>
-                    </a:gs>
-                    <a:gs pos="100000">
-                      <a:schemeClr val="tx1"/>
-                    </a:gs>
-                  </a:gsLst>
-                  <a:lin ang="5400000" scaled="0"/>
-                </a:gradFill>
-                <a:effectLst/>
-                <a:latin typeface="+mj-lt"/>
-                <a:ea typeface="+mn-ea"/>
-                <a:cs typeface="Segoe UI" pitchFamily="34" charset="0"/>
-              </a:defRPr>
-            </a:lvl1pPr>
-          </a:lstStyle>
-          <a:p>
-            <a:pPr marL="571500" indent="-571500">
-              <a:buFont typeface="Arial" panose="020B0604020202020204" pitchFamily="34" charset="0"/>
-              <a:buChar char="•"/>
-            </a:pPr>
-            <a:r>
-              <a:rPr lang="en-GB" sz="3600" dirty="0"/>
-              <a:t>We want to retrieve data asynchronously</a:t>
-            </a:r>
-          </a:p>
-          <a:p>
-            <a:pPr marL="571500" indent="-571500">
-              <a:buFont typeface="Arial" panose="020B0604020202020204" pitchFamily="34" charset="0"/>
-              <a:buChar char="•"/>
-            </a:pPr>
-            <a:endParaRPr lang="en-GB" sz="3600" dirty="0"/>
-          </a:p>
-          <a:p>
-            <a:pPr marL="571500" indent="-571500">
-              <a:buFont typeface="Arial" panose="020B0604020202020204" pitchFamily="34" charset="0"/>
-              <a:buChar char="•"/>
-            </a:pPr>
-            <a:r>
-              <a:rPr lang="en-GB" sz="3600" dirty="0"/>
-              <a:t>We need a hook other than the </a:t>
-            </a:r>
-            <a:r>
-              <a:rPr lang="en-GB" sz="3600" dirty="0" err="1"/>
-              <a:t>ViewModel</a:t>
-            </a:r>
-            <a:r>
-              <a:rPr lang="en-GB" sz="3600" dirty="0"/>
-              <a:t> constructor (not </a:t>
-            </a:r>
-            <a:r>
-              <a:rPr lang="en-GB" sz="3600" dirty="0" err="1"/>
-              <a:t>async</a:t>
-            </a:r>
-            <a:r>
-              <a:rPr lang="en-GB" sz="3600" dirty="0"/>
-              <a:t>)</a:t>
-            </a:r>
-          </a:p>
-          <a:p>
-            <a:pPr marL="571500" indent="-571500">
-              <a:buFont typeface="Arial" panose="020B0604020202020204" pitchFamily="34" charset="0"/>
-              <a:buChar char="•"/>
-            </a:pPr>
-            <a:endParaRPr lang="en-GB" sz="3600" dirty="0"/>
-          </a:p>
-          <a:p>
-            <a:pPr marL="571500" indent="-571500">
-              <a:buFont typeface="Arial" panose="020B0604020202020204" pitchFamily="34" charset="0"/>
-              <a:buChar char="•"/>
-            </a:pPr>
-            <a:r>
-              <a:rPr lang="en-GB" sz="3600" dirty="0" err="1"/>
-              <a:t>Xamarin.Forms</a:t>
-            </a:r>
-            <a:r>
-              <a:rPr lang="en-GB" sz="3600" dirty="0"/>
-              <a:t> offers </a:t>
-            </a:r>
-            <a:r>
-              <a:rPr lang="en-GB" sz="3600" b="1" dirty="0" err="1"/>
-              <a:t>OnAppearing</a:t>
-            </a:r>
-            <a:r>
-              <a:rPr lang="en-GB" sz="3600" b="1" dirty="0"/>
-              <a:t>() </a:t>
-            </a:r>
-            <a:r>
-              <a:rPr lang="en-GB" sz="3600" dirty="0"/>
-              <a:t>and </a:t>
-            </a:r>
-            <a:r>
-              <a:rPr lang="en-GB" sz="3600" b="1" dirty="0" err="1"/>
-              <a:t>OnDisappearing</a:t>
-            </a:r>
-            <a:r>
-              <a:rPr lang="en-GB" sz="3600" b="1" dirty="0"/>
-              <a:t>() </a:t>
-            </a:r>
-            <a:r>
-              <a:rPr lang="en-GB" sz="3600" dirty="0"/>
-              <a:t>on Page code behind, but we need those hooks on the </a:t>
-            </a:r>
-            <a:r>
-              <a:rPr lang="en-GB" sz="3600" dirty="0" err="1"/>
-              <a:t>ViewModel</a:t>
-            </a:r>
-            <a:endParaRPr lang="en-GB" sz="3600" dirty="0"/>
-          </a:p>
-          <a:p>
-            <a:pPr marL="571500" indent="-571500">
-              <a:buFont typeface="Arial" panose="020B0604020202020204" pitchFamily="34" charset="0"/>
-              <a:buChar char="•"/>
-            </a:pPr>
-            <a:endParaRPr lang="en-GB" sz="3600" dirty="0"/>
-          </a:p>
-          <a:p>
-            <a:endParaRPr lang="en-GB" sz="3600" b="1" dirty="0"/>
-          </a:p>
-        </p:txBody>
-      </p:sp>
-    </p:spTree>
-    <p:extLst>
-      <p:ext uri="{BB962C8B-B14F-4D97-AF65-F5344CB8AC3E}">
-        <p14:creationId xmlns:p14="http://schemas.microsoft.com/office/powerpoint/2010/main" val="123779066"/>
-      </p:ext>
-    </p:extLst>
-  </p:cSld>
-  <p:clrMapOvr>
-    <a:masterClrMapping/>
-  </p:clrMapOvr>
-  <p:transition>
-    <p:fade/>
-  </p:transition>
-</p:sld>
-</file>
-
-<file path=ppt/slides/slide21.xml><?xml version="1.0" encoding="utf-8"?>
-<p:sld xmlns:a="http://schemas.openxmlformats.org/drawingml/2006/main" xmlns:r="http://schemas.openxmlformats.org/officeDocument/2006/relationships" xmlns:p="http://schemas.openxmlformats.org/presentationml/2006/main">
-  <p:cSld>
-    <p:bg>
-      <p:bgPr>
-        <a:blipFill dpi="0" rotWithShape="1">
-          <a:blip r:embed="rId3">
-            <a:alphaModFix amt="12000"/>
-            <a:lum/>
-          </a:blip>
-          <a:srcRect/>
-          <a:stretch>
-            <a:fillRect l="-45000" t="-39000" r="45000" b="-39000"/>
-          </a:stretch>
-        </a:blipFill>
-        <a:effectLst/>
-      </p:bgPr>
-    </p:bg>
-    <p:spTree>
-      <p:nvGrpSpPr>
-        <p:cNvPr id="1" name=""/>
-        <p:cNvGrpSpPr/>
-        <p:nvPr/>
-      </p:nvGrpSpPr>
-      <p:grpSpPr>
-        <a:xfrm>
-          <a:off x="0" y="0"/>
-          <a:ext cx="0" cy="0"/>
-          <a:chOff x="0" y="0"/>
-          <a:chExt cx="0" cy="0"/>
-        </a:xfrm>
-      </p:grpSpPr>
-      <p:sp>
-        <p:nvSpPr>
-          <p:cNvPr id="8" name="TextBox 7"/>
-          <p:cNvSpPr txBox="1"/>
-          <p:nvPr/>
-        </p:nvSpPr>
-        <p:spPr>
-          <a:xfrm>
-            <a:off x="4145965" y="-846623"/>
-            <a:ext cx="362072" cy="621556"/>
-          </a:xfrm>
-          <a:prstGeom prst="rect">
-            <a:avLst/>
-          </a:prstGeom>
-          <a:noFill/>
-        </p:spPr>
-        <p:txBody>
-          <a:bodyPr wrap="none" lIns="179285" tIns="143428" rIns="179285" bIns="143428" rtlCol="0">
-            <a:spAutoFit/>
-          </a:bodyPr>
-          <a:lstStyle/>
-          <a:p>
-            <a:pPr>
-              <a:lnSpc>
-                <a:spcPct val="90000"/>
-              </a:lnSpc>
-              <a:spcAft>
-                <a:spcPts val="588"/>
-              </a:spcAft>
-            </a:pPr>
-            <a:endParaRPr lang="en-US" sz="2353" dirty="0" err="1">
-              <a:gradFill>
-                <a:gsLst>
-                  <a:gs pos="2917">
-                    <a:schemeClr val="tx1"/>
-                  </a:gs>
-                  <a:gs pos="30000">
-                    <a:schemeClr val="tx1"/>
-                  </a:gs>
-                </a:gsLst>
-                <a:lin ang="5400000" scaled="0"/>
-              </a:gradFill>
-            </a:endParaRPr>
-          </a:p>
-        </p:txBody>
-      </p:sp>
-      <p:pic>
-        <p:nvPicPr>
-          <p:cNvPr id="6" name="Picture 5"/>
-          <p:cNvPicPr>
-            <a:picLocks noChangeAspect="1"/>
-          </p:cNvPicPr>
-          <p:nvPr/>
-        </p:nvPicPr>
-        <p:blipFill>
-          <a:blip r:embed="rId4"/>
-          <a:stretch>
-            <a:fillRect/>
-          </a:stretch>
-        </p:blipFill>
-        <p:spPr>
-          <a:xfrm>
-            <a:off x="8386354" y="301617"/>
-            <a:ext cx="3564922" cy="440924"/>
-          </a:xfrm>
-          <a:prstGeom prst="rect">
-            <a:avLst/>
-          </a:prstGeom>
-        </p:spPr>
-      </p:pic>
-      <p:sp>
-        <p:nvSpPr>
-          <p:cNvPr id="9" name="Title 2"/>
-          <p:cNvSpPr txBox="1">
-            <a:spLocks/>
-          </p:cNvSpPr>
-          <p:nvPr/>
-        </p:nvSpPr>
-        <p:spPr>
-          <a:xfrm>
-            <a:off x="226484" y="129039"/>
-            <a:ext cx="8414596" cy="786080"/>
-          </a:xfrm>
-          <a:prstGeom prst="rect">
-            <a:avLst/>
-          </a:prstGeom>
-        </p:spPr>
-        <p:txBody>
-          <a:bodyPr/>
-          <a:lstStyle>
-            <a:lvl1pPr algn="l" defTabSz="914367" rtl="0" eaLnBrk="1" latinLnBrk="0" hangingPunct="1">
-              <a:lnSpc>
-                <a:spcPct val="90000"/>
-              </a:lnSpc>
-              <a:spcBef>
-                <a:spcPct val="0"/>
-              </a:spcBef>
-              <a:buNone/>
-              <a:defRPr lang="en-US" sz="4705" b="0" kern="1200" cap="none" spc="-100" baseline="0" dirty="0" smtClean="0">
-                <a:ln w="3175">
-                  <a:noFill/>
-                </a:ln>
-                <a:gradFill>
-                  <a:gsLst>
-                    <a:gs pos="1250">
-                      <a:schemeClr val="tx1"/>
-                    </a:gs>
-                    <a:gs pos="100000">
-                      <a:schemeClr val="tx1"/>
-                    </a:gs>
-                  </a:gsLst>
-                  <a:lin ang="5400000" scaled="0"/>
-                </a:gradFill>
-                <a:effectLst/>
-                <a:latin typeface="+mj-lt"/>
-                <a:ea typeface="+mn-ea"/>
-                <a:cs typeface="Segoe UI" pitchFamily="34" charset="0"/>
-              </a:defRPr>
-            </a:lvl1pPr>
-          </a:lstStyle>
-          <a:p>
-            <a:r>
-              <a:rPr lang="en-US" sz="5000" dirty="0"/>
-              <a:t>Navigation </a:t>
-            </a:r>
-            <a:r>
-              <a:rPr lang="en-US" sz="5000" dirty="0" err="1"/>
-              <a:t>LifeCycle</a:t>
-            </a:r>
-            <a:endParaRPr lang="en-US" sz="5000" dirty="0"/>
-          </a:p>
-        </p:txBody>
-      </p:sp>
-      <p:sp>
-        <p:nvSpPr>
-          <p:cNvPr id="7" name="Title 2"/>
-          <p:cNvSpPr txBox="1">
-            <a:spLocks/>
-          </p:cNvSpPr>
-          <p:nvPr/>
-        </p:nvSpPr>
-        <p:spPr>
-          <a:xfrm>
-            <a:off x="660825" y="898853"/>
-            <a:ext cx="2257635" cy="583071"/>
-          </a:xfrm>
-          <a:prstGeom prst="rect">
-            <a:avLst/>
-          </a:prstGeom>
-        </p:spPr>
-        <p:txBody>
-          <a:bodyPr/>
-          <a:lstStyle>
-            <a:lvl1pPr algn="l" defTabSz="914367" rtl="0" eaLnBrk="1" latinLnBrk="0" hangingPunct="1">
-              <a:lnSpc>
-                <a:spcPct val="90000"/>
-              </a:lnSpc>
-              <a:spcBef>
-                <a:spcPct val="0"/>
-              </a:spcBef>
-              <a:buNone/>
-              <a:defRPr lang="en-US" sz="4705" b="0" kern="1200" cap="none" spc="-100" baseline="0" dirty="0" smtClean="0">
-                <a:ln w="3175">
-                  <a:noFill/>
-                </a:ln>
-                <a:gradFill>
-                  <a:gsLst>
-                    <a:gs pos="1250">
-                      <a:schemeClr val="tx1"/>
-                    </a:gs>
-                    <a:gs pos="100000">
-                      <a:schemeClr val="tx1"/>
-                    </a:gs>
-                  </a:gsLst>
-                  <a:lin ang="5400000" scaled="0"/>
-                </a:gradFill>
-                <a:effectLst/>
-                <a:latin typeface="+mj-lt"/>
-                <a:ea typeface="+mn-ea"/>
-                <a:cs typeface="Segoe UI" pitchFamily="34" charset="0"/>
-              </a:defRPr>
-            </a:lvl1pPr>
-          </a:lstStyle>
-          <a:p>
-            <a:endParaRPr lang="en-US" sz="3200" dirty="0"/>
-          </a:p>
-        </p:txBody>
-      </p:sp>
-      <p:sp>
-        <p:nvSpPr>
-          <p:cNvPr id="10" name="Title 2"/>
-          <p:cNvSpPr txBox="1">
-            <a:spLocks/>
-          </p:cNvSpPr>
-          <p:nvPr/>
-        </p:nvSpPr>
-        <p:spPr>
-          <a:xfrm>
-            <a:off x="316423" y="1270688"/>
             <a:ext cx="11724199" cy="1490923"/>
           </a:xfrm>
           <a:prstGeom prst="rect">
@@ -14814,7 +14904,7 @@
 </p:sld>
 </file>
 
-<file path=ppt/slides/slide22.xml><?xml version="1.0" encoding="utf-8"?>
+<file path=ppt/slides/slide21.xml><?xml version="1.0" encoding="utf-8"?>
 <p:sld xmlns:a="http://schemas.openxmlformats.org/drawingml/2006/main" xmlns:r="http://schemas.openxmlformats.org/officeDocument/2006/relationships" xmlns:p="http://schemas.openxmlformats.org/presentationml/2006/main">
   <p:cSld>
     <p:bg>
@@ -15216,7 +15306,7 @@
 </p:sld>
 </file>
 
-<file path=ppt/slides/slide23.xml><?xml version="1.0" encoding="utf-8"?>
+<file path=ppt/slides/slide22.xml><?xml version="1.0" encoding="utf-8"?>
 <p:sld xmlns:a="http://schemas.openxmlformats.org/drawingml/2006/main" xmlns:r="http://schemas.openxmlformats.org/officeDocument/2006/relationships" xmlns:p="http://schemas.openxmlformats.org/presentationml/2006/main">
   <p:cSld>
     <p:bg>
@@ -15686,7 +15776,7 @@
 </p:sld>
 </file>
 
-<file path=ppt/slides/slide24.xml><?xml version="1.0" encoding="utf-8"?>
+<file path=ppt/slides/slide23.xml><?xml version="1.0" encoding="utf-8"?>
 <p:sld xmlns:a="http://schemas.openxmlformats.org/drawingml/2006/main" xmlns:r="http://schemas.openxmlformats.org/officeDocument/2006/relationships" xmlns:p="http://schemas.openxmlformats.org/presentationml/2006/main">
   <p:cSld>
     <p:bg>
@@ -16132,7 +16222,7 @@
 </p:sld>
 </file>
 
-<file path=ppt/slides/slide25.xml><?xml version="1.0" encoding="utf-8"?>
+<file path=ppt/slides/slide24.xml><?xml version="1.0" encoding="utf-8"?>
 <p:sld xmlns:a="http://schemas.openxmlformats.org/drawingml/2006/main" xmlns:r="http://schemas.openxmlformats.org/officeDocument/2006/relationships" xmlns:p="http://schemas.openxmlformats.org/presentationml/2006/main">
   <p:cSld>
     <p:bg>
@@ -16548,7 +16638,7 @@
 </p:sld>
 </file>
 
-<file path=ppt/slides/slide26.xml><?xml version="1.0" encoding="utf-8"?>
+<file path=ppt/slides/slide25.xml><?xml version="1.0" encoding="utf-8"?>
 <p:sld xmlns:a="http://schemas.openxmlformats.org/drawingml/2006/main" xmlns:r="http://schemas.openxmlformats.org/officeDocument/2006/relationships" xmlns:p="http://schemas.openxmlformats.org/presentationml/2006/main">
   <p:cSld>
     <p:bg>
@@ -16906,7 +16996,7 @@
 </p:sld>
 </file>
 
-<file path=ppt/slides/slide27.xml><?xml version="1.0" encoding="utf-8"?>
+<file path=ppt/slides/slide26.xml><?xml version="1.0" encoding="utf-8"?>
 <p:sld xmlns:a="http://schemas.openxmlformats.org/drawingml/2006/main" xmlns:r="http://schemas.openxmlformats.org/officeDocument/2006/relationships" xmlns:p="http://schemas.openxmlformats.org/presentationml/2006/main">
   <p:cSld>
     <p:bg>
@@ -17227,7 +17317,7 @@
 </p:sld>
 </file>
 
-<file path=ppt/slides/slide28.xml><?xml version="1.0" encoding="utf-8"?>
+<file path=ppt/slides/slide27.xml><?xml version="1.0" encoding="utf-8"?>
 <p:sld xmlns:a="http://schemas.openxmlformats.org/drawingml/2006/main" xmlns:r="http://schemas.openxmlformats.org/officeDocument/2006/relationships" xmlns:p="http://schemas.openxmlformats.org/presentationml/2006/main">
   <p:cSld>
     <p:bg>
@@ -17667,6 +17757,430 @@
 </p:sld>
 </file>
 
+<file path=ppt/slides/slide28.xml><?xml version="1.0" encoding="utf-8"?>
+<p:sld xmlns:a="http://schemas.openxmlformats.org/drawingml/2006/main" xmlns:r="http://schemas.openxmlformats.org/officeDocument/2006/relationships" xmlns:p="http://schemas.openxmlformats.org/presentationml/2006/main">
+  <p:cSld>
+    <p:bg>
+      <p:bgPr>
+        <a:blipFill dpi="0" rotWithShape="1">
+          <a:blip r:embed="rId3">
+            <a:alphaModFix amt="12000"/>
+            <a:lum/>
+          </a:blip>
+          <a:srcRect/>
+          <a:stretch>
+            <a:fillRect l="-45000" t="-39000" r="45000" b="-39000"/>
+          </a:stretch>
+        </a:blipFill>
+        <a:effectLst/>
+      </p:bgPr>
+    </p:bg>
+    <p:spTree>
+      <p:nvGrpSpPr>
+        <p:cNvPr id="1" name=""/>
+        <p:cNvGrpSpPr/>
+        <p:nvPr/>
+      </p:nvGrpSpPr>
+      <p:grpSpPr>
+        <a:xfrm>
+          <a:off x="0" y="0"/>
+          <a:ext cx="0" cy="0"/>
+          <a:chOff x="0" y="0"/>
+          <a:chExt cx="0" cy="0"/>
+        </a:xfrm>
+      </p:grpSpPr>
+      <p:sp>
+        <p:nvSpPr>
+          <p:cNvPr id="8" name="TextBox 7"/>
+          <p:cNvSpPr txBox="1"/>
+          <p:nvPr/>
+        </p:nvSpPr>
+        <p:spPr>
+          <a:xfrm>
+            <a:off x="4145965" y="-846623"/>
+            <a:ext cx="362072" cy="621556"/>
+          </a:xfrm>
+          <a:prstGeom prst="rect">
+            <a:avLst/>
+          </a:prstGeom>
+          <a:noFill/>
+        </p:spPr>
+        <p:txBody>
+          <a:bodyPr wrap="none" lIns="179285" tIns="143428" rIns="179285" bIns="143428" rtlCol="0">
+            <a:spAutoFit/>
+          </a:bodyPr>
+          <a:lstStyle/>
+          <a:p>
+            <a:pPr>
+              <a:lnSpc>
+                <a:spcPct val="90000"/>
+              </a:lnSpc>
+              <a:spcAft>
+                <a:spcPts val="588"/>
+              </a:spcAft>
+            </a:pPr>
+            <a:endParaRPr lang="en-US" sz="2353" dirty="0" err="1">
+              <a:gradFill>
+                <a:gsLst>
+                  <a:gs pos="2917">
+                    <a:schemeClr val="tx1"/>
+                  </a:gs>
+                  <a:gs pos="30000">
+                    <a:schemeClr val="tx1"/>
+                  </a:gs>
+                </a:gsLst>
+                <a:lin ang="5400000" scaled="0"/>
+              </a:gradFill>
+            </a:endParaRPr>
+          </a:p>
+        </p:txBody>
+      </p:sp>
+      <p:pic>
+        <p:nvPicPr>
+          <p:cNvPr id="6" name="Picture 5"/>
+          <p:cNvPicPr>
+            <a:picLocks noChangeAspect="1"/>
+          </p:cNvPicPr>
+          <p:nvPr/>
+        </p:nvPicPr>
+        <p:blipFill>
+          <a:blip r:embed="rId4"/>
+          <a:stretch>
+            <a:fillRect/>
+          </a:stretch>
+        </p:blipFill>
+        <p:spPr>
+          <a:xfrm>
+            <a:off x="8386354" y="301617"/>
+            <a:ext cx="3564922" cy="440924"/>
+          </a:xfrm>
+          <a:prstGeom prst="rect">
+            <a:avLst/>
+          </a:prstGeom>
+        </p:spPr>
+      </p:pic>
+      <p:sp>
+        <p:nvSpPr>
+          <p:cNvPr id="9" name="Title 2"/>
+          <p:cNvSpPr txBox="1">
+            <a:spLocks/>
+          </p:cNvSpPr>
+          <p:nvPr/>
+        </p:nvSpPr>
+        <p:spPr>
+          <a:xfrm>
+            <a:off x="226484" y="129039"/>
+            <a:ext cx="8414596" cy="786080"/>
+          </a:xfrm>
+          <a:prstGeom prst="rect">
+            <a:avLst/>
+          </a:prstGeom>
+        </p:spPr>
+        <p:txBody>
+          <a:bodyPr/>
+          <a:lstStyle>
+            <a:lvl1pPr algn="l" defTabSz="914367" rtl="0" eaLnBrk="1" latinLnBrk="0" hangingPunct="1">
+              <a:lnSpc>
+                <a:spcPct val="90000"/>
+              </a:lnSpc>
+              <a:spcBef>
+                <a:spcPct val="0"/>
+              </a:spcBef>
+              <a:buNone/>
+              <a:defRPr lang="en-US" sz="4705" b="0" kern="1200" cap="none" spc="-100" baseline="0" dirty="0" smtClean="0">
+                <a:ln w="3175">
+                  <a:noFill/>
+                </a:ln>
+                <a:gradFill>
+                  <a:gsLst>
+                    <a:gs pos="1250">
+                      <a:schemeClr val="tx1"/>
+                    </a:gs>
+                    <a:gs pos="100000">
+                      <a:schemeClr val="tx1"/>
+                    </a:gs>
+                  </a:gsLst>
+                  <a:lin ang="5400000" scaled="0"/>
+                </a:gradFill>
+                <a:effectLst/>
+                <a:latin typeface="+mj-lt"/>
+                <a:ea typeface="+mn-ea"/>
+                <a:cs typeface="Segoe UI" pitchFamily="34" charset="0"/>
+              </a:defRPr>
+            </a:lvl1pPr>
+          </a:lstStyle>
+          <a:p>
+            <a:r>
+              <a:rPr lang="en-US" sz="4200" dirty="0"/>
+              <a:t>Deep Linking: </a:t>
+            </a:r>
+            <a:r>
+              <a:rPr lang="en-US" sz="4200" dirty="0" err="1"/>
+              <a:t>NavigationParameters</a:t>
+            </a:r>
+            <a:endParaRPr lang="en-US" sz="4200" dirty="0"/>
+          </a:p>
+        </p:txBody>
+      </p:sp>
+      <p:sp>
+        <p:nvSpPr>
+          <p:cNvPr id="10" name="Title 2"/>
+          <p:cNvSpPr txBox="1">
+            <a:spLocks/>
+          </p:cNvSpPr>
+          <p:nvPr/>
+        </p:nvSpPr>
+        <p:spPr>
+          <a:xfrm>
+            <a:off x="316423" y="1270688"/>
+            <a:ext cx="11724199" cy="5587312"/>
+          </a:xfrm>
+          <a:prstGeom prst="rect">
+            <a:avLst/>
+          </a:prstGeom>
+        </p:spPr>
+        <p:txBody>
+          <a:bodyPr/>
+          <a:lstStyle>
+            <a:lvl1pPr algn="l" defTabSz="914367" rtl="0" eaLnBrk="1" latinLnBrk="0" hangingPunct="1">
+              <a:lnSpc>
+                <a:spcPct val="90000"/>
+              </a:lnSpc>
+              <a:spcBef>
+                <a:spcPct val="0"/>
+              </a:spcBef>
+              <a:buNone/>
+              <a:defRPr lang="en-US" sz="4705" b="0" kern="1200" cap="none" spc="-100" baseline="0" dirty="0" smtClean="0">
+                <a:ln w="3175">
+                  <a:noFill/>
+                </a:ln>
+                <a:gradFill>
+                  <a:gsLst>
+                    <a:gs pos="1250">
+                      <a:schemeClr val="tx1"/>
+                    </a:gs>
+                    <a:gs pos="100000">
+                      <a:schemeClr val="tx1"/>
+                    </a:gs>
+                  </a:gsLst>
+                  <a:lin ang="5400000" scaled="0"/>
+                </a:gradFill>
+                <a:effectLst/>
+                <a:latin typeface="+mj-lt"/>
+                <a:ea typeface="+mn-ea"/>
+                <a:cs typeface="Segoe UI" pitchFamily="34" charset="0"/>
+              </a:defRPr>
+            </a:lvl1pPr>
+          </a:lstStyle>
+          <a:p>
+            <a:pPr marL="457200" indent="-457200">
+              <a:buFont typeface="Arial" panose="020B0604020202020204" pitchFamily="34" charset="0"/>
+              <a:buChar char="•"/>
+            </a:pPr>
+            <a:r>
+              <a:rPr lang="en-GB" sz="2800" dirty="0"/>
+              <a:t>Deep linking allows </a:t>
+            </a:r>
+            <a:r>
+              <a:rPr lang="en-GB" sz="2800" dirty="0" err="1"/>
+              <a:t>QueryString</a:t>
+            </a:r>
+            <a:r>
+              <a:rPr lang="en-GB" sz="2800" dirty="0"/>
+              <a:t> </a:t>
+            </a:r>
+            <a:r>
+              <a:rPr lang="en-GB" sz="2800" dirty="0" err="1"/>
+              <a:t>NavigationParameters</a:t>
+            </a:r>
+            <a:r>
+              <a:rPr lang="en-GB" sz="2800" dirty="0"/>
+              <a:t> in queries:</a:t>
+            </a:r>
+          </a:p>
+          <a:p>
+            <a:pPr marL="571500" indent="-571500">
+              <a:buFont typeface="Arial" panose="020B0604020202020204" pitchFamily="34" charset="0"/>
+              <a:buChar char="•"/>
+            </a:pPr>
+            <a:endParaRPr lang="en-GB" sz="3600" dirty="0"/>
+          </a:p>
+          <a:p>
+            <a:pPr marL="571500" indent="-571500">
+              <a:buFont typeface="Arial" panose="020B0604020202020204" pitchFamily="34" charset="0"/>
+              <a:buChar char="•"/>
+            </a:pPr>
+            <a:endParaRPr lang="en-GB" sz="3600" dirty="0"/>
+          </a:p>
+          <a:p>
+            <a:pPr marL="571500" indent="-571500">
+              <a:buFont typeface="Arial" panose="020B0604020202020204" pitchFamily="34" charset="0"/>
+              <a:buChar char="•"/>
+            </a:pPr>
+            <a:r>
+              <a:rPr lang="en-GB" sz="2800" dirty="0"/>
+              <a:t>the destination page will receive, in the </a:t>
+            </a:r>
+            <a:r>
+              <a:rPr lang="en-GB" sz="2800" b="1" dirty="0" err="1"/>
+              <a:t>NavigationParams</a:t>
+            </a:r>
+            <a:r>
+              <a:rPr lang="en-GB" sz="2800" dirty="0"/>
+              <a:t> object of the </a:t>
+            </a:r>
+            <a:r>
+              <a:rPr lang="en-GB" sz="2800" b="1" dirty="0" err="1"/>
+              <a:t>OnNavigatedTo</a:t>
+            </a:r>
+            <a:r>
+              <a:rPr lang="en-GB" sz="2800" b="1" dirty="0"/>
+              <a:t>() </a:t>
+            </a:r>
+            <a:r>
+              <a:rPr lang="en-GB" sz="2800" dirty="0"/>
+              <a:t>method, two items: </a:t>
+            </a:r>
+          </a:p>
+          <a:p>
+            <a:pPr marL="571500" indent="-571500">
+              <a:buFont typeface="Arial" panose="020B0604020202020204" pitchFamily="34" charset="0"/>
+              <a:buChar char="•"/>
+            </a:pPr>
+            <a:r>
+              <a:rPr lang="en-GB" sz="2800" dirty="0"/>
+              <a:t>one with key id and value 1 </a:t>
+            </a:r>
+          </a:p>
+          <a:p>
+            <a:pPr marL="571500" indent="-571500">
+              <a:buFont typeface="Arial" panose="020B0604020202020204" pitchFamily="34" charset="0"/>
+              <a:buChar char="•"/>
+            </a:pPr>
+            <a:r>
+              <a:rPr lang="en-GB" sz="2800" dirty="0"/>
+              <a:t>one with key title and value First page.</a:t>
+            </a:r>
+            <a:endParaRPr lang="en-GB" sz="2800" dirty="0"/>
+          </a:p>
+          <a:p>
+            <a:pPr marL="571500" indent="-571500">
+              <a:buFont typeface="Arial" panose="020B0604020202020204" pitchFamily="34" charset="0"/>
+              <a:buChar char="•"/>
+            </a:pPr>
+            <a:endParaRPr lang="en-GB" sz="3600" dirty="0"/>
+          </a:p>
+          <a:p>
+            <a:pPr marL="571500" indent="-571500">
+              <a:buFont typeface="Arial" panose="020B0604020202020204" pitchFamily="34" charset="0"/>
+              <a:buChar char="•"/>
+            </a:pPr>
+            <a:endParaRPr lang="en-GB" sz="3600" dirty="0"/>
+          </a:p>
+          <a:p>
+            <a:endParaRPr lang="en-GB" sz="3600" b="1" dirty="0"/>
+          </a:p>
+          <a:p>
+            <a:endParaRPr lang="en-GB" sz="3600" b="1" dirty="0"/>
+          </a:p>
+          <a:p>
+            <a:endParaRPr lang="en-GB" sz="3600" b="1" dirty="0"/>
+          </a:p>
+          <a:p>
+            <a:endParaRPr lang="en-GB" sz="3600" b="1" dirty="0"/>
+          </a:p>
+          <a:p>
+            <a:r>
+              <a:rPr lang="en-GB" sz="3600" b="1" dirty="0"/>
+              <a:t>`</a:t>
+            </a:r>
+          </a:p>
+        </p:txBody>
+      </p:sp>
+      <p:pic>
+        <p:nvPicPr>
+          <p:cNvPr id="2" name="Picture 1"/>
+          <p:cNvPicPr>
+            <a:picLocks noChangeAspect="1"/>
+          </p:cNvPicPr>
+          <p:nvPr/>
+        </p:nvPicPr>
+        <p:blipFill>
+          <a:blip r:embed="rId5"/>
+          <a:stretch>
+            <a:fillRect/>
+          </a:stretch>
+        </p:blipFill>
+        <p:spPr>
+          <a:xfrm>
+            <a:off x="2711205" y="1829759"/>
+            <a:ext cx="6143625" cy="400050"/>
+          </a:xfrm>
+          <a:prstGeom prst="rect">
+            <a:avLst/>
+          </a:prstGeom>
+          <a:ln>
+            <a:noFill/>
+          </a:ln>
+          <a:effectLst>
+            <a:outerShdw blurRad="292100" dist="139700" dir="2700000" algn="tl" rotWithShape="0">
+              <a:srgbClr val="333333">
+                <a:alpha val="65000"/>
+              </a:srgbClr>
+            </a:outerShdw>
+          </a:effectLst>
+        </p:spPr>
+      </p:pic>
+      <p:pic>
+        <p:nvPicPr>
+          <p:cNvPr id="4" name="Picture 3"/>
+          <p:cNvPicPr>
+            <a:picLocks noChangeAspect="1"/>
+          </p:cNvPicPr>
+          <p:nvPr/>
+        </p:nvPicPr>
+        <p:blipFill>
+          <a:blip r:embed="rId6"/>
+          <a:stretch>
+            <a:fillRect/>
+          </a:stretch>
+        </p:blipFill>
+        <p:spPr>
+          <a:xfrm>
+            <a:off x="2964608" y="4476941"/>
+            <a:ext cx="5305425" cy="1733550"/>
+          </a:xfrm>
+          <a:prstGeom prst="rect">
+            <a:avLst/>
+          </a:prstGeom>
+          <a:ln>
+            <a:noFill/>
+          </a:ln>
+          <a:effectLst>
+            <a:outerShdw blurRad="292100" dist="139700" dir="2700000" algn="tl" rotWithShape="0">
+              <a:srgbClr val="333333">
+                <a:alpha val="65000"/>
+              </a:srgbClr>
+            </a:outerShdw>
+          </a:effectLst>
+        </p:spPr>
+      </p:pic>
+    </p:spTree>
+    <p:extLst>
+      <p:ext uri="{BB962C8B-B14F-4D97-AF65-F5344CB8AC3E}">
+        <p14:creationId xmlns:p14="http://schemas.microsoft.com/office/powerpoint/2010/main" val="3783005650"/>
+      </p:ext>
+    </p:extLst>
+  </p:cSld>
+  <p:clrMapOvr>
+    <a:masterClrMapping/>
+  </p:clrMapOvr>
+  <p:transition>
+    <p:fade/>
+  </p:transition>
+</p:sld>
+</file>
+
 <file path=ppt/slides/slide29.xml><?xml version="1.0" encoding="utf-8"?>
 <p:sld xmlns:a="http://schemas.openxmlformats.org/drawingml/2006/main" xmlns:r="http://schemas.openxmlformats.org/officeDocument/2006/relationships" xmlns:p="http://schemas.openxmlformats.org/presentationml/2006/main">
   <p:cSld>
@@ -17822,13 +18336,8 @@
           <a:p>
             <a:r>
               <a:rPr lang="en-US" sz="4200" dirty="0"/>
-              <a:t>Deep Linking: </a:t>
-            </a:r>
-            <a:r>
-              <a:rPr lang="en-US" sz="4200" dirty="0" err="1"/>
-              <a:t>NavigationParameters</a:t>
-            </a:r>
-            <a:endParaRPr lang="en-US" sz="4200" dirty="0"/>
+              <a:t>Page Dialog Services</a:t>
+            </a:r>
           </a:p>
         </p:txBody>
       </p:sp>
@@ -17842,7 +18351,7 @@
         </p:nvSpPr>
         <p:spPr>
           <a:xfrm>
-            <a:off x="316423" y="1270688"/>
+            <a:off x="316423" y="1125477"/>
             <a:ext cx="11724199" cy="5587312"/>
           </a:xfrm>
           <a:prstGeom prst="rect">
@@ -17889,24 +18398,134 @@
             </a:pPr>
             <a:r>
               <a:rPr lang="en-GB" sz="2800" dirty="0"/>
-              <a:t>Deep linking allows </a:t>
+              <a:t>Provides control of </a:t>
+            </a:r>
+            <a:r>
+              <a:rPr lang="en-GB" sz="2800" b="1" dirty="0" err="1"/>
+              <a:t>DisplayAlert</a:t>
+            </a:r>
+            <a:r>
+              <a:rPr lang="en-GB" sz="2800" dirty="0"/>
+              <a:t> and </a:t>
+            </a:r>
+            <a:r>
+              <a:rPr lang="en-GB" sz="2800" b="1" dirty="0" err="1"/>
+              <a:t>DisplayActionSheet</a:t>
+            </a:r>
+            <a:r>
+              <a:rPr lang="en-GB" sz="2800" dirty="0"/>
+              <a:t> from </a:t>
+            </a:r>
+            <a:r>
+              <a:rPr lang="en-GB" sz="2800" b="1" dirty="0" err="1"/>
+              <a:t>ViewModel</a:t>
+            </a:r>
+            <a:endParaRPr lang="en-GB" sz="2800" dirty="0"/>
+          </a:p>
+          <a:p>
+            <a:pPr marL="457200" indent="-457200">
+              <a:buFont typeface="Arial" panose="020B0604020202020204" pitchFamily="34" charset="0"/>
+              <a:buChar char="•"/>
+            </a:pPr>
+            <a:r>
+              <a:rPr lang="en-GB" sz="2800" dirty="0"/>
+              <a:t>Get an instance of the </a:t>
             </a:r>
             <a:r>
               <a:rPr lang="en-GB" sz="2800" dirty="0" err="1"/>
-              <a:t>QueryString</a:t>
-            </a:r>
+              <a:t>IPageDialogService</a:t>
+            </a:r>
+            <a:r>
+              <a:rPr lang="en-GB" sz="2800" dirty="0"/>
+              <a:t> from the </a:t>
+            </a:r>
+            <a:r>
+              <a:rPr lang="en-GB" sz="2800" dirty="0" err="1"/>
+              <a:t>ViewModel</a:t>
+            </a:r>
+            <a:r>
+              <a:rPr lang="en-GB" sz="2800" dirty="0"/>
+              <a:t> constructor using DI</a:t>
+            </a:r>
+          </a:p>
+          <a:p>
+            <a:pPr marL="457200" indent="-457200">
+              <a:buFont typeface="Arial" panose="020B0604020202020204" pitchFamily="34" charset="0"/>
+              <a:buChar char="•"/>
+            </a:pPr>
+            <a:endParaRPr lang="en-GB" sz="2800" dirty="0"/>
+          </a:p>
+          <a:p>
+            <a:pPr marL="457200" indent="-457200">
+              <a:buFont typeface="Arial" panose="020B0604020202020204" pitchFamily="34" charset="0"/>
+              <a:buChar char="•"/>
+            </a:pPr>
             <a:r>
               <a:rPr lang="en-GB" sz="2800" dirty="0"/>
               <a:t> </a:t>
             </a:r>
             <a:r>
               <a:rPr lang="en-GB" sz="2800" dirty="0" err="1"/>
-              <a:t>NavigationParameters</a:t>
+              <a:t>DisplayAlertAsync</a:t>
             </a:r>
             <a:r>
               <a:rPr lang="en-GB" sz="2800" dirty="0"/>
-              <a:t> in queries:</a:t>
-            </a:r>
+              <a:t> method shows a modal pop-up to alert the user or ask simple questions of them. </a:t>
+            </a:r>
+          </a:p>
+          <a:p>
+            <a:pPr marL="457200" indent="-457200">
+              <a:buFont typeface="Arial" panose="020B0604020202020204" pitchFamily="34" charset="0"/>
+              <a:buChar char="•"/>
+            </a:pPr>
+            <a:r>
+              <a:rPr lang="en-GB" sz="2800" dirty="0"/>
+              <a:t>To display these alerts with Prism's </a:t>
+            </a:r>
+            <a:r>
+              <a:rPr lang="en-GB" sz="2800" dirty="0" err="1"/>
+              <a:t>IPageDialogService</a:t>
+            </a:r>
+            <a:r>
+              <a:rPr lang="en-GB" sz="2800" dirty="0"/>
+              <a:t>, use the </a:t>
+            </a:r>
+            <a:r>
+              <a:rPr lang="en-GB" sz="2800" dirty="0" err="1"/>
+              <a:t>DisplayAlertAsync</a:t>
+            </a:r>
+            <a:r>
+              <a:rPr lang="en-GB" sz="2800" dirty="0"/>
+              <a:t> method: </a:t>
+            </a:r>
+          </a:p>
+          <a:p>
+            <a:pPr marL="457200" indent="-457200">
+              <a:buFont typeface="Arial" panose="020B0604020202020204" pitchFamily="34" charset="0"/>
+              <a:buChar char="•"/>
+            </a:pPr>
+            <a:endParaRPr lang="en-GB" sz="2800" dirty="0"/>
+          </a:p>
+          <a:p>
+            <a:pPr marL="457200" indent="-457200">
+              <a:buFont typeface="Arial" panose="020B0604020202020204" pitchFamily="34" charset="0"/>
+              <a:buChar char="•"/>
+            </a:pPr>
+            <a:endParaRPr lang="en-GB" sz="2800" dirty="0"/>
+          </a:p>
+          <a:p>
+            <a:pPr marL="457200" indent="-457200">
+              <a:buFont typeface="Arial" panose="020B0604020202020204" pitchFamily="34" charset="0"/>
+              <a:buChar char="•"/>
+            </a:pPr>
+            <a:endParaRPr lang="en-GB" sz="2800" dirty="0"/>
+          </a:p>
+          <a:p>
+            <a:pPr marL="457200" indent="-457200">
+              <a:buFont typeface="Arial" panose="020B0604020202020204" pitchFamily="34" charset="0"/>
+              <a:buChar char="•"/>
+            </a:pPr>
+            <a:endParaRPr lang="en-GB" sz="2800" dirty="0"/>
           </a:p>
           <a:p>
             <a:pPr marL="571500" indent="-571500">
@@ -17916,6 +18535,13 @@
             <a:endParaRPr lang="en-GB" sz="3600" dirty="0"/>
           </a:p>
           <a:p>
+            <a:pPr marL="571500" indent="-571500">
+              <a:buFont typeface="Arial" panose="020B0604020202020204" pitchFamily="34" charset="0"/>
+              <a:buChar char="•"/>
+            </a:pPr>
+            <a:endParaRPr lang="en-GB" sz="3600" dirty="0"/>
+          </a:p>
+          <a:p>
             <a:endParaRPr lang="en-GB" sz="3600" b="1" dirty="0"/>
           </a:p>
           <a:p>
@@ -17935,10 +18561,112 @@
           </a:p>
         </p:txBody>
       </p:sp>
+      <p:pic>
+        <p:nvPicPr>
+          <p:cNvPr id="3" name="Picture 2"/>
+          <p:cNvPicPr>
+            <a:picLocks noChangeAspect="1"/>
+          </p:cNvPicPr>
+          <p:nvPr/>
+        </p:nvPicPr>
+        <p:blipFill>
+          <a:blip r:embed="rId5"/>
+          <a:stretch>
+            <a:fillRect/>
+          </a:stretch>
+        </p:blipFill>
+        <p:spPr>
+          <a:xfrm>
+            <a:off x="3205163" y="2004663"/>
+            <a:ext cx="6440242" cy="586297"/>
+          </a:xfrm>
+          <a:prstGeom prst="rect">
+            <a:avLst/>
+          </a:prstGeom>
+          <a:ln>
+            <a:noFill/>
+          </a:ln>
+          <a:effectLst>
+            <a:outerShdw blurRad="292100" dist="139700" dir="2700000" algn="tl" rotWithShape="0">
+              <a:srgbClr val="333333">
+                <a:alpha val="65000"/>
+              </a:srgbClr>
+            </a:outerShdw>
+          </a:effectLst>
+        </p:spPr>
+      </p:pic>
+      <p:pic>
+        <p:nvPicPr>
+          <p:cNvPr id="4" name="Picture 3"/>
+          <p:cNvPicPr>
+            <a:picLocks noChangeAspect="1"/>
+          </p:cNvPicPr>
+          <p:nvPr/>
+        </p:nvPicPr>
+        <p:blipFill>
+          <a:blip r:embed="rId6"/>
+          <a:stretch>
+            <a:fillRect/>
+          </a:stretch>
+        </p:blipFill>
+        <p:spPr>
+          <a:xfrm>
+            <a:off x="2154056" y="3931253"/>
+            <a:ext cx="6762750" cy="361950"/>
+          </a:xfrm>
+          <a:prstGeom prst="rect">
+            <a:avLst/>
+          </a:prstGeom>
+          <a:ln>
+            <a:noFill/>
+          </a:ln>
+          <a:effectLst>
+            <a:outerShdw blurRad="292100" dist="139700" dir="2700000" algn="tl" rotWithShape="0">
+              <a:srgbClr val="333333">
+                <a:alpha val="65000"/>
+              </a:srgbClr>
+            </a:outerShdw>
+          </a:effectLst>
+        </p:spPr>
+      </p:pic>
+      <p:pic>
+        <p:nvPicPr>
+          <p:cNvPr id="5" name="Picture 4"/>
+          <p:cNvPicPr>
+            <a:picLocks noChangeAspect="1"/>
+          </p:cNvPicPr>
+          <p:nvPr/>
+        </p:nvPicPr>
+        <p:blipFill>
+          <a:blip r:embed="rId7"/>
+          <a:stretch>
+            <a:fillRect/>
+          </a:stretch>
+        </p:blipFill>
+        <p:spPr>
+          <a:xfrm>
+            <a:off x="3953300" y="4359615"/>
+            <a:ext cx="3960638" cy="2422526"/>
+          </a:xfrm>
+          <a:prstGeom prst="rect">
+            <a:avLst/>
+          </a:prstGeom>
+          <a:ln>
+            <a:noFill/>
+          </a:ln>
+          <a:effectLst>
+            <a:outerShdw blurRad="292100" dist="139700" dir="2700000" algn="tl" rotWithShape="0">
+              <a:srgbClr val="333333">
+                <a:alpha val="65000"/>
+              </a:srgbClr>
+            </a:outerShdw>
+          </a:effectLst>
+        </p:spPr>
+      </p:pic>
     </p:spTree>
     <p:extLst>
       <p:ext uri="{BB962C8B-B14F-4D97-AF65-F5344CB8AC3E}">
-        <p14:creationId xmlns:p14="http://schemas.microsoft.com/office/powerpoint/2010/main" val="3783005650"/>
+        <p14:creationId xmlns:p14="http://schemas.microsoft.com/office/powerpoint/2010/main" val="1064062620"/>
       </p:ext>
     </p:extLst>
   </p:cSld>
@@ -18063,8 +18791,8 @@
         </p:nvSpPr>
         <p:spPr>
           <a:xfrm>
-            <a:off x="192073" y="129039"/>
-            <a:ext cx="3953892" cy="786080"/>
+            <a:off x="-181992" y="129039"/>
+            <a:ext cx="8396834" cy="786080"/>
           </a:xfrm>
           <a:prstGeom prst="rect">
             <a:avLst/>
@@ -18104,17 +18832,182 @@
             </a:lvl1pPr>
           </a:lstStyle>
           <a:p>
+            <a:pPr algn="ctr"/>
             <a:r>
               <a:rPr lang="en-US" sz="6000" dirty="0"/>
-              <a:t>Prism : Now</a:t>
-            </a:r>
+              <a:t>Prism for </a:t>
+            </a:r>
+            <a:r>
+              <a:rPr lang="en-US" sz="6000" dirty="0" err="1"/>
+              <a:t>Xamarin.Forms</a:t>
+            </a:r>
+            <a:endParaRPr lang="en-US" sz="6000" dirty="0"/>
+          </a:p>
+        </p:txBody>
+      </p:sp>
+      <p:sp>
+        <p:nvSpPr>
+          <p:cNvPr id="5" name="Title 2"/>
+          <p:cNvSpPr txBox="1">
+            <a:spLocks/>
+          </p:cNvSpPr>
+          <p:nvPr/>
+        </p:nvSpPr>
+        <p:spPr>
+          <a:xfrm>
+            <a:off x="336168" y="1820723"/>
+            <a:ext cx="8471499" cy="3946942"/>
+          </a:xfrm>
+          <a:prstGeom prst="rect">
+            <a:avLst/>
+          </a:prstGeom>
+        </p:spPr>
+        <p:txBody>
+          <a:bodyPr/>
+          <a:lstStyle>
+            <a:lvl1pPr algn="l" defTabSz="914367" rtl="0" eaLnBrk="1" latinLnBrk="0" hangingPunct="1">
+              <a:lnSpc>
+                <a:spcPct val="90000"/>
+              </a:lnSpc>
+              <a:spcBef>
+                <a:spcPct val="0"/>
+              </a:spcBef>
+              <a:buNone/>
+              <a:defRPr lang="en-US" sz="4705" b="0" kern="1200" cap="none" spc="-100" baseline="0" dirty="0" smtClean="0">
+                <a:ln w="3175">
+                  <a:noFill/>
+                </a:ln>
+                <a:gradFill>
+                  <a:gsLst>
+                    <a:gs pos="1250">
+                      <a:schemeClr val="tx1"/>
+                    </a:gs>
+                    <a:gs pos="100000">
+                      <a:schemeClr val="tx1"/>
+                    </a:gs>
+                  </a:gsLst>
+                  <a:lin ang="5400000" scaled="0"/>
+                </a:gradFill>
+                <a:effectLst/>
+                <a:latin typeface="+mj-lt"/>
+                <a:ea typeface="+mn-ea"/>
+                <a:cs typeface="Segoe UI" pitchFamily="34" charset="0"/>
+              </a:defRPr>
+            </a:lvl1pPr>
+          </a:lstStyle>
+          <a:p>
+            <a:pPr marL="685800" indent="-685800">
+              <a:buFont typeface="Arial" panose="020B0604020202020204" pitchFamily="34" charset="0"/>
+              <a:buChar char="•"/>
+            </a:pPr>
+            <a:r>
+              <a:rPr lang="en-US" sz="3600" dirty="0"/>
+              <a:t>Released Prism for </a:t>
+            </a:r>
+            <a:r>
+              <a:rPr lang="en-US" sz="3600" dirty="0" err="1"/>
+              <a:t>Xamarin.Forms</a:t>
+            </a:r>
+            <a:r>
+              <a:rPr lang="en-US" sz="3600" dirty="0"/>
+              <a:t> in 2016</a:t>
+            </a:r>
+          </a:p>
+          <a:p>
+            <a:pPr marL="685800" indent="-685800">
+              <a:buFont typeface="Arial" panose="020B0604020202020204" pitchFamily="34" charset="0"/>
+              <a:buChar char="•"/>
+            </a:pPr>
+            <a:endParaRPr lang="en-US" sz="3600" dirty="0"/>
+          </a:p>
+          <a:p>
+            <a:pPr marL="685800" indent="-685800">
+              <a:buFont typeface="Arial" panose="020B0604020202020204" pitchFamily="34" charset="0"/>
+              <a:buChar char="•"/>
+            </a:pPr>
+            <a:r>
+              <a:rPr lang="en-US" sz="3600" dirty="0"/>
+              <a:t>MVVM quick recap</a:t>
+            </a:r>
+          </a:p>
+          <a:p>
+            <a:pPr marL="685800" indent="-685800">
+              <a:buFont typeface="Arial" panose="020B0604020202020204" pitchFamily="34" charset="0"/>
+              <a:buChar char="•"/>
+            </a:pPr>
+            <a:endParaRPr lang="en-US" sz="3600" dirty="0"/>
+          </a:p>
+          <a:p>
+            <a:pPr marL="685800" indent="-685800">
+              <a:buFont typeface="Arial" panose="020B0604020202020204" pitchFamily="34" charset="0"/>
+              <a:buChar char="•"/>
+            </a:pPr>
+            <a:r>
+              <a:rPr lang="en-US" sz="3600" dirty="0"/>
+              <a:t>MVVM in </a:t>
+            </a:r>
+            <a:r>
+              <a:rPr lang="en-US" sz="3600" dirty="0" err="1"/>
+              <a:t>Xamarin.Forms</a:t>
+            </a:r>
+            <a:r>
+              <a:rPr lang="en-US" sz="3600" dirty="0"/>
+              <a:t> : Not really</a:t>
+            </a:r>
+          </a:p>
+          <a:p>
+            <a:pPr marL="685800" indent="-685800">
+              <a:buFont typeface="Arial" panose="020B0604020202020204" pitchFamily="34" charset="0"/>
+              <a:buChar char="•"/>
+            </a:pPr>
+            <a:endParaRPr lang="en-US" sz="3600" dirty="0"/>
+          </a:p>
+          <a:p>
+            <a:pPr marL="685800" indent="-685800">
+              <a:buFont typeface="Arial" panose="020B0604020202020204" pitchFamily="34" charset="0"/>
+              <a:buChar char="•"/>
+            </a:pPr>
+            <a:endParaRPr lang="en-US" sz="3600" dirty="0"/>
+          </a:p>
+          <a:p>
+            <a:endParaRPr lang="en-US" sz="3600" dirty="0">
+              <a:solidFill>
+                <a:schemeClr val="tx1">
+                  <a:lumMod val="50000"/>
+                </a:schemeClr>
+              </a:solidFill>
+            </a:endParaRPr>
+          </a:p>
+          <a:p>
+            <a:endParaRPr lang="en-US" sz="3600" b="1" dirty="0">
+              <a:solidFill>
+                <a:schemeClr val="tx1"/>
+              </a:solidFill>
+            </a:endParaRPr>
+          </a:p>
+          <a:p>
+            <a:endParaRPr lang="en-US" sz="4000" dirty="0">
+              <a:solidFill>
+                <a:schemeClr val="tx2">
+                  <a:lumMod val="60000"/>
+                  <a:lumOff val="40000"/>
+                </a:schemeClr>
+              </a:solidFill>
+            </a:endParaRPr>
+          </a:p>
+          <a:p>
+            <a:pPr marL="685800" indent="-685800">
+              <a:buFont typeface="Arial" panose="020B0604020202020204" pitchFamily="34" charset="0"/>
+              <a:buChar char="•"/>
+            </a:pPr>
+            <a:endParaRPr lang="en-US" sz="4000" dirty="0"/>
           </a:p>
         </p:txBody>
       </p:sp>
     </p:spTree>
     <p:extLst>
       <p:ext uri="{BB962C8B-B14F-4D97-AF65-F5344CB8AC3E}">
-        <p14:creationId xmlns:p14="http://schemas.microsoft.com/office/powerpoint/2010/main" val="2215208283"/>
+        <p14:creationId xmlns:p14="http://schemas.microsoft.com/office/powerpoint/2010/main" val="353690132"/>
       </p:ext>
     </p:extLst>
   </p:cSld>
@@ -18128,6 +19021,1124 @@
 </file>
 
 <file path=ppt/slides/slide30.xml><?xml version="1.0" encoding="utf-8"?>
+<p:sld xmlns:a="http://schemas.openxmlformats.org/drawingml/2006/main" xmlns:r="http://schemas.openxmlformats.org/officeDocument/2006/relationships" xmlns:p="http://schemas.openxmlformats.org/presentationml/2006/main">
+  <p:cSld>
+    <p:bg>
+      <p:bgPr>
+        <a:blipFill dpi="0" rotWithShape="1">
+          <a:blip r:embed="rId3">
+            <a:alphaModFix amt="12000"/>
+            <a:lum/>
+          </a:blip>
+          <a:srcRect/>
+          <a:stretch>
+            <a:fillRect l="-45000" t="-39000" r="45000" b="-39000"/>
+          </a:stretch>
+        </a:blipFill>
+        <a:effectLst/>
+      </p:bgPr>
+    </p:bg>
+    <p:spTree>
+      <p:nvGrpSpPr>
+        <p:cNvPr id="1" name=""/>
+        <p:cNvGrpSpPr/>
+        <p:nvPr/>
+      </p:nvGrpSpPr>
+      <p:grpSpPr>
+        <a:xfrm>
+          <a:off x="0" y="0"/>
+          <a:ext cx="0" cy="0"/>
+          <a:chOff x="0" y="0"/>
+          <a:chExt cx="0" cy="0"/>
+        </a:xfrm>
+      </p:grpSpPr>
+      <p:sp>
+        <p:nvSpPr>
+          <p:cNvPr id="8" name="TextBox 7"/>
+          <p:cNvSpPr txBox="1"/>
+          <p:nvPr/>
+        </p:nvSpPr>
+        <p:spPr>
+          <a:xfrm>
+            <a:off x="4145965" y="-846623"/>
+            <a:ext cx="362072" cy="621556"/>
+          </a:xfrm>
+          <a:prstGeom prst="rect">
+            <a:avLst/>
+          </a:prstGeom>
+          <a:noFill/>
+        </p:spPr>
+        <p:txBody>
+          <a:bodyPr wrap="none" lIns="179285" tIns="143428" rIns="179285" bIns="143428" rtlCol="0">
+            <a:spAutoFit/>
+          </a:bodyPr>
+          <a:lstStyle/>
+          <a:p>
+            <a:pPr>
+              <a:lnSpc>
+                <a:spcPct val="90000"/>
+              </a:lnSpc>
+              <a:spcAft>
+                <a:spcPts val="588"/>
+              </a:spcAft>
+            </a:pPr>
+            <a:endParaRPr lang="en-US" sz="2353" dirty="0" err="1">
+              <a:gradFill>
+                <a:gsLst>
+                  <a:gs pos="2917">
+                    <a:schemeClr val="tx1"/>
+                  </a:gs>
+                  <a:gs pos="30000">
+                    <a:schemeClr val="tx1"/>
+                  </a:gs>
+                </a:gsLst>
+                <a:lin ang="5400000" scaled="0"/>
+              </a:gradFill>
+            </a:endParaRPr>
+          </a:p>
+        </p:txBody>
+      </p:sp>
+      <p:pic>
+        <p:nvPicPr>
+          <p:cNvPr id="6" name="Picture 5"/>
+          <p:cNvPicPr>
+            <a:picLocks noChangeAspect="1"/>
+          </p:cNvPicPr>
+          <p:nvPr/>
+        </p:nvPicPr>
+        <p:blipFill>
+          <a:blip r:embed="rId4"/>
+          <a:stretch>
+            <a:fillRect/>
+          </a:stretch>
+        </p:blipFill>
+        <p:spPr>
+          <a:xfrm>
+            <a:off x="8386354" y="301617"/>
+            <a:ext cx="3564922" cy="440924"/>
+          </a:xfrm>
+          <a:prstGeom prst="rect">
+            <a:avLst/>
+          </a:prstGeom>
+        </p:spPr>
+      </p:pic>
+      <p:sp>
+        <p:nvSpPr>
+          <p:cNvPr id="9" name="Title 2"/>
+          <p:cNvSpPr txBox="1">
+            <a:spLocks/>
+          </p:cNvSpPr>
+          <p:nvPr/>
+        </p:nvSpPr>
+        <p:spPr>
+          <a:xfrm>
+            <a:off x="226484" y="129039"/>
+            <a:ext cx="8414596" cy="786080"/>
+          </a:xfrm>
+          <a:prstGeom prst="rect">
+            <a:avLst/>
+          </a:prstGeom>
+        </p:spPr>
+        <p:txBody>
+          <a:bodyPr/>
+          <a:lstStyle>
+            <a:lvl1pPr algn="l" defTabSz="914367" rtl="0" eaLnBrk="1" latinLnBrk="0" hangingPunct="1">
+              <a:lnSpc>
+                <a:spcPct val="90000"/>
+              </a:lnSpc>
+              <a:spcBef>
+                <a:spcPct val="0"/>
+              </a:spcBef>
+              <a:buNone/>
+              <a:defRPr lang="en-US" sz="4705" b="0" kern="1200" cap="none" spc="-100" baseline="0" dirty="0" smtClean="0">
+                <a:ln w="3175">
+                  <a:noFill/>
+                </a:ln>
+                <a:gradFill>
+                  <a:gsLst>
+                    <a:gs pos="1250">
+                      <a:schemeClr val="tx1"/>
+                    </a:gs>
+                    <a:gs pos="100000">
+                      <a:schemeClr val="tx1"/>
+                    </a:gs>
+                  </a:gsLst>
+                  <a:lin ang="5400000" scaled="0"/>
+                </a:gradFill>
+                <a:effectLst/>
+                <a:latin typeface="+mj-lt"/>
+                <a:ea typeface="+mn-ea"/>
+                <a:cs typeface="Segoe UI" pitchFamily="34" charset="0"/>
+              </a:defRPr>
+            </a:lvl1pPr>
+          </a:lstStyle>
+          <a:p>
+            <a:r>
+              <a:rPr lang="en-US" sz="4200" dirty="0" err="1"/>
+              <a:t>DisplayAlertAsync</a:t>
+            </a:r>
+            <a:endParaRPr lang="en-US" sz="4200" dirty="0"/>
+          </a:p>
+        </p:txBody>
+      </p:sp>
+      <p:sp>
+        <p:nvSpPr>
+          <p:cNvPr id="10" name="Title 2"/>
+          <p:cNvSpPr txBox="1">
+            <a:spLocks/>
+          </p:cNvSpPr>
+          <p:nvPr/>
+        </p:nvSpPr>
+        <p:spPr>
+          <a:xfrm>
+            <a:off x="316423" y="1125477"/>
+            <a:ext cx="11724199" cy="5587312"/>
+          </a:xfrm>
+          <a:prstGeom prst="rect">
+            <a:avLst/>
+          </a:prstGeom>
+        </p:spPr>
+        <p:txBody>
+          <a:bodyPr/>
+          <a:lstStyle>
+            <a:lvl1pPr algn="l" defTabSz="914367" rtl="0" eaLnBrk="1" latinLnBrk="0" hangingPunct="1">
+              <a:lnSpc>
+                <a:spcPct val="90000"/>
+              </a:lnSpc>
+              <a:spcBef>
+                <a:spcPct val="0"/>
+              </a:spcBef>
+              <a:buNone/>
+              <a:defRPr lang="en-US" sz="4705" b="0" kern="1200" cap="none" spc="-100" baseline="0" dirty="0" smtClean="0">
+                <a:ln w="3175">
+                  <a:noFill/>
+                </a:ln>
+                <a:gradFill>
+                  <a:gsLst>
+                    <a:gs pos="1250">
+                      <a:schemeClr val="tx1"/>
+                    </a:gs>
+                    <a:gs pos="100000">
+                      <a:schemeClr val="tx1"/>
+                    </a:gs>
+                  </a:gsLst>
+                  <a:lin ang="5400000" scaled="0"/>
+                </a:gradFill>
+                <a:effectLst/>
+                <a:latin typeface="+mj-lt"/>
+                <a:ea typeface="+mn-ea"/>
+                <a:cs typeface="Segoe UI" pitchFamily="34" charset="0"/>
+              </a:defRPr>
+            </a:lvl1pPr>
+          </a:lstStyle>
+          <a:p>
+            <a:pPr marL="457200" indent="-457200">
+              <a:buFont typeface="Arial" panose="020B0604020202020204" pitchFamily="34" charset="0"/>
+              <a:buChar char="•"/>
+            </a:pPr>
+            <a:r>
+              <a:rPr lang="en-GB" sz="2800" dirty="0"/>
+              <a:t>To get a response from an alert, supply text for both buttons and await the method. </a:t>
+            </a:r>
+          </a:p>
+          <a:p>
+            <a:pPr marL="457200" indent="-457200">
+              <a:buFont typeface="Arial" panose="020B0604020202020204" pitchFamily="34" charset="0"/>
+              <a:buChar char="•"/>
+            </a:pPr>
+            <a:r>
+              <a:rPr lang="en-GB" sz="2800" dirty="0"/>
+              <a:t>After the user selects one of the options the answer will be returned to your code</a:t>
+            </a:r>
+            <a:endParaRPr lang="en-GB" sz="2800" dirty="0"/>
+          </a:p>
+          <a:p>
+            <a:pPr marL="457200" indent="-457200">
+              <a:buFont typeface="Arial" panose="020B0604020202020204" pitchFamily="34" charset="0"/>
+              <a:buChar char="•"/>
+            </a:pPr>
+            <a:endParaRPr lang="en-GB" sz="2800" dirty="0"/>
+          </a:p>
+          <a:p>
+            <a:pPr marL="457200" indent="-457200">
+              <a:buFont typeface="Arial" panose="020B0604020202020204" pitchFamily="34" charset="0"/>
+              <a:buChar char="•"/>
+            </a:pPr>
+            <a:endParaRPr lang="en-GB" sz="2800" dirty="0"/>
+          </a:p>
+          <a:p>
+            <a:pPr marL="571500" indent="-571500">
+              <a:buFont typeface="Arial" panose="020B0604020202020204" pitchFamily="34" charset="0"/>
+              <a:buChar char="•"/>
+            </a:pPr>
+            <a:endParaRPr lang="en-GB" sz="3600" dirty="0"/>
+          </a:p>
+          <a:p>
+            <a:pPr marL="571500" indent="-571500">
+              <a:buFont typeface="Arial" panose="020B0604020202020204" pitchFamily="34" charset="0"/>
+              <a:buChar char="•"/>
+            </a:pPr>
+            <a:endParaRPr lang="en-GB" sz="3600" dirty="0"/>
+          </a:p>
+          <a:p>
+            <a:endParaRPr lang="en-GB" sz="3600" b="1" dirty="0"/>
+          </a:p>
+          <a:p>
+            <a:endParaRPr lang="en-GB" sz="3600" b="1" dirty="0"/>
+          </a:p>
+          <a:p>
+            <a:endParaRPr lang="en-GB" sz="3600" b="1" dirty="0"/>
+          </a:p>
+          <a:p>
+            <a:endParaRPr lang="en-GB" sz="3600" b="1" dirty="0"/>
+          </a:p>
+          <a:p>
+            <a:r>
+              <a:rPr lang="en-GB" sz="3600" b="1" dirty="0"/>
+              <a:t>`</a:t>
+            </a:r>
+          </a:p>
+        </p:txBody>
+      </p:sp>
+      <p:pic>
+        <p:nvPicPr>
+          <p:cNvPr id="2" name="Picture 1"/>
+          <p:cNvPicPr>
+            <a:picLocks noChangeAspect="1"/>
+          </p:cNvPicPr>
+          <p:nvPr/>
+        </p:nvPicPr>
+        <p:blipFill>
+          <a:blip r:embed="rId5"/>
+          <a:stretch>
+            <a:fillRect/>
+          </a:stretch>
+        </p:blipFill>
+        <p:spPr>
+          <a:xfrm>
+            <a:off x="2977329" y="2919411"/>
+            <a:ext cx="6924675" cy="1019175"/>
+          </a:xfrm>
+          <a:prstGeom prst="rect">
+            <a:avLst/>
+          </a:prstGeom>
+          <a:ln>
+            <a:noFill/>
+          </a:ln>
+          <a:effectLst>
+            <a:outerShdw blurRad="292100" dist="139700" dir="2700000" algn="tl" rotWithShape="0">
+              <a:srgbClr val="333333">
+                <a:alpha val="65000"/>
+              </a:srgbClr>
+            </a:outerShdw>
+          </a:effectLst>
+        </p:spPr>
+      </p:pic>
+      <p:pic>
+        <p:nvPicPr>
+          <p:cNvPr id="7" name="Picture 6"/>
+          <p:cNvPicPr>
+            <a:picLocks noChangeAspect="1"/>
+          </p:cNvPicPr>
+          <p:nvPr/>
+        </p:nvPicPr>
+        <p:blipFill>
+          <a:blip r:embed="rId6"/>
+          <a:stretch>
+            <a:fillRect/>
+          </a:stretch>
+        </p:blipFill>
+        <p:spPr>
+          <a:xfrm>
+            <a:off x="3026425" y="4465211"/>
+            <a:ext cx="6924675" cy="1609725"/>
+          </a:xfrm>
+          <a:prstGeom prst="rect">
+            <a:avLst/>
+          </a:prstGeom>
+          <a:ln>
+            <a:noFill/>
+          </a:ln>
+          <a:effectLst>
+            <a:outerShdw blurRad="292100" dist="139700" dir="2700000" algn="tl" rotWithShape="0">
+              <a:srgbClr val="333333">
+                <a:alpha val="65000"/>
+              </a:srgbClr>
+            </a:outerShdw>
+          </a:effectLst>
+        </p:spPr>
+      </p:pic>
+    </p:spTree>
+    <p:extLst>
+      <p:ext uri="{BB962C8B-B14F-4D97-AF65-F5344CB8AC3E}">
+        <p14:creationId xmlns:p14="http://schemas.microsoft.com/office/powerpoint/2010/main" val="384594679"/>
+      </p:ext>
+    </p:extLst>
+  </p:cSld>
+  <p:clrMapOvr>
+    <a:masterClrMapping/>
+  </p:clrMapOvr>
+  <p:transition>
+    <p:fade/>
+  </p:transition>
+</p:sld>
+</file>
+
+<file path=ppt/slides/slide31.xml><?xml version="1.0" encoding="utf-8"?>
+<p:sld xmlns:a="http://schemas.openxmlformats.org/drawingml/2006/main" xmlns:r="http://schemas.openxmlformats.org/officeDocument/2006/relationships" xmlns:p="http://schemas.openxmlformats.org/presentationml/2006/main">
+  <p:cSld>
+    <p:bg>
+      <p:bgPr>
+        <a:blipFill dpi="0" rotWithShape="1">
+          <a:blip r:embed="rId3">
+            <a:alphaModFix amt="12000"/>
+            <a:lum/>
+          </a:blip>
+          <a:srcRect/>
+          <a:stretch>
+            <a:fillRect l="-45000" t="-39000" r="45000" b="-39000"/>
+          </a:stretch>
+        </a:blipFill>
+        <a:effectLst/>
+      </p:bgPr>
+    </p:bg>
+    <p:spTree>
+      <p:nvGrpSpPr>
+        <p:cNvPr id="1" name=""/>
+        <p:cNvGrpSpPr/>
+        <p:nvPr/>
+      </p:nvGrpSpPr>
+      <p:grpSpPr>
+        <a:xfrm>
+          <a:off x="0" y="0"/>
+          <a:ext cx="0" cy="0"/>
+          <a:chOff x="0" y="0"/>
+          <a:chExt cx="0" cy="0"/>
+        </a:xfrm>
+      </p:grpSpPr>
+      <p:sp>
+        <p:nvSpPr>
+          <p:cNvPr id="8" name="TextBox 7"/>
+          <p:cNvSpPr txBox="1"/>
+          <p:nvPr/>
+        </p:nvSpPr>
+        <p:spPr>
+          <a:xfrm>
+            <a:off x="4145965" y="-846623"/>
+            <a:ext cx="362072" cy="621556"/>
+          </a:xfrm>
+          <a:prstGeom prst="rect">
+            <a:avLst/>
+          </a:prstGeom>
+          <a:noFill/>
+        </p:spPr>
+        <p:txBody>
+          <a:bodyPr wrap="none" lIns="179285" tIns="143428" rIns="179285" bIns="143428" rtlCol="0">
+            <a:spAutoFit/>
+          </a:bodyPr>
+          <a:lstStyle/>
+          <a:p>
+            <a:pPr>
+              <a:lnSpc>
+                <a:spcPct val="90000"/>
+              </a:lnSpc>
+              <a:spcAft>
+                <a:spcPts val="588"/>
+              </a:spcAft>
+            </a:pPr>
+            <a:endParaRPr lang="en-US" sz="2353" dirty="0" err="1">
+              <a:gradFill>
+                <a:gsLst>
+                  <a:gs pos="2917">
+                    <a:schemeClr val="tx1"/>
+                  </a:gs>
+                  <a:gs pos="30000">
+                    <a:schemeClr val="tx1"/>
+                  </a:gs>
+                </a:gsLst>
+                <a:lin ang="5400000" scaled="0"/>
+              </a:gradFill>
+            </a:endParaRPr>
+          </a:p>
+        </p:txBody>
+      </p:sp>
+      <p:pic>
+        <p:nvPicPr>
+          <p:cNvPr id="6" name="Picture 5"/>
+          <p:cNvPicPr>
+            <a:picLocks noChangeAspect="1"/>
+          </p:cNvPicPr>
+          <p:nvPr/>
+        </p:nvPicPr>
+        <p:blipFill>
+          <a:blip r:embed="rId4"/>
+          <a:stretch>
+            <a:fillRect/>
+          </a:stretch>
+        </p:blipFill>
+        <p:spPr>
+          <a:xfrm>
+            <a:off x="8386354" y="301617"/>
+            <a:ext cx="3564922" cy="440924"/>
+          </a:xfrm>
+          <a:prstGeom prst="rect">
+            <a:avLst/>
+          </a:prstGeom>
+        </p:spPr>
+      </p:pic>
+      <p:sp>
+        <p:nvSpPr>
+          <p:cNvPr id="9" name="Title 2"/>
+          <p:cNvSpPr txBox="1">
+            <a:spLocks/>
+          </p:cNvSpPr>
+          <p:nvPr/>
+        </p:nvSpPr>
+        <p:spPr>
+          <a:xfrm>
+            <a:off x="226484" y="129039"/>
+            <a:ext cx="8414596" cy="786080"/>
+          </a:xfrm>
+          <a:prstGeom prst="rect">
+            <a:avLst/>
+          </a:prstGeom>
+        </p:spPr>
+        <p:txBody>
+          <a:bodyPr/>
+          <a:lstStyle>
+            <a:lvl1pPr algn="l" defTabSz="914367" rtl="0" eaLnBrk="1" latinLnBrk="0" hangingPunct="1">
+              <a:lnSpc>
+                <a:spcPct val="90000"/>
+              </a:lnSpc>
+              <a:spcBef>
+                <a:spcPct val="0"/>
+              </a:spcBef>
+              <a:buNone/>
+              <a:defRPr lang="en-US" sz="4705" b="0" kern="1200" cap="none" spc="-100" baseline="0" dirty="0" smtClean="0">
+                <a:ln w="3175">
+                  <a:noFill/>
+                </a:ln>
+                <a:gradFill>
+                  <a:gsLst>
+                    <a:gs pos="1250">
+                      <a:schemeClr val="tx1"/>
+                    </a:gs>
+                    <a:gs pos="100000">
+                      <a:schemeClr val="tx1"/>
+                    </a:gs>
+                  </a:gsLst>
+                  <a:lin ang="5400000" scaled="0"/>
+                </a:gradFill>
+                <a:effectLst/>
+                <a:latin typeface="+mj-lt"/>
+                <a:ea typeface="+mn-ea"/>
+                <a:cs typeface="Segoe UI" pitchFamily="34" charset="0"/>
+              </a:defRPr>
+            </a:lvl1pPr>
+          </a:lstStyle>
+          <a:p>
+            <a:r>
+              <a:rPr lang="en-US" sz="4200" dirty="0" err="1"/>
+              <a:t>DisplayActionSheetAsync</a:t>
+            </a:r>
+            <a:endParaRPr lang="en-US" sz="4200" dirty="0"/>
+          </a:p>
+        </p:txBody>
+      </p:sp>
+      <p:sp>
+        <p:nvSpPr>
+          <p:cNvPr id="10" name="Title 2"/>
+          <p:cNvSpPr txBox="1">
+            <a:spLocks/>
+          </p:cNvSpPr>
+          <p:nvPr/>
+        </p:nvSpPr>
+        <p:spPr>
+          <a:xfrm>
+            <a:off x="316423" y="1125477"/>
+            <a:ext cx="11724199" cy="5587312"/>
+          </a:xfrm>
+          <a:prstGeom prst="rect">
+            <a:avLst/>
+          </a:prstGeom>
+        </p:spPr>
+        <p:txBody>
+          <a:bodyPr/>
+          <a:lstStyle>
+            <a:lvl1pPr algn="l" defTabSz="914367" rtl="0" eaLnBrk="1" latinLnBrk="0" hangingPunct="1">
+              <a:lnSpc>
+                <a:spcPct val="90000"/>
+              </a:lnSpc>
+              <a:spcBef>
+                <a:spcPct val="0"/>
+              </a:spcBef>
+              <a:buNone/>
+              <a:defRPr lang="en-US" sz="4705" b="0" kern="1200" cap="none" spc="-100" baseline="0" dirty="0" smtClean="0">
+                <a:ln w="3175">
+                  <a:noFill/>
+                </a:ln>
+                <a:gradFill>
+                  <a:gsLst>
+                    <a:gs pos="1250">
+                      <a:schemeClr val="tx1"/>
+                    </a:gs>
+                    <a:gs pos="100000">
+                      <a:schemeClr val="tx1"/>
+                    </a:gs>
+                  </a:gsLst>
+                  <a:lin ang="5400000" scaled="0"/>
+                </a:gradFill>
+                <a:effectLst/>
+                <a:latin typeface="+mj-lt"/>
+                <a:ea typeface="+mn-ea"/>
+                <a:cs typeface="Segoe UI" pitchFamily="34" charset="0"/>
+              </a:defRPr>
+            </a:lvl1pPr>
+          </a:lstStyle>
+          <a:p>
+            <a:pPr marL="457200" indent="-457200">
+              <a:buFont typeface="Arial" panose="020B0604020202020204" pitchFamily="34" charset="0"/>
+              <a:buChar char="•"/>
+            </a:pPr>
+            <a:r>
+              <a:rPr lang="en-GB" sz="2800" dirty="0"/>
+              <a:t>To display an action sheet, await </a:t>
+            </a:r>
+            <a:r>
+              <a:rPr lang="en-GB" sz="2800" dirty="0" err="1"/>
+              <a:t>DisplayActionSheetAsync</a:t>
+            </a:r>
+            <a:r>
+              <a:rPr lang="en-GB" sz="2800" dirty="0"/>
+              <a:t> in any </a:t>
+            </a:r>
+            <a:r>
+              <a:rPr lang="en-GB" sz="2800" dirty="0" err="1"/>
+              <a:t>ViewModel</a:t>
+            </a:r>
+            <a:r>
+              <a:rPr lang="en-GB" sz="2800" dirty="0"/>
+              <a:t>, passing the message and button labels as strings. </a:t>
+            </a:r>
+          </a:p>
+          <a:p>
+            <a:pPr marL="457200" indent="-457200">
+              <a:buFont typeface="Arial" panose="020B0604020202020204" pitchFamily="34" charset="0"/>
+              <a:buChar char="•"/>
+            </a:pPr>
+            <a:r>
+              <a:rPr lang="en-GB" sz="2800" dirty="0"/>
+              <a:t>The method returns the string label of the button that was clicked by the user</a:t>
+            </a:r>
+          </a:p>
+          <a:p>
+            <a:pPr marL="457200" indent="-457200">
+              <a:buFont typeface="Arial" panose="020B0604020202020204" pitchFamily="34" charset="0"/>
+              <a:buChar char="•"/>
+            </a:pPr>
+            <a:endParaRPr lang="en-GB" sz="2800" dirty="0"/>
+          </a:p>
+          <a:p>
+            <a:pPr marL="457200" indent="-457200">
+              <a:buFont typeface="Arial" panose="020B0604020202020204" pitchFamily="34" charset="0"/>
+              <a:buChar char="•"/>
+            </a:pPr>
+            <a:endParaRPr lang="en-GB" sz="2800" dirty="0"/>
+          </a:p>
+          <a:p>
+            <a:pPr marL="571500" indent="-571500">
+              <a:buFont typeface="Arial" panose="020B0604020202020204" pitchFamily="34" charset="0"/>
+              <a:buChar char="•"/>
+            </a:pPr>
+            <a:endParaRPr lang="en-GB" sz="3600" dirty="0"/>
+          </a:p>
+          <a:p>
+            <a:pPr marL="571500" indent="-571500">
+              <a:buFont typeface="Arial" panose="020B0604020202020204" pitchFamily="34" charset="0"/>
+              <a:buChar char="•"/>
+            </a:pPr>
+            <a:endParaRPr lang="en-GB" sz="3600" dirty="0"/>
+          </a:p>
+          <a:p>
+            <a:endParaRPr lang="en-GB" sz="3600" b="1" dirty="0"/>
+          </a:p>
+          <a:p>
+            <a:endParaRPr lang="en-GB" sz="3600" b="1" dirty="0"/>
+          </a:p>
+          <a:p>
+            <a:endParaRPr lang="en-GB" sz="3600" b="1" dirty="0"/>
+          </a:p>
+          <a:p>
+            <a:endParaRPr lang="en-GB" sz="3600" b="1" dirty="0"/>
+          </a:p>
+          <a:p>
+            <a:r>
+              <a:rPr lang="en-GB" sz="3600" b="1" dirty="0"/>
+              <a:t>`</a:t>
+            </a:r>
+          </a:p>
+        </p:txBody>
+      </p:sp>
+      <p:pic>
+        <p:nvPicPr>
+          <p:cNvPr id="5" name="Picture 4"/>
+          <p:cNvPicPr>
+            <a:picLocks noChangeAspect="1"/>
+          </p:cNvPicPr>
+          <p:nvPr/>
+        </p:nvPicPr>
+        <p:blipFill>
+          <a:blip r:embed="rId5"/>
+          <a:stretch>
+            <a:fillRect/>
+          </a:stretch>
+        </p:blipFill>
+        <p:spPr>
+          <a:xfrm>
+            <a:off x="316423" y="2473411"/>
+            <a:ext cx="6819900" cy="847725"/>
+          </a:xfrm>
+          <a:prstGeom prst="rect">
+            <a:avLst/>
+          </a:prstGeom>
+          <a:ln>
+            <a:noFill/>
+          </a:ln>
+          <a:effectLst>
+            <a:outerShdw blurRad="292100" dist="139700" dir="2700000" algn="tl" rotWithShape="0">
+              <a:srgbClr val="333333">
+                <a:alpha val="65000"/>
+              </a:srgbClr>
+            </a:outerShdw>
+          </a:effectLst>
+        </p:spPr>
+      </p:pic>
+      <p:pic>
+        <p:nvPicPr>
+          <p:cNvPr id="11" name="Picture 10"/>
+          <p:cNvPicPr>
+            <a:picLocks noChangeAspect="1"/>
+          </p:cNvPicPr>
+          <p:nvPr/>
+        </p:nvPicPr>
+        <p:blipFill>
+          <a:blip r:embed="rId6"/>
+          <a:stretch>
+            <a:fillRect/>
+          </a:stretch>
+        </p:blipFill>
+        <p:spPr>
+          <a:xfrm>
+            <a:off x="7573047" y="2473411"/>
+            <a:ext cx="4185278" cy="2612130"/>
+          </a:xfrm>
+          <a:prstGeom prst="rect">
+            <a:avLst/>
+          </a:prstGeom>
+          <a:ln>
+            <a:noFill/>
+          </a:ln>
+          <a:effectLst>
+            <a:outerShdw blurRad="292100" dist="139700" dir="2700000" algn="tl" rotWithShape="0">
+              <a:srgbClr val="333333">
+                <a:alpha val="65000"/>
+              </a:srgbClr>
+            </a:outerShdw>
+          </a:effectLst>
+        </p:spPr>
+      </p:pic>
+    </p:spTree>
+    <p:extLst>
+      <p:ext uri="{BB962C8B-B14F-4D97-AF65-F5344CB8AC3E}">
+        <p14:creationId xmlns:p14="http://schemas.microsoft.com/office/powerpoint/2010/main" val="4246193890"/>
+      </p:ext>
+    </p:extLst>
+  </p:cSld>
+  <p:clrMapOvr>
+    <a:masterClrMapping/>
+  </p:clrMapOvr>
+  <p:transition>
+    <p:fade/>
+  </p:transition>
+</p:sld>
+</file>
+
+<file path=ppt/slides/slide32.xml><?xml version="1.0" encoding="utf-8"?>
+<p:sld xmlns:a="http://schemas.openxmlformats.org/drawingml/2006/main" xmlns:r="http://schemas.openxmlformats.org/officeDocument/2006/relationships" xmlns:p="http://schemas.openxmlformats.org/presentationml/2006/main">
+  <p:cSld>
+    <p:bg>
+      <p:bgPr>
+        <a:blipFill dpi="0" rotWithShape="1">
+          <a:blip r:embed="rId3">
+            <a:alphaModFix amt="12000"/>
+            <a:lum/>
+          </a:blip>
+          <a:srcRect/>
+          <a:stretch>
+            <a:fillRect l="-45000" t="-39000" r="45000" b="-39000"/>
+          </a:stretch>
+        </a:blipFill>
+        <a:effectLst/>
+      </p:bgPr>
+    </p:bg>
+    <p:spTree>
+      <p:nvGrpSpPr>
+        <p:cNvPr id="1" name=""/>
+        <p:cNvGrpSpPr/>
+        <p:nvPr/>
+      </p:nvGrpSpPr>
+      <p:grpSpPr>
+        <a:xfrm>
+          <a:off x="0" y="0"/>
+          <a:ext cx="0" cy="0"/>
+          <a:chOff x="0" y="0"/>
+          <a:chExt cx="0" cy="0"/>
+        </a:xfrm>
+      </p:grpSpPr>
+      <p:sp>
+        <p:nvSpPr>
+          <p:cNvPr id="8" name="TextBox 7"/>
+          <p:cNvSpPr txBox="1"/>
+          <p:nvPr/>
+        </p:nvSpPr>
+        <p:spPr>
+          <a:xfrm>
+            <a:off x="4145965" y="-846623"/>
+            <a:ext cx="362072" cy="621556"/>
+          </a:xfrm>
+          <a:prstGeom prst="rect">
+            <a:avLst/>
+          </a:prstGeom>
+          <a:noFill/>
+        </p:spPr>
+        <p:txBody>
+          <a:bodyPr wrap="none" lIns="179285" tIns="143428" rIns="179285" bIns="143428" rtlCol="0">
+            <a:spAutoFit/>
+          </a:bodyPr>
+          <a:lstStyle/>
+          <a:p>
+            <a:pPr>
+              <a:lnSpc>
+                <a:spcPct val="90000"/>
+              </a:lnSpc>
+              <a:spcAft>
+                <a:spcPts val="588"/>
+              </a:spcAft>
+            </a:pPr>
+            <a:endParaRPr lang="en-US" sz="2353" dirty="0" err="1">
+              <a:gradFill>
+                <a:gsLst>
+                  <a:gs pos="2917">
+                    <a:schemeClr val="tx1"/>
+                  </a:gs>
+                  <a:gs pos="30000">
+                    <a:schemeClr val="tx1"/>
+                  </a:gs>
+                </a:gsLst>
+                <a:lin ang="5400000" scaled="0"/>
+              </a:gradFill>
+            </a:endParaRPr>
+          </a:p>
+        </p:txBody>
+      </p:sp>
+      <p:pic>
+        <p:nvPicPr>
+          <p:cNvPr id="6" name="Picture 5"/>
+          <p:cNvPicPr>
+            <a:picLocks noChangeAspect="1"/>
+          </p:cNvPicPr>
+          <p:nvPr/>
+        </p:nvPicPr>
+        <p:blipFill>
+          <a:blip r:embed="rId4"/>
+          <a:stretch>
+            <a:fillRect/>
+          </a:stretch>
+        </p:blipFill>
+        <p:spPr>
+          <a:xfrm>
+            <a:off x="8386354" y="301617"/>
+            <a:ext cx="3564922" cy="440924"/>
+          </a:xfrm>
+          <a:prstGeom prst="rect">
+            <a:avLst/>
+          </a:prstGeom>
+        </p:spPr>
+      </p:pic>
+      <p:sp>
+        <p:nvSpPr>
+          <p:cNvPr id="9" name="Title 2"/>
+          <p:cNvSpPr txBox="1">
+            <a:spLocks/>
+          </p:cNvSpPr>
+          <p:nvPr/>
+        </p:nvSpPr>
+        <p:spPr>
+          <a:xfrm>
+            <a:off x="226484" y="129039"/>
+            <a:ext cx="8414596" cy="786080"/>
+          </a:xfrm>
+          <a:prstGeom prst="rect">
+            <a:avLst/>
+          </a:prstGeom>
+        </p:spPr>
+        <p:txBody>
+          <a:bodyPr/>
+          <a:lstStyle>
+            <a:lvl1pPr algn="l" defTabSz="914367" rtl="0" eaLnBrk="1" latinLnBrk="0" hangingPunct="1">
+              <a:lnSpc>
+                <a:spcPct val="90000"/>
+              </a:lnSpc>
+              <a:spcBef>
+                <a:spcPct val="0"/>
+              </a:spcBef>
+              <a:buNone/>
+              <a:defRPr lang="en-US" sz="4705" b="0" kern="1200" cap="none" spc="-100" baseline="0" dirty="0" smtClean="0">
+                <a:ln w="3175">
+                  <a:noFill/>
+                </a:ln>
+                <a:gradFill>
+                  <a:gsLst>
+                    <a:gs pos="1250">
+                      <a:schemeClr val="tx1"/>
+                    </a:gs>
+                    <a:gs pos="100000">
+                      <a:schemeClr val="tx1"/>
+                    </a:gs>
+                  </a:gsLst>
+                  <a:lin ang="5400000" scaled="0"/>
+                </a:gradFill>
+                <a:effectLst/>
+                <a:latin typeface="+mj-lt"/>
+                <a:ea typeface="+mn-ea"/>
+                <a:cs typeface="Segoe UI" pitchFamily="34" charset="0"/>
+              </a:defRPr>
+            </a:lvl1pPr>
+          </a:lstStyle>
+          <a:p>
+            <a:r>
+              <a:rPr lang="en-US" sz="4200" dirty="0"/>
+              <a:t>More Info</a:t>
+            </a:r>
+          </a:p>
+        </p:txBody>
+      </p:sp>
+      <p:sp>
+        <p:nvSpPr>
+          <p:cNvPr id="10" name="Title 2"/>
+          <p:cNvSpPr txBox="1">
+            <a:spLocks/>
+          </p:cNvSpPr>
+          <p:nvPr/>
+        </p:nvSpPr>
+        <p:spPr>
+          <a:xfrm>
+            <a:off x="746007" y="1829759"/>
+            <a:ext cx="11724199" cy="5587312"/>
+          </a:xfrm>
+          <a:prstGeom prst="rect">
+            <a:avLst/>
+          </a:prstGeom>
+        </p:spPr>
+        <p:txBody>
+          <a:bodyPr/>
+          <a:lstStyle>
+            <a:lvl1pPr algn="l" defTabSz="914367" rtl="0" eaLnBrk="1" latinLnBrk="0" hangingPunct="1">
+              <a:lnSpc>
+                <a:spcPct val="90000"/>
+              </a:lnSpc>
+              <a:spcBef>
+                <a:spcPct val="0"/>
+              </a:spcBef>
+              <a:buNone/>
+              <a:defRPr lang="en-US" sz="4705" b="0" kern="1200" cap="none" spc="-100" baseline="0" dirty="0" smtClean="0">
+                <a:ln w="3175">
+                  <a:noFill/>
+                </a:ln>
+                <a:gradFill>
+                  <a:gsLst>
+                    <a:gs pos="1250">
+                      <a:schemeClr val="tx1"/>
+                    </a:gs>
+                    <a:gs pos="100000">
+                      <a:schemeClr val="tx1"/>
+                    </a:gs>
+                  </a:gsLst>
+                  <a:lin ang="5400000" scaled="0"/>
+                </a:gradFill>
+                <a:effectLst/>
+                <a:latin typeface="+mj-lt"/>
+                <a:ea typeface="+mn-ea"/>
+                <a:cs typeface="Segoe UI" pitchFamily="34" charset="0"/>
+              </a:defRPr>
+            </a:lvl1pPr>
+          </a:lstStyle>
+          <a:p>
+            <a:pPr marL="457200" indent="-457200">
+              <a:buFont typeface="Arial" panose="020B0604020202020204" pitchFamily="34" charset="0"/>
+              <a:buChar char="•"/>
+            </a:pPr>
+            <a:r>
+              <a:rPr lang="en-GB" sz="2800" dirty="0"/>
+              <a:t>Prism GitHub: </a:t>
+            </a:r>
+            <a:r>
+              <a:rPr lang="en-GB" sz="2800" dirty="0"/>
+              <a:t>https://github.com/PrismLibrary/Prism</a:t>
+            </a:r>
+            <a:endParaRPr lang="en-GB" sz="2800" dirty="0"/>
+          </a:p>
+          <a:p>
+            <a:pPr marL="457200" indent="-457200">
+              <a:buFont typeface="Arial" panose="020B0604020202020204" pitchFamily="34" charset="0"/>
+              <a:buChar char="•"/>
+            </a:pPr>
+            <a:endParaRPr lang="en-GB" sz="2800" dirty="0"/>
+          </a:p>
+          <a:p>
+            <a:pPr marL="457200" indent="-457200">
+              <a:buFont typeface="Arial" panose="020B0604020202020204" pitchFamily="34" charset="0"/>
+              <a:buChar char="•"/>
+            </a:pPr>
+            <a:r>
+              <a:rPr lang="en-GB" sz="2800" dirty="0"/>
+              <a:t>Prism Doc: </a:t>
+            </a:r>
+            <a:r>
+              <a:rPr lang="en-GB" sz="2800" dirty="0">
+                <a:hlinkClick r:id="rId5"/>
+              </a:rPr>
+              <a:t>http://prismlibrary.readthedocs.io/en/latest/</a:t>
+            </a:r>
+            <a:endParaRPr lang="en-GB" sz="2800" dirty="0"/>
+          </a:p>
+          <a:p>
+            <a:pPr marL="457200" indent="-457200">
+              <a:buFont typeface="Arial" panose="020B0604020202020204" pitchFamily="34" charset="0"/>
+              <a:buChar char="•"/>
+            </a:pPr>
+            <a:endParaRPr lang="en-GB" sz="2800" dirty="0"/>
+          </a:p>
+          <a:p>
+            <a:pPr marL="457200" indent="-457200">
+              <a:buFont typeface="Arial" panose="020B0604020202020204" pitchFamily="34" charset="0"/>
+              <a:buChar char="•"/>
+            </a:pPr>
+            <a:r>
+              <a:rPr lang="en-GB" sz="2800" dirty="0"/>
+              <a:t>Prism template pack: https://marketplace.visualstudio.com/items?itemName=BrianLagunas.PrismTemplatePack</a:t>
+            </a:r>
+          </a:p>
+          <a:p>
+            <a:pPr marL="457200" indent="-457200">
+              <a:buFont typeface="Arial" panose="020B0604020202020204" pitchFamily="34" charset="0"/>
+              <a:buChar char="•"/>
+            </a:pPr>
+            <a:endParaRPr lang="en-GB" sz="2800" dirty="0"/>
+          </a:p>
+          <a:p>
+            <a:pPr marL="457200" indent="-457200">
+              <a:buFont typeface="Arial" panose="020B0604020202020204" pitchFamily="34" charset="0"/>
+              <a:buChar char="•"/>
+            </a:pPr>
+            <a:r>
+              <a:rPr lang="en-GB" sz="2800" dirty="0"/>
+              <a:t>This demo repo : </a:t>
+            </a:r>
+            <a:r>
+              <a:rPr lang="en-GB" sz="2800" dirty="0">
+                <a:hlinkClick r:id="rId6"/>
+              </a:rPr>
+              <a:t>https://github.com/PrismLibrary/Prism</a:t>
+            </a:r>
+            <a:endParaRPr lang="en-GB" sz="2800" dirty="0"/>
+          </a:p>
+          <a:p>
+            <a:pPr marL="457200" indent="-457200">
+              <a:buFont typeface="Arial" panose="020B0604020202020204" pitchFamily="34" charset="0"/>
+              <a:buChar char="•"/>
+            </a:pPr>
+            <a:endParaRPr lang="en-GB" sz="2800" dirty="0"/>
+          </a:p>
+          <a:p>
+            <a:pPr marL="457200" indent="-457200">
+              <a:buFont typeface="Arial" panose="020B0604020202020204" pitchFamily="34" charset="0"/>
+              <a:buChar char="•"/>
+            </a:pPr>
+            <a:endParaRPr lang="en-GB" sz="2800" dirty="0"/>
+          </a:p>
+          <a:p>
+            <a:pPr marL="457200" indent="-457200">
+              <a:buFont typeface="Arial" panose="020B0604020202020204" pitchFamily="34" charset="0"/>
+              <a:buChar char="•"/>
+            </a:pPr>
+            <a:endParaRPr lang="en-GB" sz="2800" dirty="0"/>
+          </a:p>
+          <a:p>
+            <a:pPr marL="457200" indent="-457200">
+              <a:buFont typeface="Arial" panose="020B0604020202020204" pitchFamily="34" charset="0"/>
+              <a:buChar char="•"/>
+            </a:pPr>
+            <a:endParaRPr lang="en-GB" sz="2800" dirty="0"/>
+          </a:p>
+          <a:p>
+            <a:pPr marL="457200" indent="-457200">
+              <a:buFont typeface="Arial" panose="020B0604020202020204" pitchFamily="34" charset="0"/>
+              <a:buChar char="•"/>
+            </a:pPr>
+            <a:endParaRPr lang="en-GB" sz="2800" dirty="0"/>
+          </a:p>
+          <a:p>
+            <a:pPr marL="571500" indent="-571500">
+              <a:buFont typeface="Arial" panose="020B0604020202020204" pitchFamily="34" charset="0"/>
+              <a:buChar char="•"/>
+            </a:pPr>
+            <a:endParaRPr lang="en-GB" sz="3600" dirty="0"/>
+          </a:p>
+          <a:p>
+            <a:pPr marL="571500" indent="-571500">
+              <a:buFont typeface="Arial" panose="020B0604020202020204" pitchFamily="34" charset="0"/>
+              <a:buChar char="•"/>
+            </a:pPr>
+            <a:endParaRPr lang="en-GB" sz="3600" dirty="0"/>
+          </a:p>
+          <a:p>
+            <a:endParaRPr lang="en-GB" sz="3600" b="1" dirty="0"/>
+          </a:p>
+          <a:p>
+            <a:endParaRPr lang="en-GB" sz="3600" b="1" dirty="0"/>
+          </a:p>
+          <a:p>
+            <a:endParaRPr lang="en-GB" sz="3600" b="1" dirty="0"/>
+          </a:p>
+          <a:p>
+            <a:endParaRPr lang="en-GB" sz="3600" b="1" dirty="0"/>
+          </a:p>
+          <a:p>
+            <a:r>
+              <a:rPr lang="en-GB" sz="3600" b="1" dirty="0"/>
+              <a:t>`</a:t>
+            </a:r>
+          </a:p>
+        </p:txBody>
+      </p:sp>
+    </p:spTree>
+    <p:extLst>
+      <p:ext uri="{BB962C8B-B14F-4D97-AF65-F5344CB8AC3E}">
+        <p14:creationId xmlns:p14="http://schemas.microsoft.com/office/powerpoint/2010/main" val="4019921946"/>
+      </p:ext>
+    </p:extLst>
+  </p:cSld>
+  <p:clrMapOvr>
+    <a:masterClrMapping/>
+  </p:clrMapOvr>
+  <p:transition>
+    <p:fade/>
+  </p:transition>
+</p:sld>
+</file>
+
+<file path=ppt/slides/slide33.xml><?xml version="1.0" encoding="utf-8"?>
 <p:sld xmlns:a="http://schemas.openxmlformats.org/drawingml/2006/main" xmlns:r="http://schemas.openxmlformats.org/officeDocument/2006/relationships" xmlns:p="http://schemas.openxmlformats.org/presentationml/2006/main">
   <p:cSld>
     <p:bg>
@@ -18892,322 +20903,6 @@
         </p:nvSpPr>
         <p:spPr>
           <a:xfrm>
-            <a:off x="-181992" y="129039"/>
-            <a:ext cx="8396834" cy="786080"/>
-          </a:xfrm>
-          <a:prstGeom prst="rect">
-            <a:avLst/>
-          </a:prstGeom>
-        </p:spPr>
-        <p:txBody>
-          <a:bodyPr/>
-          <a:lstStyle>
-            <a:lvl1pPr algn="l" defTabSz="914367" rtl="0" eaLnBrk="1" latinLnBrk="0" hangingPunct="1">
-              <a:lnSpc>
-                <a:spcPct val="90000"/>
-              </a:lnSpc>
-              <a:spcBef>
-                <a:spcPct val="0"/>
-              </a:spcBef>
-              <a:buNone/>
-              <a:defRPr lang="en-US" sz="4705" b="0" kern="1200" cap="none" spc="-100" baseline="0" dirty="0" smtClean="0">
-                <a:ln w="3175">
-                  <a:noFill/>
-                </a:ln>
-                <a:gradFill>
-                  <a:gsLst>
-                    <a:gs pos="1250">
-                      <a:schemeClr val="tx1"/>
-                    </a:gs>
-                    <a:gs pos="100000">
-                      <a:schemeClr val="tx1"/>
-                    </a:gs>
-                  </a:gsLst>
-                  <a:lin ang="5400000" scaled="0"/>
-                </a:gradFill>
-                <a:effectLst/>
-                <a:latin typeface="+mj-lt"/>
-                <a:ea typeface="+mn-ea"/>
-                <a:cs typeface="Segoe UI" pitchFamily="34" charset="0"/>
-              </a:defRPr>
-            </a:lvl1pPr>
-          </a:lstStyle>
-          <a:p>
-            <a:pPr algn="ctr"/>
-            <a:r>
-              <a:rPr lang="en-US" sz="6000" dirty="0"/>
-              <a:t>Prism for </a:t>
-            </a:r>
-            <a:r>
-              <a:rPr lang="en-US" sz="6000" dirty="0" err="1"/>
-              <a:t>Xamarin.Forms</a:t>
-            </a:r>
-            <a:endParaRPr lang="en-US" sz="6000" dirty="0"/>
-          </a:p>
-        </p:txBody>
-      </p:sp>
-      <p:sp>
-        <p:nvSpPr>
-          <p:cNvPr id="5" name="Title 2"/>
-          <p:cNvSpPr txBox="1">
-            <a:spLocks/>
-          </p:cNvSpPr>
-          <p:nvPr/>
-        </p:nvSpPr>
-        <p:spPr>
-          <a:xfrm>
-            <a:off x="336168" y="1820723"/>
-            <a:ext cx="8471499" cy="3946942"/>
-          </a:xfrm>
-          <a:prstGeom prst="rect">
-            <a:avLst/>
-          </a:prstGeom>
-        </p:spPr>
-        <p:txBody>
-          <a:bodyPr/>
-          <a:lstStyle>
-            <a:lvl1pPr algn="l" defTabSz="914367" rtl="0" eaLnBrk="1" latinLnBrk="0" hangingPunct="1">
-              <a:lnSpc>
-                <a:spcPct val="90000"/>
-              </a:lnSpc>
-              <a:spcBef>
-                <a:spcPct val="0"/>
-              </a:spcBef>
-              <a:buNone/>
-              <a:defRPr lang="en-US" sz="4705" b="0" kern="1200" cap="none" spc="-100" baseline="0" dirty="0" smtClean="0">
-                <a:ln w="3175">
-                  <a:noFill/>
-                </a:ln>
-                <a:gradFill>
-                  <a:gsLst>
-                    <a:gs pos="1250">
-                      <a:schemeClr val="tx1"/>
-                    </a:gs>
-                    <a:gs pos="100000">
-                      <a:schemeClr val="tx1"/>
-                    </a:gs>
-                  </a:gsLst>
-                  <a:lin ang="5400000" scaled="0"/>
-                </a:gradFill>
-                <a:effectLst/>
-                <a:latin typeface="+mj-lt"/>
-                <a:ea typeface="+mn-ea"/>
-                <a:cs typeface="Segoe UI" pitchFamily="34" charset="0"/>
-              </a:defRPr>
-            </a:lvl1pPr>
-          </a:lstStyle>
-          <a:p>
-            <a:pPr marL="685800" indent="-685800">
-              <a:buFont typeface="Arial" panose="020B0604020202020204" pitchFamily="34" charset="0"/>
-              <a:buChar char="•"/>
-            </a:pPr>
-            <a:r>
-              <a:rPr lang="en-US" sz="3600" dirty="0"/>
-              <a:t>MVVM quick recap</a:t>
-            </a:r>
-          </a:p>
-          <a:p>
-            <a:pPr marL="685800" indent="-685800">
-              <a:buFont typeface="Arial" panose="020B0604020202020204" pitchFamily="34" charset="0"/>
-              <a:buChar char="•"/>
-            </a:pPr>
-            <a:endParaRPr lang="en-US" sz="3600" dirty="0"/>
-          </a:p>
-          <a:p>
-            <a:pPr marL="685800" indent="-685800">
-              <a:buFont typeface="Arial" panose="020B0604020202020204" pitchFamily="34" charset="0"/>
-              <a:buChar char="•"/>
-            </a:pPr>
-            <a:r>
-              <a:rPr lang="en-US" sz="3600" dirty="0"/>
-              <a:t>MVVM in </a:t>
-            </a:r>
-            <a:r>
-              <a:rPr lang="en-US" sz="3600" dirty="0" err="1"/>
-              <a:t>Xamarin.Forms</a:t>
-            </a:r>
-            <a:r>
-              <a:rPr lang="en-US" sz="3600" dirty="0"/>
-              <a:t> : Not really</a:t>
-            </a:r>
-          </a:p>
-          <a:p>
-            <a:pPr marL="685800" indent="-685800">
-              <a:buFont typeface="Arial" panose="020B0604020202020204" pitchFamily="34" charset="0"/>
-              <a:buChar char="•"/>
-            </a:pPr>
-            <a:endParaRPr lang="en-US" sz="3600" dirty="0"/>
-          </a:p>
-          <a:p>
-            <a:pPr marL="685800" indent="-685800">
-              <a:buFont typeface="Arial" panose="020B0604020202020204" pitchFamily="34" charset="0"/>
-              <a:buChar char="•"/>
-            </a:pPr>
-            <a:endParaRPr lang="en-US" sz="3600" dirty="0"/>
-          </a:p>
-          <a:p>
-            <a:endParaRPr lang="en-US" sz="3600" dirty="0">
-              <a:solidFill>
-                <a:schemeClr val="tx1">
-                  <a:lumMod val="50000"/>
-                </a:schemeClr>
-              </a:solidFill>
-            </a:endParaRPr>
-          </a:p>
-          <a:p>
-            <a:endParaRPr lang="en-US" sz="3600" b="1" dirty="0">
-              <a:solidFill>
-                <a:schemeClr val="tx1"/>
-              </a:solidFill>
-            </a:endParaRPr>
-          </a:p>
-          <a:p>
-            <a:endParaRPr lang="en-US" sz="4000" dirty="0">
-              <a:solidFill>
-                <a:schemeClr val="tx2">
-                  <a:lumMod val="60000"/>
-                  <a:lumOff val="40000"/>
-                </a:schemeClr>
-              </a:solidFill>
-            </a:endParaRPr>
-          </a:p>
-          <a:p>
-            <a:pPr marL="685800" indent="-685800">
-              <a:buFont typeface="Arial" panose="020B0604020202020204" pitchFamily="34" charset="0"/>
-              <a:buChar char="•"/>
-            </a:pPr>
-            <a:endParaRPr lang="en-US" sz="4000" dirty="0"/>
-          </a:p>
-        </p:txBody>
-      </p:sp>
-    </p:spTree>
-    <p:extLst>
-      <p:ext uri="{BB962C8B-B14F-4D97-AF65-F5344CB8AC3E}">
-        <p14:creationId xmlns:p14="http://schemas.microsoft.com/office/powerpoint/2010/main" val="353690132"/>
-      </p:ext>
-    </p:extLst>
-  </p:cSld>
-  <p:clrMapOvr>
-    <a:masterClrMapping/>
-  </p:clrMapOvr>
-  <p:transition>
-    <p:fade/>
-  </p:transition>
-</p:sld>
-</file>
-
-<file path=ppt/slides/slide5.xml><?xml version="1.0" encoding="utf-8"?>
-<p:sld xmlns:a="http://schemas.openxmlformats.org/drawingml/2006/main" xmlns:r="http://schemas.openxmlformats.org/officeDocument/2006/relationships" xmlns:p="http://schemas.openxmlformats.org/presentationml/2006/main">
-  <p:cSld>
-    <p:bg>
-      <p:bgPr>
-        <a:blipFill dpi="0" rotWithShape="1">
-          <a:blip r:embed="rId3">
-            <a:alphaModFix amt="12000"/>
-            <a:lum/>
-          </a:blip>
-          <a:srcRect/>
-          <a:stretch>
-            <a:fillRect l="-45000" t="-39000" r="45000" b="-39000"/>
-          </a:stretch>
-        </a:blipFill>
-        <a:effectLst/>
-      </p:bgPr>
-    </p:bg>
-    <p:spTree>
-      <p:nvGrpSpPr>
-        <p:cNvPr id="1" name=""/>
-        <p:cNvGrpSpPr/>
-        <p:nvPr/>
-      </p:nvGrpSpPr>
-      <p:grpSpPr>
-        <a:xfrm>
-          <a:off x="0" y="0"/>
-          <a:ext cx="0" cy="0"/>
-          <a:chOff x="0" y="0"/>
-          <a:chExt cx="0" cy="0"/>
-        </a:xfrm>
-      </p:grpSpPr>
-      <p:sp>
-        <p:nvSpPr>
-          <p:cNvPr id="8" name="TextBox 7"/>
-          <p:cNvSpPr txBox="1"/>
-          <p:nvPr/>
-        </p:nvSpPr>
-        <p:spPr>
-          <a:xfrm>
-            <a:off x="4145965" y="-846623"/>
-            <a:ext cx="362072" cy="621556"/>
-          </a:xfrm>
-          <a:prstGeom prst="rect">
-            <a:avLst/>
-          </a:prstGeom>
-          <a:noFill/>
-        </p:spPr>
-        <p:txBody>
-          <a:bodyPr wrap="none" lIns="179285" tIns="143428" rIns="179285" bIns="143428" rtlCol="0">
-            <a:spAutoFit/>
-          </a:bodyPr>
-          <a:lstStyle/>
-          <a:p>
-            <a:pPr>
-              <a:lnSpc>
-                <a:spcPct val="90000"/>
-              </a:lnSpc>
-              <a:spcAft>
-                <a:spcPts val="588"/>
-              </a:spcAft>
-            </a:pPr>
-            <a:endParaRPr lang="en-US" sz="2353" dirty="0" err="1">
-              <a:gradFill>
-                <a:gsLst>
-                  <a:gs pos="2917">
-                    <a:schemeClr val="tx1"/>
-                  </a:gs>
-                  <a:gs pos="30000">
-                    <a:schemeClr val="tx1"/>
-                  </a:gs>
-                </a:gsLst>
-                <a:lin ang="5400000" scaled="0"/>
-              </a:gradFill>
-            </a:endParaRPr>
-          </a:p>
-        </p:txBody>
-      </p:sp>
-      <p:pic>
-        <p:nvPicPr>
-          <p:cNvPr id="6" name="Picture 5"/>
-          <p:cNvPicPr>
-            <a:picLocks noChangeAspect="1"/>
-          </p:cNvPicPr>
-          <p:nvPr/>
-        </p:nvPicPr>
-        <p:blipFill>
-          <a:blip r:embed="rId4"/>
-          <a:stretch>
-            <a:fillRect/>
-          </a:stretch>
-        </p:blipFill>
-        <p:spPr>
-          <a:xfrm>
-            <a:off x="8386354" y="301617"/>
-            <a:ext cx="3564922" cy="440924"/>
-          </a:xfrm>
-          <a:prstGeom prst="rect">
-            <a:avLst/>
-          </a:prstGeom>
-        </p:spPr>
-      </p:pic>
-      <p:sp>
-        <p:nvSpPr>
-          <p:cNvPr id="9" name="Title 2"/>
-          <p:cNvSpPr txBox="1">
-            <a:spLocks/>
-          </p:cNvSpPr>
-          <p:nvPr/>
-        </p:nvSpPr>
-        <p:spPr>
-          <a:xfrm>
             <a:off x="226485" y="129039"/>
             <a:ext cx="4449192" cy="786080"/>
           </a:xfrm>
@@ -19596,7 +21291,7 @@
 </p:sld>
 </file>
 
-<file path=ppt/slides/slide6.xml><?xml version="1.0" encoding="utf-8"?>
+<file path=ppt/slides/slide5.xml><?xml version="1.0" encoding="utf-8"?>
 <p:sld xmlns:a="http://schemas.openxmlformats.org/drawingml/2006/main" xmlns:r="http://schemas.openxmlformats.org/officeDocument/2006/relationships" xmlns:p="http://schemas.openxmlformats.org/presentationml/2006/main">
   <p:cSld>
     <p:bg>
@@ -20090,7 +21785,7 @@
 </p:sld>
 </file>
 
-<file path=ppt/slides/slide7.xml><?xml version="1.0" encoding="utf-8"?>
+<file path=ppt/slides/slide6.xml><?xml version="1.0" encoding="utf-8"?>
 <p:sld xmlns:a="http://schemas.openxmlformats.org/drawingml/2006/main" xmlns:r="http://schemas.openxmlformats.org/officeDocument/2006/relationships" xmlns:p="http://schemas.openxmlformats.org/presentationml/2006/main">
   <p:cSld>
     <p:spTree>
@@ -20521,7 +22216,7 @@
 </p:sld>
 </file>
 
-<file path=ppt/slides/slide8.xml><?xml version="1.0" encoding="utf-8"?>
+<file path=ppt/slides/slide7.xml><?xml version="1.0" encoding="utf-8"?>
 <p:sld xmlns:a="http://schemas.openxmlformats.org/drawingml/2006/main" xmlns:r="http://schemas.openxmlformats.org/officeDocument/2006/relationships" xmlns:p="http://schemas.openxmlformats.org/presentationml/2006/main">
   <p:cSld>
     <p:spTree>
@@ -21012,7 +22707,7 @@
 </p:sld>
 </file>
 
-<file path=ppt/slides/slide9.xml><?xml version="1.0" encoding="utf-8"?>
+<file path=ppt/slides/slide8.xml><?xml version="1.0" encoding="utf-8"?>
 <p:sld xmlns:a="http://schemas.openxmlformats.org/drawingml/2006/main" xmlns:r="http://schemas.openxmlformats.org/officeDocument/2006/relationships" xmlns:p="http://schemas.openxmlformats.org/presentationml/2006/main">
   <p:cSld>
     <p:bg>
@@ -21419,6 +23114,573 @@
     <p:extLst>
       <p:ext uri="{BB962C8B-B14F-4D97-AF65-F5344CB8AC3E}">
         <p14:creationId xmlns:p14="http://schemas.microsoft.com/office/powerpoint/2010/main" val="988065205"/>
+      </p:ext>
+    </p:extLst>
+  </p:cSld>
+  <p:clrMapOvr>
+    <a:masterClrMapping/>
+  </p:clrMapOvr>
+  <p:transition>
+    <p:fade/>
+  </p:transition>
+</p:sld>
+</file>
+
+<file path=ppt/slides/slide9.xml><?xml version="1.0" encoding="utf-8"?>
+<p:sld xmlns:a="http://schemas.openxmlformats.org/drawingml/2006/main" xmlns:r="http://schemas.openxmlformats.org/officeDocument/2006/relationships" xmlns:p="http://schemas.openxmlformats.org/presentationml/2006/main">
+  <p:cSld>
+    <p:bg>
+      <p:bgPr>
+        <a:blipFill dpi="0" rotWithShape="1">
+          <a:blip r:embed="rId3">
+            <a:alphaModFix amt="12000"/>
+            <a:lum/>
+          </a:blip>
+          <a:srcRect/>
+          <a:stretch>
+            <a:fillRect l="-45000" t="-39000" r="45000" b="-39000"/>
+          </a:stretch>
+        </a:blipFill>
+        <a:effectLst/>
+      </p:bgPr>
+    </p:bg>
+    <p:spTree>
+      <p:nvGrpSpPr>
+        <p:cNvPr id="1" name=""/>
+        <p:cNvGrpSpPr/>
+        <p:nvPr/>
+      </p:nvGrpSpPr>
+      <p:grpSpPr>
+        <a:xfrm>
+          <a:off x="0" y="0"/>
+          <a:ext cx="0" cy="0"/>
+          <a:chOff x="0" y="0"/>
+          <a:chExt cx="0" cy="0"/>
+        </a:xfrm>
+      </p:grpSpPr>
+      <p:sp>
+        <p:nvSpPr>
+          <p:cNvPr id="8" name="TextBox 7"/>
+          <p:cNvSpPr txBox="1"/>
+          <p:nvPr/>
+        </p:nvSpPr>
+        <p:spPr>
+          <a:xfrm>
+            <a:off x="4145965" y="-846623"/>
+            <a:ext cx="362072" cy="621556"/>
+          </a:xfrm>
+          <a:prstGeom prst="rect">
+            <a:avLst/>
+          </a:prstGeom>
+          <a:noFill/>
+        </p:spPr>
+        <p:txBody>
+          <a:bodyPr wrap="none" lIns="179285" tIns="143428" rIns="179285" bIns="143428" rtlCol="0">
+            <a:spAutoFit/>
+          </a:bodyPr>
+          <a:lstStyle/>
+          <a:p>
+            <a:pPr>
+              <a:lnSpc>
+                <a:spcPct val="90000"/>
+              </a:lnSpc>
+              <a:spcAft>
+                <a:spcPts val="588"/>
+              </a:spcAft>
+            </a:pPr>
+            <a:endParaRPr lang="en-US" sz="2353" dirty="0" err="1">
+              <a:gradFill>
+                <a:gsLst>
+                  <a:gs pos="2917">
+                    <a:schemeClr val="tx1"/>
+                  </a:gs>
+                  <a:gs pos="30000">
+                    <a:schemeClr val="tx1"/>
+                  </a:gs>
+                </a:gsLst>
+                <a:lin ang="5400000" scaled="0"/>
+              </a:gradFill>
+            </a:endParaRPr>
+          </a:p>
+        </p:txBody>
+      </p:sp>
+      <p:pic>
+        <p:nvPicPr>
+          <p:cNvPr id="6" name="Picture 5"/>
+          <p:cNvPicPr>
+            <a:picLocks noChangeAspect="1"/>
+          </p:cNvPicPr>
+          <p:nvPr/>
+        </p:nvPicPr>
+        <p:blipFill>
+          <a:blip r:embed="rId4"/>
+          <a:stretch>
+            <a:fillRect/>
+          </a:stretch>
+        </p:blipFill>
+        <p:spPr>
+          <a:xfrm>
+            <a:off x="8386354" y="301617"/>
+            <a:ext cx="3564922" cy="440924"/>
+          </a:xfrm>
+          <a:prstGeom prst="rect">
+            <a:avLst/>
+          </a:prstGeom>
+        </p:spPr>
+      </p:pic>
+      <p:sp>
+        <p:nvSpPr>
+          <p:cNvPr id="9" name="Title 2"/>
+          <p:cNvSpPr txBox="1">
+            <a:spLocks/>
+          </p:cNvSpPr>
+          <p:nvPr/>
+        </p:nvSpPr>
+        <p:spPr>
+          <a:xfrm>
+            <a:off x="226484" y="129039"/>
+            <a:ext cx="8033595" cy="786080"/>
+          </a:xfrm>
+          <a:prstGeom prst="rect">
+            <a:avLst/>
+          </a:prstGeom>
+        </p:spPr>
+        <p:txBody>
+          <a:bodyPr/>
+          <a:lstStyle>
+            <a:lvl1pPr algn="l" defTabSz="914367" rtl="0" eaLnBrk="1" latinLnBrk="0" hangingPunct="1">
+              <a:lnSpc>
+                <a:spcPct val="90000"/>
+              </a:lnSpc>
+              <a:spcBef>
+                <a:spcPct val="0"/>
+              </a:spcBef>
+              <a:buNone/>
+              <a:defRPr lang="en-US" sz="4705" b="0" kern="1200" cap="none" spc="-100" baseline="0" dirty="0" smtClean="0">
+                <a:ln w="3175">
+                  <a:noFill/>
+                </a:ln>
+                <a:gradFill>
+                  <a:gsLst>
+                    <a:gs pos="1250">
+                      <a:schemeClr val="tx1"/>
+                    </a:gs>
+                    <a:gs pos="100000">
+                      <a:schemeClr val="tx1"/>
+                    </a:gs>
+                  </a:gsLst>
+                  <a:lin ang="5400000" scaled="0"/>
+                </a:gradFill>
+                <a:effectLst/>
+                <a:latin typeface="+mj-lt"/>
+                <a:ea typeface="+mn-ea"/>
+                <a:cs typeface="Segoe UI" pitchFamily="34" charset="0"/>
+              </a:defRPr>
+            </a:lvl1pPr>
+          </a:lstStyle>
+          <a:p>
+            <a:r>
+              <a:rPr lang="en-US" sz="6000" dirty="0"/>
+              <a:t>App Class </a:t>
+            </a:r>
+          </a:p>
+        </p:txBody>
+      </p:sp>
+      <p:sp>
+        <p:nvSpPr>
+          <p:cNvPr id="7" name="Title 2"/>
+          <p:cNvSpPr txBox="1">
+            <a:spLocks/>
+          </p:cNvSpPr>
+          <p:nvPr/>
+        </p:nvSpPr>
+        <p:spPr>
+          <a:xfrm>
+            <a:off x="660825" y="898853"/>
+            <a:ext cx="2257635" cy="583071"/>
+          </a:xfrm>
+          <a:prstGeom prst="rect">
+            <a:avLst/>
+          </a:prstGeom>
+        </p:spPr>
+        <p:txBody>
+          <a:bodyPr/>
+          <a:lstStyle>
+            <a:lvl1pPr algn="l" defTabSz="914367" rtl="0" eaLnBrk="1" latinLnBrk="0" hangingPunct="1">
+              <a:lnSpc>
+                <a:spcPct val="90000"/>
+              </a:lnSpc>
+              <a:spcBef>
+                <a:spcPct val="0"/>
+              </a:spcBef>
+              <a:buNone/>
+              <a:defRPr lang="en-US" sz="4705" b="0" kern="1200" cap="none" spc="-100" baseline="0" dirty="0" smtClean="0">
+                <a:ln w="3175">
+                  <a:noFill/>
+                </a:ln>
+                <a:gradFill>
+                  <a:gsLst>
+                    <a:gs pos="1250">
+                      <a:schemeClr val="tx1"/>
+                    </a:gs>
+                    <a:gs pos="100000">
+                      <a:schemeClr val="tx1"/>
+                    </a:gs>
+                  </a:gsLst>
+                  <a:lin ang="5400000" scaled="0"/>
+                </a:gradFill>
+                <a:effectLst/>
+                <a:latin typeface="+mj-lt"/>
+                <a:ea typeface="+mn-ea"/>
+                <a:cs typeface="Segoe UI" pitchFamily="34" charset="0"/>
+              </a:defRPr>
+            </a:lvl1pPr>
+          </a:lstStyle>
+          <a:p>
+            <a:endParaRPr lang="en-US" sz="3200" dirty="0"/>
+          </a:p>
+        </p:txBody>
+      </p:sp>
+      <p:sp>
+        <p:nvSpPr>
+          <p:cNvPr id="10" name="Title 2"/>
+          <p:cNvSpPr txBox="1">
+            <a:spLocks/>
+          </p:cNvSpPr>
+          <p:nvPr/>
+        </p:nvSpPr>
+        <p:spPr>
+          <a:xfrm>
+            <a:off x="316424" y="1242623"/>
+            <a:ext cx="10694476" cy="1611135"/>
+          </a:xfrm>
+          <a:prstGeom prst="rect">
+            <a:avLst/>
+          </a:prstGeom>
+        </p:spPr>
+        <p:txBody>
+          <a:bodyPr/>
+          <a:lstStyle>
+            <a:lvl1pPr algn="l" defTabSz="914367" rtl="0" eaLnBrk="1" latinLnBrk="0" hangingPunct="1">
+              <a:lnSpc>
+                <a:spcPct val="90000"/>
+              </a:lnSpc>
+              <a:spcBef>
+                <a:spcPct val="0"/>
+              </a:spcBef>
+              <a:buNone/>
+              <a:defRPr lang="en-US" sz="4705" b="0" kern="1200" cap="none" spc="-100" baseline="0" dirty="0" smtClean="0">
+                <a:ln w="3175">
+                  <a:noFill/>
+                </a:ln>
+                <a:gradFill>
+                  <a:gsLst>
+                    <a:gs pos="1250">
+                      <a:schemeClr val="tx1"/>
+                    </a:gs>
+                    <a:gs pos="100000">
+                      <a:schemeClr val="tx1"/>
+                    </a:gs>
+                  </a:gsLst>
+                  <a:lin ang="5400000" scaled="0"/>
+                </a:gradFill>
+                <a:effectLst/>
+                <a:latin typeface="+mj-lt"/>
+                <a:ea typeface="+mn-ea"/>
+                <a:cs typeface="Segoe UI" pitchFamily="34" charset="0"/>
+              </a:defRPr>
+            </a:lvl1pPr>
+          </a:lstStyle>
+          <a:p>
+            <a:pPr marL="685800" indent="-685800">
+              <a:buFont typeface="Arial" panose="020B0604020202020204" pitchFamily="34" charset="0"/>
+              <a:buChar char="•"/>
+            </a:pPr>
+            <a:r>
+              <a:rPr lang="en-US" sz="3600" dirty="0"/>
+              <a:t>To add Prism support to </a:t>
+            </a:r>
+            <a:r>
+              <a:rPr lang="en-US" sz="3600" dirty="0" err="1"/>
+              <a:t>Xamarin.Forms</a:t>
+            </a:r>
+            <a:r>
+              <a:rPr lang="en-US" sz="3600" dirty="0"/>
+              <a:t>, The App class needs to inherit from </a:t>
+            </a:r>
+            <a:r>
+              <a:rPr lang="en-US" sz="3600" b="1" dirty="0" err="1"/>
+              <a:t>PrismApplication</a:t>
+            </a:r>
+            <a:r>
+              <a:rPr lang="en-US" sz="3600" dirty="0"/>
+              <a:t> instead of </a:t>
+            </a:r>
+            <a:r>
+              <a:rPr lang="en-US" sz="3600" b="1" dirty="0"/>
+              <a:t>Application</a:t>
+            </a:r>
+            <a:endParaRPr lang="en-US" sz="3600" dirty="0"/>
+          </a:p>
+          <a:p>
+            <a:endParaRPr lang="en-US" sz="3600" dirty="0">
+              <a:solidFill>
+                <a:schemeClr val="tx1">
+                  <a:lumMod val="50000"/>
+                </a:schemeClr>
+              </a:solidFill>
+            </a:endParaRPr>
+          </a:p>
+          <a:p>
+            <a:endParaRPr lang="en-US" sz="3600" dirty="0">
+              <a:solidFill>
+                <a:schemeClr val="tx1"/>
+              </a:solidFill>
+            </a:endParaRPr>
+          </a:p>
+          <a:p>
+            <a:endParaRPr lang="en-US" sz="4000" dirty="0">
+              <a:solidFill>
+                <a:schemeClr val="tx2">
+                  <a:lumMod val="60000"/>
+                  <a:lumOff val="40000"/>
+                </a:schemeClr>
+              </a:solidFill>
+            </a:endParaRPr>
+          </a:p>
+          <a:p>
+            <a:pPr marL="685800" indent="-685800">
+              <a:buFont typeface="Arial" panose="020B0604020202020204" pitchFamily="34" charset="0"/>
+              <a:buChar char="•"/>
+            </a:pPr>
+            <a:endParaRPr lang="en-US" sz="4000" dirty="0"/>
+          </a:p>
+        </p:txBody>
+      </p:sp>
+      <p:pic>
+        <p:nvPicPr>
+          <p:cNvPr id="2" name="Picture 1"/>
+          <p:cNvPicPr>
+            <a:picLocks noChangeAspect="1"/>
+          </p:cNvPicPr>
+          <p:nvPr/>
+        </p:nvPicPr>
+        <p:blipFill>
+          <a:blip r:embed="rId5"/>
+          <a:stretch>
+            <a:fillRect/>
+          </a:stretch>
+        </p:blipFill>
+        <p:spPr>
+          <a:xfrm>
+            <a:off x="3549761" y="2696811"/>
+            <a:ext cx="5972175" cy="1171575"/>
+          </a:xfrm>
+          <a:prstGeom prst="rect">
+            <a:avLst/>
+          </a:prstGeom>
+          <a:ln>
+            <a:noFill/>
+          </a:ln>
+          <a:effectLst>
+            <a:outerShdw blurRad="292100" dist="139700" dir="2700000" algn="tl" rotWithShape="0">
+              <a:srgbClr val="333333">
+                <a:alpha val="65000"/>
+              </a:srgbClr>
+            </a:outerShdw>
+          </a:effectLst>
+        </p:spPr>
+      </p:pic>
+      <p:pic>
+        <p:nvPicPr>
+          <p:cNvPr id="4" name="Picture 3"/>
+          <p:cNvPicPr>
+            <a:picLocks noChangeAspect="1"/>
+          </p:cNvPicPr>
+          <p:nvPr/>
+        </p:nvPicPr>
+        <p:blipFill>
+          <a:blip r:embed="rId6"/>
+          <a:stretch>
+            <a:fillRect/>
+          </a:stretch>
+        </p:blipFill>
+        <p:spPr>
+          <a:xfrm>
+            <a:off x="1134037" y="3521404"/>
+            <a:ext cx="2038350" cy="1428750"/>
+          </a:xfrm>
+          <a:prstGeom prst="rect">
+            <a:avLst/>
+          </a:prstGeom>
+          <a:ln>
+            <a:noFill/>
+          </a:ln>
+          <a:effectLst>
+            <a:outerShdw blurRad="292100" dist="139700" dir="2700000" algn="tl" rotWithShape="0">
+              <a:srgbClr val="333333">
+                <a:alpha val="65000"/>
+              </a:srgbClr>
+            </a:outerShdw>
+          </a:effectLst>
+        </p:spPr>
+      </p:pic>
+      <p:pic>
+        <p:nvPicPr>
+          <p:cNvPr id="5" name="Picture 4"/>
+          <p:cNvPicPr>
+            <a:picLocks noChangeAspect="1"/>
+          </p:cNvPicPr>
+          <p:nvPr/>
+        </p:nvPicPr>
+        <p:blipFill>
+          <a:blip r:embed="rId7"/>
+          <a:stretch>
+            <a:fillRect/>
+          </a:stretch>
+        </p:blipFill>
+        <p:spPr>
+          <a:xfrm>
+            <a:off x="3549761" y="4078864"/>
+            <a:ext cx="4768484" cy="2638512"/>
+          </a:xfrm>
+          <a:prstGeom prst="rect">
+            <a:avLst/>
+          </a:prstGeom>
+          <a:ln>
+            <a:noFill/>
+          </a:ln>
+          <a:effectLst>
+            <a:outerShdw blurRad="292100" dist="139700" dir="2700000" algn="tl" rotWithShape="0">
+              <a:srgbClr val="333333">
+                <a:alpha val="65000"/>
+              </a:srgbClr>
+            </a:outerShdw>
+          </a:effectLst>
+        </p:spPr>
+      </p:pic>
+      <p:sp>
+        <p:nvSpPr>
+          <p:cNvPr id="14" name="Title 2"/>
+          <p:cNvSpPr txBox="1">
+            <a:spLocks/>
+          </p:cNvSpPr>
+          <p:nvPr/>
+        </p:nvSpPr>
+        <p:spPr>
+          <a:xfrm>
+            <a:off x="9693641" y="3045130"/>
+            <a:ext cx="2257635" cy="583071"/>
+          </a:xfrm>
+          <a:prstGeom prst="rect">
+            <a:avLst/>
+          </a:prstGeom>
+        </p:spPr>
+        <p:txBody>
+          <a:bodyPr/>
+          <a:lstStyle>
+            <a:lvl1pPr algn="l" defTabSz="914367" rtl="0" eaLnBrk="1" latinLnBrk="0" hangingPunct="1">
+              <a:lnSpc>
+                <a:spcPct val="90000"/>
+              </a:lnSpc>
+              <a:spcBef>
+                <a:spcPct val="0"/>
+              </a:spcBef>
+              <a:buNone/>
+              <a:defRPr lang="en-US" sz="4705" b="0" kern="1200" cap="none" spc="-100" baseline="0" dirty="0" smtClean="0">
+                <a:ln w="3175">
+                  <a:noFill/>
+                </a:ln>
+                <a:gradFill>
+                  <a:gsLst>
+                    <a:gs pos="1250">
+                      <a:schemeClr val="tx1"/>
+                    </a:gs>
+                    <a:gs pos="100000">
+                      <a:schemeClr val="tx1"/>
+                    </a:gs>
+                  </a:gsLst>
+                  <a:lin ang="5400000" scaled="0"/>
+                </a:gradFill>
+                <a:effectLst/>
+                <a:latin typeface="+mj-lt"/>
+                <a:ea typeface="+mn-ea"/>
+                <a:cs typeface="Segoe UI" pitchFamily="34" charset="0"/>
+              </a:defRPr>
+            </a:lvl1pPr>
+          </a:lstStyle>
+          <a:p>
+            <a:r>
+              <a:rPr lang="en-US" sz="3200" dirty="0" err="1"/>
+              <a:t>App.xaml</a:t>
+            </a:r>
+            <a:endParaRPr lang="en-US" sz="3200" dirty="0"/>
+          </a:p>
+        </p:txBody>
+      </p:sp>
+      <p:sp>
+        <p:nvSpPr>
+          <p:cNvPr id="15" name="Title 2"/>
+          <p:cNvSpPr txBox="1">
+            <a:spLocks/>
+          </p:cNvSpPr>
+          <p:nvPr/>
+        </p:nvSpPr>
+        <p:spPr>
+          <a:xfrm>
+            <a:off x="8393118" y="5188593"/>
+            <a:ext cx="2257635" cy="583071"/>
+          </a:xfrm>
+          <a:prstGeom prst="rect">
+            <a:avLst/>
+          </a:prstGeom>
+        </p:spPr>
+        <p:txBody>
+          <a:bodyPr/>
+          <a:lstStyle>
+            <a:lvl1pPr algn="l" defTabSz="914367" rtl="0" eaLnBrk="1" latinLnBrk="0" hangingPunct="1">
+              <a:lnSpc>
+                <a:spcPct val="90000"/>
+              </a:lnSpc>
+              <a:spcBef>
+                <a:spcPct val="0"/>
+              </a:spcBef>
+              <a:buNone/>
+              <a:defRPr lang="en-US" sz="4705" b="0" kern="1200" cap="none" spc="-100" baseline="0" dirty="0" smtClean="0">
+                <a:ln w="3175">
+                  <a:noFill/>
+                </a:ln>
+                <a:gradFill>
+                  <a:gsLst>
+                    <a:gs pos="1250">
+                      <a:schemeClr val="tx1"/>
+                    </a:gs>
+                    <a:gs pos="100000">
+                      <a:schemeClr val="tx1"/>
+                    </a:gs>
+                  </a:gsLst>
+                  <a:lin ang="5400000" scaled="0"/>
+                </a:gradFill>
+                <a:effectLst/>
+                <a:latin typeface="+mj-lt"/>
+                <a:ea typeface="+mn-ea"/>
+                <a:cs typeface="Segoe UI" pitchFamily="34" charset="0"/>
+              </a:defRPr>
+            </a:lvl1pPr>
+          </a:lstStyle>
+          <a:p>
+            <a:r>
+              <a:rPr lang="en-US" sz="3200" dirty="0" err="1"/>
+              <a:t>App.xaml.cs</a:t>
+            </a:r>
+            <a:endParaRPr lang="en-US" sz="3200" dirty="0"/>
+          </a:p>
+        </p:txBody>
+      </p:sp>
+    </p:spTree>
+    <p:extLst>
+      <p:ext uri="{BB962C8B-B14F-4D97-AF65-F5344CB8AC3E}">
+        <p14:creationId xmlns:p14="http://schemas.microsoft.com/office/powerpoint/2010/main" val="2192424861"/>
       </p:ext>
     </p:extLst>
   </p:cSld>
